--- a/PPT/04-Accenture-FS-Angular-Router.pptx
+++ b/PPT/04-Accenture-FS-Angular-Router.pptx
@@ -154,7 +154,7 @@
   </p:defaultTextStyle>
   <p:extLst>
     <p:ext uri="{EFAFB233-063F-42B5-8137-9DF3F51BA10A}">
-      <p15:sldGuideLst xmlns:p15="http://schemas.microsoft.com/office/powerpoint/2012/main" xmlns="">
+      <p15:sldGuideLst xmlns:p15="http://schemas.microsoft.com/office/powerpoint/2012/main">
         <p15:guide id="1" orient="horz" pos="1275">
           <p15:clr>
             <a:srgbClr val="A4A3A4"/>
@@ -193,7 +193,7 @@
       </p15:sldGuideLst>
     </p:ext>
     <p:ext uri="{2D200454-40CA-4A62-9FC3-DE9A4176ACB9}">
-      <p15:notesGuideLst xmlns:p15="http://schemas.microsoft.com/office/powerpoint/2012/main" xmlns="">
+      <p15:notesGuideLst xmlns:p15="http://schemas.microsoft.com/office/powerpoint/2012/main">
         <p15:guide id="1" orient="horz" pos="3223">
           <p15:clr>
             <a:srgbClr val="A4A3A4"/>
@@ -14006,14 +14006,14 @@
           <p:nvPr>
             <p:extLst>
               <p:ext uri="{D42A27DB-BD31-4B8C-83A1-F6EECF244321}">
-                <p14:modId xmlns:p14="http://schemas.microsoft.com/office/powerpoint/2010/main" val="2574881788"/>
+                <p14:modId xmlns:p14="http://schemas.microsoft.com/office/powerpoint/2010/main" val="3124246680"/>
               </p:ext>
             </p:extLst>
           </p:nvPr>
         </p:nvGraphicFramePr>
         <p:xfrm>
           <a:off x="422348" y="1333500"/>
-          <a:ext cx="7612062" cy="4232022"/>
+          <a:ext cx="7612062" cy="4074924"/>
         </p:xfrm>
         <a:graphic>
           <a:graphicData uri="http://schemas.openxmlformats.org/drawingml/2006/table">
@@ -14023,7 +14023,7 @@
                 <a:gridCol w="7612062">
                   <a:extLst>
                     <a:ext uri="{9D8B030D-6E8A-4147-A177-3AD203B41FA5}">
-                      <a16:colId xmlns="" xmlns:a16="http://schemas.microsoft.com/office/drawing/2014/main" val="20000"/>
+                      <a16:colId xmlns:a16="http://schemas.microsoft.com/office/drawing/2014/main" xmlns="" val="20000"/>
                     </a:ext>
                   </a:extLst>
                 </a:gridCol>
@@ -14143,7 +14143,7 @@
                 </a:tc>
                 <a:extLst>
                   <a:ext uri="{0D108BD9-81ED-4DB2-BD59-A6C34878D82A}">
-                    <a16:rowId xmlns="" xmlns:a16="http://schemas.microsoft.com/office/drawing/2014/main" val="10000"/>
+                    <a16:rowId xmlns:a16="http://schemas.microsoft.com/office/drawing/2014/main" xmlns="" val="10000"/>
                   </a:ext>
                 </a:extLst>
               </a:tr>
@@ -14235,7 +14235,7 @@
                 </a:tc>
                 <a:extLst>
                   <a:ext uri="{0D108BD9-81ED-4DB2-BD59-A6C34878D82A}">
-                    <a16:rowId xmlns="" xmlns:a16="http://schemas.microsoft.com/office/drawing/2014/main" val="10001"/>
+                    <a16:rowId xmlns:a16="http://schemas.microsoft.com/office/drawing/2014/main" xmlns="" val="10001"/>
                   </a:ext>
                 </a:extLst>
               </a:tr>
@@ -14263,7 +14263,7 @@
                         <a:defRPr/>
                       </a:pPr>
                       <a:r>
-                        <a:rPr kumimoji="0" lang="en-US" altLang="zh-CN" sz="2200" b="0" i="0" u="none" strike="noStrike" cap="none" normalizeH="0" baseline="0" dirty="0" smtClean="0">
+                        <a:rPr kumimoji="0" lang="en-US" altLang="zh-CN" sz="2200" b="0" i="0" u="none" strike="noStrike" kern="1200" cap="none" normalizeH="0" baseline="0" dirty="0" smtClean="0">
                           <a:ln>
                             <a:noFill/>
                           </a:ln>
@@ -14273,11 +14273,12 @@
                           <a:effectLst/>
                           <a:latin typeface="SimSun" panose="02010600030101010101" pitchFamily="2" charset="-122"/>
                           <a:ea typeface="SimSun" panose="02010600030101010101" pitchFamily="2" charset="-122"/>
+                          <a:cs typeface="+mn-cs"/>
                         </a:rPr>
                         <a:t>Router</a:t>
                       </a:r>
                       <a:r>
-                        <a:rPr kumimoji="0" lang="zh-CN" altLang="en-US" sz="2200" b="0" i="0" u="none" strike="noStrike" cap="none" normalizeH="0" baseline="0" dirty="0" smtClean="0">
+                        <a:rPr kumimoji="0" lang="zh-CN" altLang="en-US" sz="2200" b="0" i="0" u="none" strike="noStrike" kern="1200" cap="none" normalizeH="0" baseline="0" dirty="0" smtClean="0">
                           <a:ln>
                             <a:noFill/>
                           </a:ln>
@@ -14287,10 +14288,11 @@
                           <a:effectLst/>
                           <a:latin typeface="SimSun" panose="02010600030101010101" pitchFamily="2" charset="-122"/>
                           <a:ea typeface="SimSun" panose="02010600030101010101" pitchFamily="2" charset="-122"/>
+                          <a:cs typeface="+mn-cs"/>
                         </a:rPr>
                         <a:t>与画面关联</a:t>
                       </a:r>
-                      <a:endParaRPr kumimoji="0" lang="en-US" altLang="zh-CN" sz="2200" b="0" i="0" u="none" strike="noStrike" cap="none" normalizeH="0" baseline="0" dirty="0">
+                      <a:endParaRPr kumimoji="0" lang="en-US" altLang="zh-CN" sz="2200" b="0" i="0" u="none" strike="noStrike" kern="1200" cap="none" normalizeH="0" baseline="0" dirty="0">
                         <a:ln>
                           <a:noFill/>
                         </a:ln>
@@ -14300,6 +14302,7 @@
                         <a:effectLst/>
                         <a:latin typeface="SimSun" panose="02010600030101010101" pitchFamily="2" charset="-122"/>
                         <a:ea typeface="SimSun" panose="02010600030101010101" pitchFamily="2" charset="-122"/>
+                        <a:cs typeface="+mn-cs"/>
                       </a:endParaRPr>
                     </a:p>
                   </a:txBody>
@@ -14327,7 +14330,7 @@
                 </a:tc>
                 <a:extLst>
                   <a:ext uri="{0D108BD9-81ED-4DB2-BD59-A6C34878D82A}">
-                    <a16:rowId xmlns="" xmlns:a16="http://schemas.microsoft.com/office/drawing/2014/main" val="10002"/>
+                    <a16:rowId xmlns:a16="http://schemas.microsoft.com/office/drawing/2014/main" xmlns="" val="10002"/>
                   </a:ext>
                 </a:extLst>
               </a:tr>
@@ -14352,9 +14355,10 @@
                         <a:buFont typeface="Arial" panose="020B0604020202020204" pitchFamily="34" charset="0"/>
                         <a:buChar char="•"/>
                         <a:tabLst/>
+                        <a:defRPr/>
                       </a:pPr>
                       <a:r>
-                        <a:rPr kumimoji="0" lang="en-US" altLang="zh-CN" sz="2200" b="0" i="0" u="none" strike="noStrike" cap="none" normalizeH="0" baseline="0" dirty="0" smtClean="0">
+                        <a:rPr kumimoji="0" lang="en-US" altLang="zh-CN" sz="2200" b="0" i="0" u="none" strike="noStrike" kern="1200" cap="none" normalizeH="0" baseline="0" dirty="0" smtClean="0">
                           <a:ln>
                             <a:noFill/>
                           </a:ln>
@@ -14364,11 +14368,12 @@
                           <a:effectLst/>
                           <a:latin typeface="SimSun" panose="02010600030101010101" pitchFamily="2" charset="-122"/>
                           <a:ea typeface="SimSun" panose="02010600030101010101" pitchFamily="2" charset="-122"/>
+                          <a:cs typeface="+mn-cs"/>
                         </a:rPr>
                         <a:t>Route</a:t>
                       </a:r>
                       <a:r>
-                        <a:rPr kumimoji="0" lang="zh-CN" altLang="en-US" sz="2200" b="0" i="0" u="none" strike="noStrike" cap="none" normalizeH="0" baseline="0" dirty="0" smtClean="0">
+                        <a:rPr kumimoji="0" lang="zh-CN" altLang="en-US" sz="2200" b="0" i="0" u="none" strike="noStrike" kern="1200" cap="none" normalizeH="0" baseline="0" dirty="0" smtClean="0">
                           <a:ln>
                             <a:noFill/>
                           </a:ln>
@@ -14378,10 +14383,11 @@
                           <a:effectLst/>
                           <a:latin typeface="SimSun" panose="02010600030101010101" pitchFamily="2" charset="-122"/>
                           <a:ea typeface="SimSun" panose="02010600030101010101" pitchFamily="2" charset="-122"/>
+                          <a:cs typeface="+mn-cs"/>
                         </a:rPr>
                         <a:t>属性</a:t>
                       </a:r>
-                      <a:endParaRPr kumimoji="0" lang="en-US" altLang="zh-CN" sz="2200" b="0" i="0" u="none" strike="noStrike" cap="none" normalizeH="0" baseline="0" dirty="0">
+                      <a:endParaRPr kumimoji="0" lang="en-US" altLang="zh-CN" sz="2200" b="0" i="0" u="none" strike="noStrike" kern="1200" cap="none" normalizeH="0" baseline="0" dirty="0">
                         <a:ln>
                           <a:noFill/>
                         </a:ln>
@@ -14391,6 +14397,7 @@
                         <a:effectLst/>
                         <a:latin typeface="SimSun" panose="02010600030101010101" pitchFamily="2" charset="-122"/>
                         <a:ea typeface="SimSun" panose="02010600030101010101" pitchFamily="2" charset="-122"/>
+                        <a:cs typeface="+mn-cs"/>
                       </a:endParaRPr>
                     </a:p>
                     <a:p>
@@ -14409,9 +14416,10 @@
                         <a:buFont typeface="Arial" panose="020B0604020202020204" pitchFamily="34" charset="0"/>
                         <a:buChar char="•"/>
                         <a:tabLst/>
+                        <a:defRPr/>
                       </a:pPr>
                       <a:r>
-                        <a:rPr kumimoji="0" lang="en-US" altLang="zh-CN" sz="2200" b="0" i="0" u="none" strike="noStrike" cap="none" normalizeH="0" baseline="0" dirty="0" smtClean="0">
+                        <a:rPr kumimoji="0" lang="en-US" altLang="zh-CN" sz="2200" b="0" i="0" u="none" strike="noStrike" kern="1200" cap="none" normalizeH="0" baseline="0" dirty="0" smtClean="0">
                           <a:ln>
                             <a:noFill/>
                           </a:ln>
@@ -14421,11 +14429,12 @@
                           <a:effectLst/>
                           <a:latin typeface="SimSun" panose="02010600030101010101" pitchFamily="2" charset="-122"/>
                           <a:ea typeface="SimSun" panose="02010600030101010101" pitchFamily="2" charset="-122"/>
+                          <a:cs typeface="+mn-cs"/>
                         </a:rPr>
                         <a:t>Router</a:t>
                       </a:r>
                       <a:r>
-                        <a:rPr kumimoji="0" lang="zh-CN" altLang="en-US" sz="2200" b="0" i="0" u="none" strike="noStrike" cap="none" normalizeH="0" baseline="0" dirty="0" smtClean="0">
+                        <a:rPr kumimoji="0" lang="zh-CN" altLang="en-US" sz="2200" b="0" i="0" u="none" strike="noStrike" kern="1200" cap="none" normalizeH="0" baseline="0" dirty="0" smtClean="0">
                           <a:ln>
                             <a:noFill/>
                           </a:ln>
@@ -14435,10 +14444,11 @@
                           <a:effectLst/>
                           <a:latin typeface="SimSun" panose="02010600030101010101" pitchFamily="2" charset="-122"/>
                           <a:ea typeface="SimSun" panose="02010600030101010101" pitchFamily="2" charset="-122"/>
+                          <a:cs typeface="+mn-cs"/>
                         </a:rPr>
                         <a:t>的传值</a:t>
                       </a:r>
-                      <a:endParaRPr kumimoji="0" lang="en-US" altLang="zh-CN" sz="2200" b="0" i="0" u="none" strike="noStrike" cap="none" normalizeH="0" baseline="0" dirty="0" smtClean="0">
+                      <a:endParaRPr kumimoji="0" lang="en-US" altLang="zh-CN" sz="2200" b="0" i="0" u="none" strike="noStrike" kern="1200" cap="none" normalizeH="0" baseline="0" dirty="0" smtClean="0">
                         <a:ln>
                           <a:noFill/>
                         </a:ln>
@@ -14448,6 +14458,7 @@
                         <a:effectLst/>
                         <a:latin typeface="SimSun" panose="02010600030101010101" pitchFamily="2" charset="-122"/>
                         <a:ea typeface="SimSun" panose="02010600030101010101" pitchFamily="2" charset="-122"/>
+                        <a:cs typeface="+mn-cs"/>
                       </a:endParaRPr>
                     </a:p>
                     <a:p>
@@ -14466,9 +14477,10 @@
                         <a:buFont typeface="Arial" panose="020B0604020202020204" pitchFamily="34" charset="0"/>
                         <a:buChar char="•"/>
                         <a:tabLst/>
+                        <a:defRPr/>
                       </a:pPr>
                       <a:r>
-                        <a:rPr kumimoji="0" lang="en-US" altLang="zh-CN" sz="2200" b="0" i="0" u="none" strike="noStrike" cap="none" normalizeH="0" baseline="0" dirty="0" smtClean="0">
+                        <a:rPr kumimoji="0" lang="en-US" altLang="zh-CN" sz="2200" b="0" i="0" u="none" strike="noStrike" kern="1200" cap="none" normalizeH="0" baseline="0" dirty="0" smtClean="0">
                           <a:ln>
                             <a:noFill/>
                           </a:ln>
@@ -14478,11 +14490,12 @@
                           <a:effectLst/>
                           <a:latin typeface="SimSun" panose="02010600030101010101" pitchFamily="2" charset="-122"/>
                           <a:ea typeface="SimSun" panose="02010600030101010101" pitchFamily="2" charset="-122"/>
+                          <a:cs typeface="+mn-cs"/>
                         </a:rPr>
                         <a:t>Router</a:t>
                       </a:r>
                       <a:r>
-                        <a:rPr kumimoji="0" lang="zh-CN" altLang="en-US" sz="2200" b="0" i="0" u="none" strike="noStrike" cap="none" normalizeH="0" baseline="0" dirty="0" smtClean="0">
+                        <a:rPr kumimoji="0" lang="zh-CN" altLang="en-US" sz="2200" b="0" i="0" u="none" strike="noStrike" kern="1200" cap="none" normalizeH="0" baseline="0" dirty="0" smtClean="0">
                           <a:ln>
                             <a:noFill/>
                           </a:ln>
@@ -14492,10 +14505,11 @@
                           <a:effectLst/>
                           <a:latin typeface="SimSun" panose="02010600030101010101" pitchFamily="2" charset="-122"/>
                           <a:ea typeface="SimSun" panose="02010600030101010101" pitchFamily="2" charset="-122"/>
+                          <a:cs typeface="+mn-cs"/>
                         </a:rPr>
                         <a:t>卫士</a:t>
                       </a:r>
-                      <a:endParaRPr kumimoji="0" lang="en-US" altLang="zh-CN" sz="2200" b="0" i="0" u="none" strike="noStrike" cap="none" normalizeH="0" baseline="0" dirty="0" smtClean="0">
+                      <a:endParaRPr kumimoji="0" lang="en-US" altLang="zh-CN" sz="2200" b="0" i="0" u="none" strike="noStrike" kern="1200" cap="none" normalizeH="0" baseline="0" dirty="0" smtClean="0">
                         <a:ln>
                           <a:noFill/>
                         </a:ln>
@@ -14505,6 +14519,7 @@
                         <a:effectLst/>
                         <a:latin typeface="SimSun" panose="02010600030101010101" pitchFamily="2" charset="-122"/>
                         <a:ea typeface="SimSun" panose="02010600030101010101" pitchFamily="2" charset="-122"/>
+                        <a:cs typeface="+mn-cs"/>
                       </a:endParaRPr>
                     </a:p>
                     <a:p>
@@ -14523,9 +14538,10 @@
                         <a:buFont typeface="Arial" panose="020B0604020202020204" pitchFamily="34" charset="0"/>
                         <a:buChar char="•"/>
                         <a:tabLst/>
+                        <a:defRPr/>
                       </a:pPr>
                       <a:r>
-                        <a:rPr kumimoji="0" lang="zh-CN" altLang="en-US" sz="2200" b="0" i="0" u="none" strike="noStrike" cap="none" normalizeH="0" baseline="0" dirty="0" smtClean="0">
+                        <a:rPr kumimoji="0" lang="zh-CN" altLang="en-US" sz="2200" b="0" i="0" u="none" strike="noStrike" kern="1200" cap="none" normalizeH="0" baseline="0" dirty="0" smtClean="0">
                           <a:ln>
                             <a:noFill/>
                           </a:ln>
@@ -14535,11 +14551,12 @@
                           <a:effectLst/>
                           <a:latin typeface="SimSun" panose="02010600030101010101" pitchFamily="2" charset="-122"/>
                           <a:ea typeface="SimSun" panose="02010600030101010101" pitchFamily="2" charset="-122"/>
+                          <a:cs typeface="+mn-cs"/>
                         </a:rPr>
                         <a:t>作业</a:t>
                       </a:r>
                       <a:r>
-                        <a:rPr kumimoji="0" lang="en-US" altLang="zh-CN" sz="2200" b="0" i="0" u="none" strike="noStrike" cap="none" normalizeH="0" baseline="0" dirty="0">
+                        <a:rPr kumimoji="0" lang="en-US" altLang="zh-CN" sz="2200" b="0" i="0" u="none" strike="noStrike" kern="1200" cap="none" normalizeH="0" baseline="0" dirty="0">
                           <a:ln>
                             <a:noFill/>
                           </a:ln>
@@ -14549,11 +14566,12 @@
                           <a:effectLst/>
                           <a:latin typeface="SimSun" panose="02010600030101010101" pitchFamily="2" charset="-122"/>
                           <a:ea typeface="SimSun" panose="02010600030101010101" pitchFamily="2" charset="-122"/>
+                          <a:cs typeface="+mn-cs"/>
                         </a:rPr>
                         <a:t>&amp;</a:t>
                       </a:r>
                       <a:r>
-                        <a:rPr kumimoji="0" lang="zh-CN" altLang="en-US" sz="2200" b="0" i="0" u="none" strike="noStrike" cap="none" normalizeH="0" baseline="0" dirty="0">
+                        <a:rPr kumimoji="0" lang="zh-CN" altLang="en-US" sz="2200" b="0" i="0" u="none" strike="noStrike" kern="1200" cap="none" normalizeH="0" baseline="0" dirty="0">
                           <a:ln>
                             <a:noFill/>
                           </a:ln>
@@ -14563,10 +14581,11 @@
                           <a:effectLst/>
                           <a:latin typeface="SimSun" panose="02010600030101010101" pitchFamily="2" charset="-122"/>
                           <a:ea typeface="SimSun" panose="02010600030101010101" pitchFamily="2" charset="-122"/>
+                          <a:cs typeface="+mn-cs"/>
                         </a:rPr>
                         <a:t>练习</a:t>
                       </a:r>
-                      <a:endParaRPr kumimoji="0" lang="en-US" altLang="zh-CN" sz="2200" b="0" i="0" u="none" strike="noStrike" cap="none" normalizeH="0" baseline="0" dirty="0">
+                      <a:endParaRPr kumimoji="0" lang="en-US" altLang="zh-CN" sz="2200" b="0" i="0" u="none" strike="noStrike" kern="1200" cap="none" normalizeH="0" baseline="0" dirty="0">
                         <a:ln>
                           <a:noFill/>
                         </a:ln>
@@ -14576,6 +14595,7 @@
                         <a:effectLst/>
                         <a:latin typeface="SimSun" panose="02010600030101010101" pitchFamily="2" charset="-122"/>
                         <a:ea typeface="SimSun" panose="02010600030101010101" pitchFamily="2" charset="-122"/>
+                        <a:cs typeface="+mn-cs"/>
                       </a:endParaRPr>
                     </a:p>
                     <a:p>
@@ -14594,9 +14614,10 @@
                         <a:buFont typeface="Arial" panose="020B0604020202020204" pitchFamily="34" charset="0"/>
                         <a:buChar char="•"/>
                         <a:tabLst/>
+                        <a:defRPr/>
                       </a:pPr>
                       <a:r>
-                        <a:rPr kumimoji="0" lang="en-US" altLang="zh-CN" sz="2200" b="0" i="0" u="none" strike="noStrike" cap="none" normalizeH="0" baseline="0" dirty="0">
+                        <a:rPr kumimoji="0" lang="en-US" altLang="zh-CN" sz="2200" b="0" i="0" u="none" strike="noStrike" kern="1200" cap="none" normalizeH="0" baseline="0" dirty="0">
                           <a:ln>
                             <a:noFill/>
                           </a:ln>
@@ -14606,10 +14627,11 @@
                           <a:effectLst/>
                           <a:latin typeface="SimSun" panose="02010600030101010101" pitchFamily="2" charset="-122"/>
                           <a:ea typeface="SimSun" panose="02010600030101010101" pitchFamily="2" charset="-122"/>
+                          <a:cs typeface="+mn-cs"/>
                         </a:rPr>
                         <a:t>Q&amp;A</a:t>
                       </a:r>
-                      <a:endParaRPr kumimoji="0" lang="en-US" sz="2200" b="0" i="0" u="none" strike="noStrike" cap="none" normalizeH="0" baseline="0" dirty="0">
+                      <a:endParaRPr kumimoji="0" lang="en-US" sz="2200" b="0" i="0" u="none" strike="noStrike" kern="1200" cap="none" normalizeH="0" baseline="0" dirty="0">
                         <a:ln>
                           <a:noFill/>
                         </a:ln>
@@ -14619,6 +14641,7 @@
                         <a:effectLst/>
                         <a:latin typeface="SimSun" panose="02010600030101010101" pitchFamily="2" charset="-122"/>
                         <a:ea typeface="SimSun" panose="02010600030101010101" pitchFamily="2" charset="-122"/>
+                        <a:cs typeface="+mn-cs"/>
                       </a:endParaRPr>
                     </a:p>
                   </a:txBody>
@@ -14646,7 +14669,7 @@
                 </a:tc>
                 <a:extLst>
                   <a:ext uri="{0D108BD9-81ED-4DB2-BD59-A6C34878D82A}">
-                    <a16:rowId xmlns="" xmlns:a16="http://schemas.microsoft.com/office/drawing/2014/main" val="10003"/>
+                    <a16:rowId xmlns:a16="http://schemas.microsoft.com/office/drawing/2014/main" xmlns="" val="10003"/>
                   </a:ext>
                 </a:extLst>
               </a:tr>
@@ -14819,7 +14842,7 @@
               </a:rPr>
               <a:t>的作用</a:t>
             </a:r>
-            <a:endParaRPr lang="en-US" dirty="0">
+            <a:endParaRPr lang="en-US" sz="2800" dirty="0">
               <a:latin typeface="SimSun" panose="02010600030101010101" pitchFamily="2" charset="-122"/>
               <a:ea typeface="SimSun" panose="02010600030101010101" pitchFamily="2" charset="-122"/>
             </a:endParaRPr>
@@ -15177,38 +15200,52 @@
               <a:t>使用注入模块的方法是在</a:t>
             </a:r>
             <a:r>
-              <a:rPr lang="en-US" sz="1600" b="0" dirty="0"/>
+              <a:rPr lang="en-US" sz="1600" b="0" dirty="0">
+                <a:latin typeface="SimSun" panose="02010600030101010101" pitchFamily="2" charset="-122"/>
+                <a:ea typeface="SimSun" panose="02010600030101010101" pitchFamily="2" charset="-122"/>
+              </a:rPr>
               <a:t>@</a:t>
             </a:r>
             <a:r>
-              <a:rPr lang="en-US" sz="1600" b="0" dirty="0" err="1" smtClean="0"/>
+              <a:rPr lang="en-US" sz="1600" b="0" dirty="0" err="1" smtClean="0">
+                <a:latin typeface="SimSun" panose="02010600030101010101" pitchFamily="2" charset="-122"/>
+                <a:ea typeface="SimSun" panose="02010600030101010101" pitchFamily="2" charset="-122"/>
+              </a:rPr>
               <a:t>NgModule</a:t>
             </a:r>
             <a:r>
-              <a:rPr lang="zh-CN" altLang="en-US" sz="1600" b="0" dirty="0" smtClean="0"/>
-              <a:t>内</a:t>
-            </a:r>
-            <a:r>
               <a:rPr lang="zh-CN" altLang="en-US" sz="1600" b="0" dirty="0" smtClean="0">
                 <a:latin typeface="SimSun" panose="02010600030101010101" pitchFamily="2" charset="-122"/>
                 <a:ea typeface="SimSun" panose="02010600030101010101" pitchFamily="2" charset="-122"/>
               </a:rPr>
-              <a:t>使用</a:t>
-            </a:r>
-            <a:r>
-              <a:rPr lang="en-US" sz="1600" b="0" dirty="0" err="1" smtClean="0"/>
+              <a:t>内使用</a:t>
+            </a:r>
+            <a:r>
+              <a:rPr lang="en-US" sz="1600" b="0" dirty="0" err="1" smtClean="0">
+                <a:latin typeface="SimSun" panose="02010600030101010101" pitchFamily="2" charset="-122"/>
+                <a:ea typeface="SimSun" panose="02010600030101010101" pitchFamily="2" charset="-122"/>
+              </a:rPr>
               <a:t>RouterModule</a:t>
             </a:r>
             <a:r>
-              <a:rPr lang="zh-CN" altLang="en-US" sz="1600" b="0" dirty="0" smtClean="0"/>
+              <a:rPr lang="zh-CN" altLang="en-US" sz="1600" b="0" dirty="0" smtClean="0">
+                <a:latin typeface="SimSun" panose="02010600030101010101" pitchFamily="2" charset="-122"/>
+                <a:ea typeface="SimSun" panose="02010600030101010101" pitchFamily="2" charset="-122"/>
+              </a:rPr>
               <a:t>类进行注入，他有</a:t>
             </a:r>
             <a:r>
-              <a:rPr lang="en-US" altLang="zh-CN" sz="1600" b="0" dirty="0" smtClean="0"/>
+              <a:rPr lang="en-US" altLang="zh-CN" sz="1600" b="0" dirty="0" smtClean="0">
+                <a:latin typeface="SimSun" panose="02010600030101010101" pitchFamily="2" charset="-122"/>
+                <a:ea typeface="SimSun" panose="02010600030101010101" pitchFamily="2" charset="-122"/>
+              </a:rPr>
               <a:t>2</a:t>
             </a:r>
             <a:r>
-              <a:rPr lang="zh-CN" altLang="en-US" sz="1600" b="0" dirty="0" smtClean="0"/>
+              <a:rPr lang="zh-CN" altLang="en-US" sz="1600" b="0" dirty="0" smtClean="0">
+                <a:latin typeface="SimSun" panose="02010600030101010101" pitchFamily="2" charset="-122"/>
+                <a:ea typeface="SimSun" panose="02010600030101010101" pitchFamily="2" charset="-122"/>
+              </a:rPr>
               <a:t>种模式。</a:t>
             </a:r>
             <a:endParaRPr lang="en-US" altLang="zh-CN" sz="1600" b="0" dirty="0" smtClean="0">
@@ -15226,14 +15263,23 @@
               <a:defRPr/>
             </a:pPr>
             <a:r>
-              <a:rPr lang="en-US" sz="1600" b="0" dirty="0" err="1" smtClean="0"/>
+              <a:rPr lang="en-US" sz="1600" b="0" dirty="0" err="1" smtClean="0">
+                <a:latin typeface="SimSun" panose="02010600030101010101" pitchFamily="2" charset="-122"/>
+                <a:ea typeface="SimSun" panose="02010600030101010101" pitchFamily="2" charset="-122"/>
+              </a:rPr>
               <a:t>forChild</a:t>
             </a:r>
             <a:r>
-              <a:rPr lang="zh-CN" altLang="en-US" sz="1600" b="0" dirty="0"/>
+              <a:rPr lang="zh-CN" altLang="en-US" sz="1600" b="0" dirty="0">
+                <a:latin typeface="SimSun" panose="02010600030101010101" pitchFamily="2" charset="-122"/>
+                <a:ea typeface="SimSun" panose="02010600030101010101" pitchFamily="2" charset="-122"/>
+              </a:rPr>
               <a:t>只能用于子模块</a:t>
             </a:r>
-            <a:endParaRPr lang="en-US" sz="1600" b="0" dirty="0" smtClean="0"/>
+            <a:endParaRPr lang="en-US" sz="1600" b="0" dirty="0" smtClean="0">
+              <a:latin typeface="SimSun" panose="02010600030101010101" pitchFamily="2" charset="-122"/>
+              <a:ea typeface="SimSun" panose="02010600030101010101" pitchFamily="2" charset="-122"/>
+            </a:endParaRPr>
           </a:p>
           <a:p>
             <a:pPr marL="285750" indent="-285750" algn="just" eaLnBrk="0" hangingPunct="0">
@@ -15245,18 +15291,30 @@
               <a:defRPr/>
             </a:pPr>
             <a:r>
-              <a:rPr lang="en-US" sz="1600" b="0" dirty="0" err="1" smtClean="0"/>
+              <a:rPr lang="en-US" sz="1600" b="0" dirty="0" err="1" smtClean="0">
+                <a:latin typeface="SimSun" panose="02010600030101010101" pitchFamily="2" charset="-122"/>
+                <a:ea typeface="SimSun" panose="02010600030101010101" pitchFamily="2" charset="-122"/>
+              </a:rPr>
               <a:t>forRoot</a:t>
             </a:r>
             <a:r>
-              <a:rPr lang="zh-CN" altLang="en-US" sz="1600" b="0" dirty="0"/>
+              <a:rPr lang="zh-CN" altLang="en-US" sz="1600" b="0" dirty="0">
+                <a:latin typeface="SimSun" panose="02010600030101010101" pitchFamily="2" charset="-122"/>
+                <a:ea typeface="SimSun" panose="02010600030101010101" pitchFamily="2" charset="-122"/>
+              </a:rPr>
               <a:t>只能用于跟</a:t>
             </a:r>
             <a:r>
-              <a:rPr lang="zh-CN" altLang="en-US" sz="1600" b="0" dirty="0" smtClean="0"/>
+              <a:rPr lang="zh-CN" altLang="en-US" sz="1600" b="0" dirty="0" smtClean="0">
+                <a:latin typeface="SimSun" panose="02010600030101010101" pitchFamily="2" charset="-122"/>
+                <a:ea typeface="SimSun" panose="02010600030101010101" pitchFamily="2" charset="-122"/>
+              </a:rPr>
               <a:t>模块</a:t>
             </a:r>
-            <a:endParaRPr lang="en-US" altLang="zh-CN" sz="1600" b="0" dirty="0" smtClean="0"/>
+            <a:endParaRPr lang="en-US" altLang="zh-CN" sz="1600" b="0" dirty="0" smtClean="0">
+              <a:latin typeface="SimSun" panose="02010600030101010101" pitchFamily="2" charset="-122"/>
+              <a:ea typeface="SimSun" panose="02010600030101010101" pitchFamily="2" charset="-122"/>
+            </a:endParaRPr>
           </a:p>
           <a:p>
             <a:pPr marL="285750" indent="-285750" algn="just" eaLnBrk="0" hangingPunct="0">
@@ -15305,14 +15363,7 @@
                 <a:latin typeface="SimSun" panose="02010600030101010101" pitchFamily="2" charset="-122"/>
                 <a:ea typeface="SimSun" panose="02010600030101010101" pitchFamily="2" charset="-122"/>
               </a:rPr>
-              <a:t>的数组和</a:t>
-            </a:r>
-            <a:r>
-              <a:rPr lang="zh-CN" altLang="en-US" sz="1600" b="0" dirty="0" smtClean="0">
-                <a:latin typeface="SimSun" panose="02010600030101010101" pitchFamily="2" charset="-122"/>
-                <a:ea typeface="SimSun" panose="02010600030101010101" pitchFamily="2" charset="-122"/>
-              </a:rPr>
-              <a:t>以下可选参数</a:t>
+              <a:t>的数组和以下可选参数</a:t>
             </a:r>
             <a:endParaRPr lang="en-US" altLang="zh-CN" sz="1600" b="0" dirty="0" smtClean="0">
               <a:latin typeface="SimSun" panose="02010600030101010101" pitchFamily="2" charset="-122"/>
@@ -15329,34 +15380,58 @@
               <a:defRPr/>
             </a:pPr>
             <a:r>
-              <a:rPr lang="en-US" altLang="zh-CN" sz="1600" b="0" dirty="0" err="1" smtClean="0"/>
+              <a:rPr lang="en-US" altLang="zh-CN" sz="1600" b="0" dirty="0" err="1" smtClean="0">
+                <a:latin typeface="SimSun" panose="02010600030101010101" pitchFamily="2" charset="-122"/>
+                <a:ea typeface="SimSun" panose="02010600030101010101" pitchFamily="2" charset="-122"/>
+              </a:rPr>
               <a:t>enableTracing</a:t>
             </a:r>
             <a:r>
-              <a:rPr lang="en-US" altLang="zh-CN" sz="1600" b="0" dirty="0" smtClean="0"/>
+              <a:rPr lang="en-US" altLang="zh-CN" sz="1600" b="0" dirty="0" smtClean="0">
+                <a:latin typeface="SimSun" panose="02010600030101010101" pitchFamily="2" charset="-122"/>
+                <a:ea typeface="SimSun" panose="02010600030101010101" pitchFamily="2" charset="-122"/>
+              </a:rPr>
               <a:t> </a:t>
             </a:r>
             <a:r>
-              <a:rPr lang="zh-CN" altLang="en-US" sz="1600" b="0" dirty="0" smtClean="0"/>
+              <a:rPr lang="zh-CN" altLang="en-US" sz="1600" b="0" dirty="0" smtClean="0">
+                <a:latin typeface="SimSun" panose="02010600030101010101" pitchFamily="2" charset="-122"/>
+                <a:ea typeface="SimSun" panose="02010600030101010101" pitchFamily="2" charset="-122"/>
+              </a:rPr>
               <a:t>（</a:t>
             </a:r>
             <a:r>
-              <a:rPr lang="zh-CN" altLang="en-US" sz="1600" b="0" dirty="0"/>
+              <a:rPr lang="zh-CN" altLang="en-US" sz="1600" b="0" dirty="0">
+                <a:latin typeface="SimSun" panose="02010600030101010101" pitchFamily="2" charset="-122"/>
+                <a:ea typeface="SimSun" panose="02010600030101010101" pitchFamily="2" charset="-122"/>
+              </a:rPr>
               <a:t>在</a:t>
             </a:r>
             <a:r>
-              <a:rPr lang="en-US" altLang="zh-CN" sz="1600" b="0" dirty="0"/>
+              <a:rPr lang="en-US" altLang="zh-CN" sz="1600" b="0" dirty="0">
+                <a:latin typeface="SimSun" panose="02010600030101010101" pitchFamily="2" charset="-122"/>
+                <a:ea typeface="SimSun" panose="02010600030101010101" pitchFamily="2" charset="-122"/>
+              </a:rPr>
               <a:t>console.log</a:t>
             </a:r>
             <a:r>
-              <a:rPr lang="zh-CN" altLang="en-US" sz="1600" b="0" dirty="0"/>
+              <a:rPr lang="zh-CN" altLang="en-US" sz="1600" b="0" dirty="0">
+                <a:latin typeface="SimSun" panose="02010600030101010101" pitchFamily="2" charset="-122"/>
+                <a:ea typeface="SimSun" panose="02010600030101010101" pitchFamily="2" charset="-122"/>
+              </a:rPr>
               <a:t>中打印出路由内部事件信息</a:t>
             </a:r>
             <a:r>
-              <a:rPr lang="zh-CN" altLang="en-US" sz="1600" b="0" dirty="0" smtClean="0"/>
+              <a:rPr lang="zh-CN" altLang="en-US" sz="1600" b="0" dirty="0" smtClean="0">
+                <a:latin typeface="SimSun" panose="02010600030101010101" pitchFamily="2" charset="-122"/>
+                <a:ea typeface="SimSun" panose="02010600030101010101" pitchFamily="2" charset="-122"/>
+              </a:rPr>
               <a:t>）</a:t>
             </a:r>
-            <a:endParaRPr lang="en-US" altLang="zh-CN" sz="1600" b="0" dirty="0" smtClean="0"/>
+            <a:endParaRPr lang="en-US" altLang="zh-CN" sz="1600" b="0" dirty="0" smtClean="0">
+              <a:latin typeface="SimSun" panose="02010600030101010101" pitchFamily="2" charset="-122"/>
+              <a:ea typeface="SimSun" panose="02010600030101010101" pitchFamily="2" charset="-122"/>
+            </a:endParaRPr>
           </a:p>
           <a:p>
             <a:pPr marL="342900" indent="-342900" algn="just" eaLnBrk="0" hangingPunct="0">
@@ -15368,66 +15443,114 @@
               <a:defRPr/>
             </a:pPr>
             <a:r>
-              <a:rPr lang="en-US" altLang="zh-CN" sz="1600" b="0" dirty="0" err="1"/>
+              <a:rPr lang="en-US" altLang="zh-CN" sz="1600" b="0" dirty="0" err="1">
+                <a:latin typeface="SimSun" panose="02010600030101010101" pitchFamily="2" charset="-122"/>
+                <a:ea typeface="SimSun" panose="02010600030101010101" pitchFamily="2" charset="-122"/>
+              </a:rPr>
               <a:t>useHash</a:t>
             </a:r>
             <a:r>
-              <a:rPr lang="en-US" altLang="zh-CN" sz="1600" b="0" dirty="0"/>
+              <a:rPr lang="en-US" altLang="zh-CN" sz="1600" b="0" dirty="0">
+                <a:latin typeface="SimSun" panose="02010600030101010101" pitchFamily="2" charset="-122"/>
+                <a:ea typeface="SimSun" panose="02010600030101010101" pitchFamily="2" charset="-122"/>
+              </a:rPr>
               <a:t> </a:t>
             </a:r>
             <a:r>
-              <a:rPr lang="zh-CN" altLang="en-US" sz="1600" b="0" dirty="0" smtClean="0"/>
+              <a:rPr lang="zh-CN" altLang="en-US" sz="1600" b="0" dirty="0" smtClean="0">
+                <a:latin typeface="SimSun" panose="02010600030101010101" pitchFamily="2" charset="-122"/>
+                <a:ea typeface="SimSun" panose="02010600030101010101" pitchFamily="2" charset="-122"/>
+              </a:rPr>
               <a:t>（</a:t>
             </a:r>
             <a:r>
-              <a:rPr lang="zh-CN" altLang="en-US" sz="1600" b="0" dirty="0"/>
+              <a:rPr lang="zh-CN" altLang="en-US" sz="1600" b="0" dirty="0">
+                <a:latin typeface="SimSun" panose="02010600030101010101" pitchFamily="2" charset="-122"/>
+                <a:ea typeface="SimSun" panose="02010600030101010101" pitchFamily="2" charset="-122"/>
+              </a:rPr>
               <a:t>把</a:t>
             </a:r>
             <a:r>
-              <a:rPr lang="en-US" altLang="zh-CN" sz="1600" b="0" dirty="0" err="1" smtClean="0"/>
+              <a:rPr lang="en-US" altLang="zh-CN" sz="1600" b="0" dirty="0" err="1" smtClean="0">
+                <a:latin typeface="SimSun" panose="02010600030101010101" pitchFamily="2" charset="-122"/>
+                <a:ea typeface="SimSun" panose="02010600030101010101" pitchFamily="2" charset="-122"/>
+              </a:rPr>
               <a:t>url</a:t>
             </a:r>
             <a:r>
-              <a:rPr lang="zh-CN" altLang="en-US" sz="1600" b="0" dirty="0" smtClean="0"/>
+              <a:rPr lang="zh-CN" altLang="en-US" sz="1600" b="0" dirty="0" smtClean="0">
+                <a:latin typeface="SimSun" panose="02010600030101010101" pitchFamily="2" charset="-122"/>
+                <a:ea typeface="SimSun" panose="02010600030101010101" pitchFamily="2" charset="-122"/>
+              </a:rPr>
               <a:t>风格，默认为</a:t>
             </a:r>
             <a:r>
-              <a:rPr lang="en-US" altLang="zh-CN" sz="1600" b="0" dirty="0" smtClean="0"/>
+              <a:rPr lang="en-US" altLang="zh-CN" sz="1600" b="0" dirty="0" smtClean="0">
+                <a:latin typeface="SimSun" panose="02010600030101010101" pitchFamily="2" charset="-122"/>
+                <a:ea typeface="SimSun" panose="02010600030101010101" pitchFamily="2" charset="-122"/>
+              </a:rPr>
               <a:t>html5</a:t>
             </a:r>
             <a:r>
-              <a:rPr lang="zh-CN" altLang="en-US" sz="1600" b="0" dirty="0" smtClean="0"/>
+              <a:rPr lang="zh-CN" altLang="en-US" sz="1600" b="0" dirty="0" smtClean="0">
+                <a:latin typeface="SimSun" panose="02010600030101010101" pitchFamily="2" charset="-122"/>
+                <a:ea typeface="SimSun" panose="02010600030101010101" pitchFamily="2" charset="-122"/>
+              </a:rPr>
               <a:t>风格为</a:t>
             </a:r>
             <a:r>
-              <a:rPr lang="en-US" altLang="zh-CN" sz="1600" b="0" dirty="0" smtClean="0"/>
+              <a:rPr lang="en-US" altLang="zh-CN" sz="1600" b="0" dirty="0" smtClean="0">
+                <a:latin typeface="SimSun" panose="02010600030101010101" pitchFamily="2" charset="-122"/>
+                <a:ea typeface="SimSun" panose="02010600030101010101" pitchFamily="2" charset="-122"/>
+              </a:rPr>
               <a:t>false</a:t>
             </a:r>
             <a:r>
-              <a:rPr lang="zh-CN" altLang="en-US" sz="1600" b="0" dirty="0" smtClean="0"/>
+              <a:rPr lang="zh-CN" altLang="en-US" sz="1600" b="0" dirty="0" smtClean="0">
+                <a:latin typeface="SimSun" panose="02010600030101010101" pitchFamily="2" charset="-122"/>
+                <a:ea typeface="SimSun" panose="02010600030101010101" pitchFamily="2" charset="-122"/>
+              </a:rPr>
               <a:t>，</a:t>
             </a:r>
             <a:r>
-              <a:rPr lang="en-US" altLang="zh-CN" sz="1600" b="0" dirty="0" smtClean="0"/>
+              <a:rPr lang="en-US" altLang="zh-CN" sz="1600" b="0" dirty="0" smtClean="0">
+                <a:latin typeface="SimSun" panose="02010600030101010101" pitchFamily="2" charset="-122"/>
+                <a:ea typeface="SimSun" panose="02010600030101010101" pitchFamily="2" charset="-122"/>
+              </a:rPr>
               <a:t>true</a:t>
             </a:r>
             <a:r>
-              <a:rPr lang="zh-CN" altLang="en-US" sz="1600" b="0" dirty="0" smtClean="0"/>
+              <a:rPr lang="zh-CN" altLang="en-US" sz="1600" b="0" dirty="0" smtClean="0">
+                <a:latin typeface="SimSun" panose="02010600030101010101" pitchFamily="2" charset="-122"/>
+                <a:ea typeface="SimSun" panose="02010600030101010101" pitchFamily="2" charset="-122"/>
+              </a:rPr>
               <a:t>为</a:t>
             </a:r>
             <a:r>
-              <a:rPr lang="en-US" altLang="zh-CN" sz="1600" b="0" dirty="0" smtClean="0"/>
+              <a:rPr lang="en-US" altLang="zh-CN" sz="1600" b="0" dirty="0" smtClean="0">
+                <a:latin typeface="SimSun" panose="02010600030101010101" pitchFamily="2" charset="-122"/>
+                <a:ea typeface="SimSun" panose="02010600030101010101" pitchFamily="2" charset="-122"/>
+              </a:rPr>
               <a:t>hash</a:t>
             </a:r>
             <a:r>
-              <a:rPr lang="zh-CN" altLang="en-US" sz="1600" b="0" dirty="0"/>
+              <a:rPr lang="zh-CN" altLang="en-US" sz="1600" b="0" dirty="0">
+                <a:latin typeface="SimSun" panose="02010600030101010101" pitchFamily="2" charset="-122"/>
+                <a:ea typeface="SimSun" panose="02010600030101010101" pitchFamily="2" charset="-122"/>
+              </a:rPr>
               <a:t>风格</a:t>
             </a:r>
             <a:r>
-              <a:rPr lang="zh-CN" altLang="en-US" sz="1600" b="0" dirty="0" smtClean="0"/>
+              <a:rPr lang="zh-CN" altLang="en-US" sz="1600" b="0" dirty="0" smtClean="0">
+                <a:latin typeface="SimSun" panose="02010600030101010101" pitchFamily="2" charset="-122"/>
+                <a:ea typeface="SimSun" panose="02010600030101010101" pitchFamily="2" charset="-122"/>
+              </a:rPr>
               <a:t>）</a:t>
             </a:r>
-            <a:endParaRPr lang="en-US" altLang="zh-CN" sz="1600" b="0" dirty="0" smtClean="0"/>
+            <a:endParaRPr lang="en-US" altLang="zh-CN" sz="1600" b="0" dirty="0" smtClean="0">
+              <a:latin typeface="SimSun" panose="02010600030101010101" pitchFamily="2" charset="-122"/>
+              <a:ea typeface="SimSun" panose="02010600030101010101" pitchFamily="2" charset="-122"/>
+            </a:endParaRPr>
           </a:p>
           <a:p>
             <a:pPr marL="342900" indent="-342900" algn="just" eaLnBrk="0" hangingPunct="0">
@@ -15439,42 +15562,72 @@
               <a:defRPr/>
             </a:pPr>
             <a:r>
-              <a:rPr lang="en-US" altLang="zh-CN" sz="1600" b="0" dirty="0" err="1" smtClean="0"/>
+              <a:rPr lang="en-US" altLang="zh-CN" sz="1600" b="0" dirty="0" err="1" smtClean="0">
+                <a:latin typeface="SimSun" panose="02010600030101010101" pitchFamily="2" charset="-122"/>
+                <a:ea typeface="SimSun" panose="02010600030101010101" pitchFamily="2" charset="-122"/>
+              </a:rPr>
               <a:t>initialNavigation</a:t>
             </a:r>
             <a:r>
-              <a:rPr lang="en-US" altLang="zh-CN" sz="1600" b="0" dirty="0" smtClean="0"/>
+              <a:rPr lang="en-US" altLang="zh-CN" sz="1600" b="0" dirty="0" smtClean="0">
+                <a:latin typeface="SimSun" panose="02010600030101010101" pitchFamily="2" charset="-122"/>
+                <a:ea typeface="SimSun" panose="02010600030101010101" pitchFamily="2" charset="-122"/>
+              </a:rPr>
               <a:t> </a:t>
             </a:r>
             <a:r>
-              <a:rPr lang="zh-CN" altLang="en-US" sz="1600" b="0" dirty="0" smtClean="0"/>
+              <a:rPr lang="zh-CN" altLang="en-US" sz="1600" b="0" dirty="0" smtClean="0">
+                <a:latin typeface="SimSun" panose="02010600030101010101" pitchFamily="2" charset="-122"/>
+                <a:ea typeface="SimSun" panose="02010600030101010101" pitchFamily="2" charset="-122"/>
+              </a:rPr>
               <a:t>（</a:t>
             </a:r>
             <a:r>
-              <a:rPr lang="zh-CN" altLang="en-US" sz="1600" b="0" dirty="0"/>
+              <a:rPr lang="zh-CN" altLang="en-US" sz="1600" b="0" dirty="0">
+                <a:latin typeface="SimSun" panose="02010600030101010101" pitchFamily="2" charset="-122"/>
+                <a:ea typeface="SimSun" panose="02010600030101010101" pitchFamily="2" charset="-122"/>
+              </a:rPr>
               <a:t>禁用初始</a:t>
             </a:r>
             <a:r>
-              <a:rPr lang="zh-CN" altLang="en-US" sz="1600" b="0" dirty="0" smtClean="0"/>
+              <a:rPr lang="zh-CN" altLang="en-US" sz="1600" b="0" dirty="0" smtClean="0">
+                <a:latin typeface="SimSun" panose="02010600030101010101" pitchFamily="2" charset="-122"/>
+                <a:ea typeface="SimSun" panose="02010600030101010101" pitchFamily="2" charset="-122"/>
+              </a:rPr>
               <a:t>导航</a:t>
             </a:r>
             <a:r>
-              <a:rPr lang="en-US" altLang="zh-CN" sz="1600" b="0" dirty="0"/>
+              <a:rPr lang="en-US" altLang="zh-CN" sz="1600" b="0" dirty="0">
+                <a:latin typeface="SimSun" panose="02010600030101010101" pitchFamily="2" charset="-122"/>
+                <a:ea typeface="SimSun" panose="02010600030101010101" pitchFamily="2" charset="-122"/>
+              </a:rPr>
               <a:t>base </a:t>
             </a:r>
             <a:r>
-              <a:rPr lang="en-US" altLang="zh-CN" sz="1600" b="0" dirty="0" err="1"/>
+              <a:rPr lang="en-US" altLang="zh-CN" sz="1600" b="0" dirty="0" err="1">
+                <a:latin typeface="SimSun" panose="02010600030101010101" pitchFamily="2" charset="-122"/>
+                <a:ea typeface="SimSun" panose="02010600030101010101" pitchFamily="2" charset="-122"/>
+              </a:rPr>
               <a:t>href</a:t>
             </a:r>
             <a:r>
-              <a:rPr lang="en-US" altLang="zh-CN" sz="1600" b="0" dirty="0"/>
+              <a:rPr lang="en-US" altLang="zh-CN" sz="1600" b="0" dirty="0">
+                <a:latin typeface="SimSun" panose="02010600030101010101" pitchFamily="2" charset="-122"/>
+                <a:ea typeface="SimSun" panose="02010600030101010101" pitchFamily="2" charset="-122"/>
+              </a:rPr>
               <a:t>=“/”</a:t>
             </a:r>
             <a:r>
-              <a:rPr lang="zh-CN" altLang="en-US" sz="1600" b="0" dirty="0" smtClean="0"/>
+              <a:rPr lang="zh-CN" altLang="en-US" sz="1600" b="0" dirty="0" smtClean="0">
+                <a:latin typeface="SimSun" panose="02010600030101010101" pitchFamily="2" charset="-122"/>
+                <a:ea typeface="SimSun" panose="02010600030101010101" pitchFamily="2" charset="-122"/>
+              </a:rPr>
               <a:t>）</a:t>
             </a:r>
-            <a:endParaRPr lang="en-US" altLang="zh-CN" sz="1600" b="0" dirty="0" smtClean="0"/>
+            <a:endParaRPr lang="en-US" altLang="zh-CN" sz="1600" b="0" dirty="0" smtClean="0">
+              <a:latin typeface="SimSun" panose="02010600030101010101" pitchFamily="2" charset="-122"/>
+              <a:ea typeface="SimSun" panose="02010600030101010101" pitchFamily="2" charset="-122"/>
+            </a:endParaRPr>
           </a:p>
           <a:p>
             <a:pPr marL="342900" indent="-342900" algn="just" eaLnBrk="0" hangingPunct="0">
@@ -15486,23 +15639,38 @@
               <a:defRPr/>
             </a:pPr>
             <a:r>
-              <a:rPr lang="en-US" altLang="zh-CN" sz="1600" b="0" dirty="0" err="1"/>
+              <a:rPr lang="en-US" altLang="zh-CN" sz="1600" b="0" dirty="0" err="1">
+                <a:latin typeface="SimSun" panose="02010600030101010101" pitchFamily="2" charset="-122"/>
+                <a:ea typeface="SimSun" panose="02010600030101010101" pitchFamily="2" charset="-122"/>
+              </a:rPr>
               <a:t>errorHandler</a:t>
             </a:r>
             <a:r>
-              <a:rPr lang="en-US" altLang="zh-CN" sz="1600" b="0" dirty="0"/>
+              <a:rPr lang="en-US" altLang="zh-CN" sz="1600" b="0" dirty="0">
+                <a:latin typeface="SimSun" panose="02010600030101010101" pitchFamily="2" charset="-122"/>
+                <a:ea typeface="SimSun" panose="02010600030101010101" pitchFamily="2" charset="-122"/>
+              </a:rPr>
               <a:t> </a:t>
             </a:r>
             <a:r>
-              <a:rPr lang="zh-CN" altLang="en-US" sz="1600" b="0" dirty="0" smtClean="0"/>
+              <a:rPr lang="zh-CN" altLang="en-US" sz="1600" b="0" dirty="0" smtClean="0">
+                <a:latin typeface="SimSun" panose="02010600030101010101" pitchFamily="2" charset="-122"/>
+                <a:ea typeface="SimSun" panose="02010600030101010101" pitchFamily="2" charset="-122"/>
+              </a:rPr>
               <a:t>（</a:t>
             </a:r>
             <a:r>
-              <a:rPr lang="zh-CN" altLang="en-US" sz="1600" b="0" dirty="0"/>
+              <a:rPr lang="zh-CN" altLang="en-US" sz="1600" b="0" dirty="0">
+                <a:latin typeface="SimSun" panose="02010600030101010101" pitchFamily="2" charset="-122"/>
+                <a:ea typeface="SimSun" panose="02010600030101010101" pitchFamily="2" charset="-122"/>
+              </a:rPr>
               <a:t>使用自定义的错误处理，来抛出报错信息</a:t>
             </a:r>
             <a:r>
-              <a:rPr lang="zh-CN" altLang="en-US" sz="1600" b="0" dirty="0" smtClean="0"/>
+              <a:rPr lang="zh-CN" altLang="en-US" sz="1600" b="0" dirty="0" smtClean="0">
+                <a:latin typeface="SimSun" panose="02010600030101010101" pitchFamily="2" charset="-122"/>
+                <a:ea typeface="SimSun" panose="02010600030101010101" pitchFamily="2" charset="-122"/>
+              </a:rPr>
               <a:t>）</a:t>
             </a:r>
             <a:endParaRPr lang="en-US" altLang="zh-CN" sz="1600" b="0" dirty="0" smtClean="0">
@@ -15723,100 +15891,109 @@
                 <a:latin typeface="SimSun" panose="02010600030101010101" pitchFamily="2" charset="-122"/>
                 <a:ea typeface="SimSun" panose="02010600030101010101" pitchFamily="2" charset="-122"/>
               </a:rPr>
-              <a:t>是一款</a:t>
+              <a:t>是一款区域性静态刷新框架，它通过</a:t>
+            </a:r>
+            <a:r>
+              <a:rPr lang="en-US" altLang="zh-CN" sz="1600" b="0" dirty="0" smtClean="0">
+                <a:latin typeface="SimSun" panose="02010600030101010101" pitchFamily="2" charset="-122"/>
+                <a:ea typeface="SimSun" panose="02010600030101010101" pitchFamily="2" charset="-122"/>
+              </a:rPr>
+              <a:t>html</a:t>
             </a:r>
             <a:r>
               <a:rPr lang="zh-CN" altLang="en-US" sz="1600" b="0" dirty="0" smtClean="0">
                 <a:latin typeface="SimSun" panose="02010600030101010101" pitchFamily="2" charset="-122"/>
                 <a:ea typeface="SimSun" panose="02010600030101010101" pitchFamily="2" charset="-122"/>
               </a:rPr>
-              <a:t>区域性静态刷新框架，它通过</a:t>
+              <a:t>使用</a:t>
             </a:r>
             <a:r>
               <a:rPr lang="en-US" altLang="zh-CN" sz="1600" b="0" dirty="0" smtClean="0">
                 <a:latin typeface="SimSun" panose="02010600030101010101" pitchFamily="2" charset="-122"/>
                 <a:ea typeface="SimSun" panose="02010600030101010101" pitchFamily="2" charset="-122"/>
               </a:rPr>
-              <a:t>html</a:t>
+              <a:t>&lt;router-outlet&gt;</a:t>
             </a:r>
             <a:r>
               <a:rPr lang="zh-CN" altLang="en-US" sz="1600" b="0" dirty="0" smtClean="0">
                 <a:latin typeface="SimSun" panose="02010600030101010101" pitchFamily="2" charset="-122"/>
                 <a:ea typeface="SimSun" panose="02010600030101010101" pitchFamily="2" charset="-122"/>
               </a:rPr>
-              <a:t>使用</a:t>
+              <a:t>来指定静态刷新的区域，通过</a:t>
             </a:r>
             <a:r>
               <a:rPr lang="en-US" altLang="zh-CN" sz="1600" b="0" dirty="0" smtClean="0">
                 <a:latin typeface="SimSun" panose="02010600030101010101" pitchFamily="2" charset="-122"/>
                 <a:ea typeface="SimSun" panose="02010600030101010101" pitchFamily="2" charset="-122"/>
               </a:rPr>
-              <a:t>&lt;router-outlet&gt;</a:t>
+              <a:t>router</a:t>
             </a:r>
             <a:r>
               <a:rPr lang="zh-CN" altLang="en-US" sz="1600" b="0" dirty="0" smtClean="0">
                 <a:latin typeface="SimSun" panose="02010600030101010101" pitchFamily="2" charset="-122"/>
                 <a:ea typeface="SimSun" panose="02010600030101010101" pitchFamily="2" charset="-122"/>
               </a:rPr>
-              <a:t>来指定静态刷新的区域，通过</a:t>
+              <a:t>来关联对应</a:t>
             </a:r>
             <a:r>
               <a:rPr lang="en-US" altLang="zh-CN" sz="1600" b="0" dirty="0" smtClean="0">
                 <a:latin typeface="SimSun" panose="02010600030101010101" pitchFamily="2" charset="-122"/>
                 <a:ea typeface="SimSun" panose="02010600030101010101" pitchFamily="2" charset="-122"/>
               </a:rPr>
-              <a:t>router</a:t>
+              <a:t>URL</a:t>
             </a:r>
             <a:r>
               <a:rPr lang="zh-CN" altLang="en-US" sz="1600" b="0" dirty="0" smtClean="0">
                 <a:latin typeface="SimSun" panose="02010600030101010101" pitchFamily="2" charset="-122"/>
                 <a:ea typeface="SimSun" panose="02010600030101010101" pitchFamily="2" charset="-122"/>
               </a:rPr>
-              <a:t>来关联对应</a:t>
+              <a:t>所指定的</a:t>
             </a:r>
             <a:r>
               <a:rPr lang="en-US" altLang="zh-CN" sz="1600" b="0" dirty="0" smtClean="0">
                 <a:latin typeface="SimSun" panose="02010600030101010101" pitchFamily="2" charset="-122"/>
                 <a:ea typeface="SimSun" panose="02010600030101010101" pitchFamily="2" charset="-122"/>
               </a:rPr>
-              <a:t>URL</a:t>
+              <a:t>Components</a:t>
             </a:r>
             <a:r>
               <a:rPr lang="zh-CN" altLang="en-US" sz="1600" b="0" dirty="0" smtClean="0">
                 <a:latin typeface="SimSun" panose="02010600030101010101" pitchFamily="2" charset="-122"/>
                 <a:ea typeface="SimSun" panose="02010600030101010101" pitchFamily="2" charset="-122"/>
               </a:rPr>
-              <a:t>所指定的</a:t>
+              <a:t>。实现地址和对应画面的分离，已达到解耦目的。在画面加载时会使用</a:t>
+            </a:r>
+            <a:r>
+              <a:rPr lang="en-US" altLang="zh-CN" sz="1600" b="0" dirty="0">
+                <a:latin typeface="SimSun" panose="02010600030101010101" pitchFamily="2" charset="-122"/>
+                <a:ea typeface="SimSun" panose="02010600030101010101" pitchFamily="2" charset="-122"/>
+              </a:rPr>
+              <a:t>&lt;base </a:t>
+            </a:r>
+            <a:r>
+              <a:rPr lang="en-US" altLang="zh-CN" sz="1600" b="0" dirty="0" err="1">
+                <a:latin typeface="SimSun" panose="02010600030101010101" pitchFamily="2" charset="-122"/>
+                <a:ea typeface="SimSun" panose="02010600030101010101" pitchFamily="2" charset="-122"/>
+              </a:rPr>
+              <a:t>href</a:t>
             </a:r>
             <a:r>
               <a:rPr lang="en-US" altLang="zh-CN" sz="1600" b="0" dirty="0" smtClean="0">
                 <a:latin typeface="SimSun" panose="02010600030101010101" pitchFamily="2" charset="-122"/>
                 <a:ea typeface="SimSun" panose="02010600030101010101" pitchFamily="2" charset="-122"/>
               </a:rPr>
-              <a:t>Components</a:t>
+              <a:t>=“/”&gt;</a:t>
             </a:r>
             <a:r>
               <a:rPr lang="zh-CN" altLang="en-US" sz="1600" b="0" dirty="0" smtClean="0">
                 <a:latin typeface="SimSun" panose="02010600030101010101" pitchFamily="2" charset="-122"/>
                 <a:ea typeface="SimSun" panose="02010600030101010101" pitchFamily="2" charset="-122"/>
               </a:rPr>
-              <a:t>。实现地址和对应画面的分离，已达到解耦目的。在画面加载时会使用</a:t>
-            </a:r>
-            <a:r>
-              <a:rPr lang="en-US" altLang="zh-CN" sz="1600" b="0" dirty="0"/>
-              <a:t>&lt;base </a:t>
-            </a:r>
-            <a:r>
-              <a:rPr lang="en-US" altLang="zh-CN" sz="1600" b="0" dirty="0" err="1"/>
-              <a:t>href</a:t>
-            </a:r>
-            <a:r>
-              <a:rPr lang="en-US" altLang="zh-CN" sz="1600" b="0" dirty="0" smtClean="0"/>
-              <a:t>=“/”&gt;</a:t>
+              <a:t>来指定初始页面</a:t>
             </a:r>
             <a:r>
               <a:rPr lang="zh-CN" altLang="en-US" sz="1600" b="0" dirty="0" smtClean="0"/>
-              <a:t>来指定初始页面。</a:t>
+              <a:t>。</a:t>
             </a:r>
             <a:endParaRPr lang="en-US" altLang="zh-CN" sz="1600" b="0" dirty="0" smtClean="0">
               <a:latin typeface="SimSun" panose="02010600030101010101" pitchFamily="2" charset="-122"/>
@@ -16312,379 +16489,669 @@
           <a:lstStyle/>
           <a:p>
             <a:r>
-              <a:rPr lang="en-US" altLang="zh-CN" sz="1800" b="0" dirty="0" smtClean="0"/>
+              <a:rPr lang="en-US" altLang="zh-CN" sz="1600" b="0" dirty="0" smtClean="0">
+                <a:latin typeface="SimSun" panose="02010600030101010101" pitchFamily="2" charset="-122"/>
+                <a:ea typeface="SimSun" panose="02010600030101010101" pitchFamily="2" charset="-122"/>
+              </a:rPr>
               <a:t>path</a:t>
             </a:r>
             <a:r>
-              <a:rPr lang="zh-CN" altLang="en-US" sz="1800" b="0" dirty="0" smtClean="0"/>
+              <a:rPr lang="zh-CN" altLang="en-US" sz="1600" b="0" dirty="0" smtClean="0">
+                <a:latin typeface="SimSun" panose="02010600030101010101" pitchFamily="2" charset="-122"/>
+                <a:ea typeface="SimSun" panose="02010600030101010101" pitchFamily="2" charset="-122"/>
+              </a:rPr>
               <a:t>：路由访问路径。</a:t>
             </a:r>
-            <a:endParaRPr lang="en-US" altLang="zh-CN" sz="1800" b="0" dirty="0" smtClean="0"/>
-          </a:p>
-          <a:p>
-            <a:r>
-              <a:rPr lang="en-US" altLang="zh-CN" sz="1800" b="0" dirty="0" err="1" smtClean="0"/>
+            <a:endParaRPr lang="en-US" altLang="zh-CN" sz="1600" b="0" dirty="0" smtClean="0">
+              <a:latin typeface="SimSun" panose="02010600030101010101" pitchFamily="2" charset="-122"/>
+              <a:ea typeface="SimSun" panose="02010600030101010101" pitchFamily="2" charset="-122"/>
+            </a:endParaRPr>
+          </a:p>
+          <a:p>
+            <a:r>
+              <a:rPr lang="en-US" altLang="zh-CN" sz="1600" b="0" dirty="0" err="1" smtClean="0">
+                <a:latin typeface="SimSun" panose="02010600030101010101" pitchFamily="2" charset="-122"/>
+                <a:ea typeface="SimSun" panose="02010600030101010101" pitchFamily="2" charset="-122"/>
+              </a:rPr>
               <a:t>pathMatch</a:t>
             </a:r>
             <a:r>
-              <a:rPr lang="zh-CN" altLang="en-US" sz="1800" b="0" dirty="0" smtClean="0"/>
+              <a:rPr lang="zh-CN" altLang="en-US" sz="1600" b="0" dirty="0" smtClean="0">
+                <a:latin typeface="SimSun" panose="02010600030101010101" pitchFamily="2" charset="-122"/>
+                <a:ea typeface="SimSun" panose="02010600030101010101" pitchFamily="2" charset="-122"/>
+              </a:rPr>
               <a:t>：如果为重定向则为必须项目，路径的匹配模式，默认为</a:t>
             </a:r>
             <a:r>
-              <a:rPr lang="en-US" altLang="zh-CN" sz="1800" b="0" dirty="0" smtClean="0"/>
+              <a:rPr lang="en-US" altLang="zh-CN" sz="1600" b="0" dirty="0" smtClean="0">
+                <a:latin typeface="SimSun" panose="02010600030101010101" pitchFamily="2" charset="-122"/>
+                <a:ea typeface="SimSun" panose="02010600030101010101" pitchFamily="2" charset="-122"/>
+              </a:rPr>
               <a:t>’</a:t>
             </a:r>
             <a:r>
-              <a:rPr lang="en-US" altLang="zh-CN" sz="1800" b="0" dirty="0"/>
+              <a:rPr lang="en-US" altLang="zh-CN" sz="1600" b="0" dirty="0">
+                <a:latin typeface="SimSun" panose="02010600030101010101" pitchFamily="2" charset="-122"/>
+                <a:ea typeface="SimSun" panose="02010600030101010101" pitchFamily="2" charset="-122"/>
+              </a:rPr>
               <a:t> prefix</a:t>
             </a:r>
             <a:r>
-              <a:rPr lang="en-US" altLang="zh-CN" sz="1800" b="0" dirty="0" smtClean="0"/>
+              <a:rPr lang="en-US" altLang="zh-CN" sz="1600" b="0" dirty="0" smtClean="0">
+                <a:latin typeface="SimSun" panose="02010600030101010101" pitchFamily="2" charset="-122"/>
+                <a:ea typeface="SimSun" panose="02010600030101010101" pitchFamily="2" charset="-122"/>
+              </a:rPr>
               <a:t>’</a:t>
             </a:r>
             <a:r>
-              <a:rPr lang="zh-CN" altLang="en-US" sz="1800" b="0" dirty="0" smtClean="0"/>
+              <a:rPr lang="zh-CN" altLang="en-US" sz="1600" b="0" dirty="0" smtClean="0">
+                <a:latin typeface="SimSun" panose="02010600030101010101" pitchFamily="2" charset="-122"/>
+                <a:ea typeface="SimSun" panose="02010600030101010101" pitchFamily="2" charset="-122"/>
+              </a:rPr>
               <a:t>。</a:t>
             </a:r>
-            <a:endParaRPr lang="en-US" altLang="zh-CN" sz="1800" b="0" dirty="0"/>
-          </a:p>
-          <a:p>
-            <a:r>
-              <a:rPr lang="en-US" altLang="zh-CN" sz="1800" b="0" dirty="0" smtClean="0"/>
+            <a:endParaRPr lang="en-US" altLang="zh-CN" sz="1600" b="0" dirty="0">
+              <a:latin typeface="SimSun" panose="02010600030101010101" pitchFamily="2" charset="-122"/>
+              <a:ea typeface="SimSun" panose="02010600030101010101" pitchFamily="2" charset="-122"/>
+            </a:endParaRPr>
+          </a:p>
+          <a:p>
+            <a:r>
+              <a:rPr lang="en-US" altLang="zh-CN" sz="1600" b="0" dirty="0" smtClean="0">
+                <a:latin typeface="SimSun" panose="02010600030101010101" pitchFamily="2" charset="-122"/>
+                <a:ea typeface="SimSun" panose="02010600030101010101" pitchFamily="2" charset="-122"/>
+              </a:rPr>
               <a:t>matcher</a:t>
             </a:r>
             <a:r>
-              <a:rPr lang="zh-CN" altLang="en-US" sz="1800" b="0" dirty="0" smtClean="0"/>
+              <a:rPr lang="zh-CN" altLang="en-US" sz="1600" b="0" dirty="0" smtClean="0">
+                <a:latin typeface="SimSun" panose="02010600030101010101" pitchFamily="2" charset="-122"/>
+                <a:ea typeface="SimSun" panose="02010600030101010101" pitchFamily="2" charset="-122"/>
+              </a:rPr>
               <a:t>：自定义匹配路径模式。</a:t>
             </a:r>
-            <a:endParaRPr lang="en-US" altLang="zh-CN" sz="1800" b="0" dirty="0" smtClean="0"/>
-          </a:p>
-          <a:p>
-            <a:r>
-              <a:rPr lang="en-US" altLang="zh-CN" sz="1800" b="0" dirty="0"/>
+            <a:endParaRPr lang="en-US" altLang="zh-CN" sz="1600" b="0" dirty="0" smtClean="0">
+              <a:latin typeface="SimSun" panose="02010600030101010101" pitchFamily="2" charset="-122"/>
+              <a:ea typeface="SimSun" panose="02010600030101010101" pitchFamily="2" charset="-122"/>
+            </a:endParaRPr>
+          </a:p>
+          <a:p>
+            <a:r>
+              <a:rPr lang="en-US" altLang="zh-CN" sz="1600" b="0" dirty="0">
+                <a:latin typeface="SimSun" panose="02010600030101010101" pitchFamily="2" charset="-122"/>
+                <a:ea typeface="SimSun" panose="02010600030101010101" pitchFamily="2" charset="-122"/>
+              </a:rPr>
               <a:t>c</a:t>
             </a:r>
             <a:r>
-              <a:rPr lang="en-US" altLang="zh-CN" sz="1800" b="0" dirty="0" smtClean="0"/>
+              <a:rPr lang="en-US" altLang="zh-CN" sz="1600" b="0" dirty="0" smtClean="0">
+                <a:latin typeface="SimSun" panose="02010600030101010101" pitchFamily="2" charset="-122"/>
+                <a:ea typeface="SimSun" panose="02010600030101010101" pitchFamily="2" charset="-122"/>
+              </a:rPr>
               <a:t>omponent</a:t>
             </a:r>
             <a:r>
-              <a:rPr lang="zh-CN" altLang="en-US" sz="1800" b="0" dirty="0" smtClean="0"/>
+              <a:rPr lang="zh-CN" altLang="en-US" sz="1600" b="0" dirty="0" smtClean="0">
+                <a:latin typeface="SimSun" panose="02010600030101010101" pitchFamily="2" charset="-122"/>
+                <a:ea typeface="SimSun" panose="02010600030101010101" pitchFamily="2" charset="-122"/>
+              </a:rPr>
               <a:t>：指定要实例化的</a:t>
             </a:r>
             <a:r>
-              <a:rPr lang="en-US" altLang="zh-CN" sz="1800" b="0" dirty="0" smtClean="0"/>
+              <a:rPr lang="en-US" altLang="zh-CN" sz="1600" b="0" dirty="0" smtClean="0">
+                <a:latin typeface="SimSun" panose="02010600030101010101" pitchFamily="2" charset="-122"/>
+                <a:ea typeface="SimSun" panose="02010600030101010101" pitchFamily="2" charset="-122"/>
+              </a:rPr>
               <a:t>component </a:t>
             </a:r>
             <a:r>
-              <a:rPr lang="zh-CN" altLang="en-US" sz="1800" b="0" dirty="0" smtClean="0"/>
+              <a:rPr lang="zh-CN" altLang="en-US" sz="1600" b="0" dirty="0" smtClean="0">
+                <a:latin typeface="SimSun" panose="02010600030101010101" pitchFamily="2" charset="-122"/>
+                <a:ea typeface="SimSun" panose="02010600030101010101" pitchFamily="2" charset="-122"/>
+              </a:rPr>
               <a:t>。</a:t>
             </a:r>
-            <a:endParaRPr lang="en-US" altLang="zh-CN" sz="1800" b="0" dirty="0"/>
-          </a:p>
-          <a:p>
-            <a:r>
-              <a:rPr lang="en-US" altLang="zh-CN" sz="1800" b="0" dirty="0" err="1" smtClean="0"/>
+            <a:endParaRPr lang="en-US" altLang="zh-CN" sz="1600" b="0" dirty="0">
+              <a:latin typeface="SimSun" panose="02010600030101010101" pitchFamily="2" charset="-122"/>
+              <a:ea typeface="SimSun" panose="02010600030101010101" pitchFamily="2" charset="-122"/>
+            </a:endParaRPr>
+          </a:p>
+          <a:p>
+            <a:r>
+              <a:rPr lang="en-US" altLang="zh-CN" sz="1600" b="0" dirty="0" err="1" smtClean="0">
+                <a:latin typeface="SimSun" panose="02010600030101010101" pitchFamily="2" charset="-122"/>
+                <a:ea typeface="SimSun" panose="02010600030101010101" pitchFamily="2" charset="-122"/>
+              </a:rPr>
               <a:t>redirectTo</a:t>
             </a:r>
             <a:r>
-              <a:rPr lang="zh-CN" altLang="en-US" sz="1800" b="0" dirty="0" smtClean="0"/>
+              <a:rPr lang="zh-CN" altLang="en-US" sz="1600" b="0" dirty="0" smtClean="0">
+                <a:latin typeface="SimSun" panose="02010600030101010101" pitchFamily="2" charset="-122"/>
+                <a:ea typeface="SimSun" panose="02010600030101010101" pitchFamily="2" charset="-122"/>
+              </a:rPr>
               <a:t>：要重定向的路径。</a:t>
             </a:r>
-            <a:endParaRPr lang="en-US" altLang="zh-CN" sz="1800" b="0" dirty="0"/>
-          </a:p>
-          <a:p>
-            <a:r>
-              <a:rPr lang="en-US" altLang="zh-CN" sz="1800" b="0" dirty="0" smtClean="0"/>
+            <a:endParaRPr lang="en-US" altLang="zh-CN" sz="1600" b="0" dirty="0">
+              <a:latin typeface="SimSun" panose="02010600030101010101" pitchFamily="2" charset="-122"/>
+              <a:ea typeface="SimSun" panose="02010600030101010101" pitchFamily="2" charset="-122"/>
+            </a:endParaRPr>
+          </a:p>
+          <a:p>
+            <a:r>
+              <a:rPr lang="en-US" altLang="zh-CN" sz="1600" b="0" dirty="0" smtClean="0">
+                <a:latin typeface="SimSun" panose="02010600030101010101" pitchFamily="2" charset="-122"/>
+                <a:ea typeface="SimSun" panose="02010600030101010101" pitchFamily="2" charset="-122"/>
+              </a:rPr>
               <a:t>outlet</a:t>
             </a:r>
             <a:r>
-              <a:rPr lang="zh-CN" altLang="en-US" sz="1800" b="0" dirty="0" smtClean="0"/>
+              <a:rPr lang="zh-CN" altLang="en-US" sz="1600" b="0" dirty="0" smtClean="0">
+                <a:latin typeface="SimSun" panose="02010600030101010101" pitchFamily="2" charset="-122"/>
+                <a:ea typeface="SimSun" panose="02010600030101010101" pitchFamily="2" charset="-122"/>
+              </a:rPr>
               <a:t>：指定要解析的区域名称，改</a:t>
             </a:r>
             <a:r>
-              <a:rPr lang="en-US" altLang="zh-CN" sz="1800" b="0" dirty="0" smtClean="0"/>
+              <a:rPr lang="en-US" altLang="zh-CN" sz="1600" b="0" dirty="0" smtClean="0">
+                <a:latin typeface="SimSun" panose="02010600030101010101" pitchFamily="2" charset="-122"/>
+                <a:ea typeface="SimSun" panose="02010600030101010101" pitchFamily="2" charset="-122"/>
+              </a:rPr>
               <a:t>html</a:t>
             </a:r>
             <a:r>
-              <a:rPr lang="zh-CN" altLang="en-US" sz="1800" b="0" dirty="0" smtClean="0"/>
+              <a:rPr lang="zh-CN" altLang="en-US" sz="1600" b="0" dirty="0" smtClean="0">
+                <a:latin typeface="SimSun" panose="02010600030101010101" pitchFamily="2" charset="-122"/>
+                <a:ea typeface="SimSun" panose="02010600030101010101" pitchFamily="2" charset="-122"/>
+              </a:rPr>
               <a:t>内比如有对应的</a:t>
             </a:r>
             <a:r>
-              <a:rPr lang="en-US" altLang="zh-CN" sz="1800" b="0" dirty="0" smtClean="0"/>
+              <a:rPr lang="en-US" altLang="zh-CN" sz="1600" b="0" dirty="0" smtClean="0">
+                <a:latin typeface="SimSun" panose="02010600030101010101" pitchFamily="2" charset="-122"/>
+                <a:ea typeface="SimSun" panose="02010600030101010101" pitchFamily="2" charset="-122"/>
+              </a:rPr>
               <a:t>router-outlet</a:t>
             </a:r>
             <a:r>
-              <a:rPr lang="zh-CN" altLang="en-US" sz="1800" b="0" dirty="0" smtClean="0"/>
+              <a:rPr lang="zh-CN" altLang="en-US" sz="1600" b="0" dirty="0" smtClean="0">
+                <a:latin typeface="SimSun" panose="02010600030101010101" pitchFamily="2" charset="-122"/>
+                <a:ea typeface="SimSun" panose="02010600030101010101" pitchFamily="2" charset="-122"/>
+              </a:rPr>
               <a:t>并且</a:t>
             </a:r>
             <a:r>
-              <a:rPr lang="en-US" altLang="zh-CN" sz="1800" b="0" dirty="0" smtClean="0"/>
+              <a:rPr lang="en-US" altLang="zh-CN" sz="1600" b="0" dirty="0" smtClean="0">
+                <a:latin typeface="SimSun" panose="02010600030101010101" pitchFamily="2" charset="-122"/>
+                <a:ea typeface="SimSun" panose="02010600030101010101" pitchFamily="2" charset="-122"/>
+              </a:rPr>
               <a:t>name</a:t>
             </a:r>
             <a:r>
-              <a:rPr lang="zh-CN" altLang="en-US" sz="1800" b="0" dirty="0" smtClean="0"/>
+              <a:rPr lang="zh-CN" altLang="en-US" sz="1600" b="0" dirty="0" smtClean="0">
+                <a:latin typeface="SimSun" panose="02010600030101010101" pitchFamily="2" charset="-122"/>
+                <a:ea typeface="SimSun" panose="02010600030101010101" pitchFamily="2" charset="-122"/>
+              </a:rPr>
               <a:t>与该属性一致，否则会报错。</a:t>
             </a:r>
-            <a:endParaRPr lang="en-US" altLang="zh-CN" sz="1800" b="0" dirty="0"/>
-          </a:p>
-          <a:p>
-            <a:r>
-              <a:rPr lang="en-US" altLang="zh-CN" sz="1800" b="0" dirty="0" err="1" smtClean="0"/>
+            <a:endParaRPr lang="en-US" altLang="zh-CN" sz="1600" b="0" dirty="0">
+              <a:latin typeface="SimSun" panose="02010600030101010101" pitchFamily="2" charset="-122"/>
+              <a:ea typeface="SimSun" panose="02010600030101010101" pitchFamily="2" charset="-122"/>
+            </a:endParaRPr>
+          </a:p>
+          <a:p>
+            <a:r>
+              <a:rPr lang="en-US" altLang="zh-CN" sz="1600" b="0" dirty="0" err="1" smtClean="0">
+                <a:latin typeface="SimSun" panose="02010600030101010101" pitchFamily="2" charset="-122"/>
+                <a:ea typeface="SimSun" panose="02010600030101010101" pitchFamily="2" charset="-122"/>
+              </a:rPr>
               <a:t>canActivate</a:t>
             </a:r>
             <a:r>
-              <a:rPr lang="zh-CN" altLang="en-US" sz="1800" b="0" dirty="0" smtClean="0"/>
+              <a:rPr lang="zh-CN" altLang="en-US" sz="1600" b="0" dirty="0" smtClean="0">
+                <a:latin typeface="SimSun" panose="02010600030101010101" pitchFamily="2" charset="-122"/>
+                <a:ea typeface="SimSun" panose="02010600030101010101" pitchFamily="2" charset="-122"/>
+              </a:rPr>
               <a:t>：为</a:t>
             </a:r>
             <a:r>
-              <a:rPr lang="en-US" altLang="zh-CN" sz="1800" b="0" dirty="0" smtClean="0"/>
+              <a:rPr lang="en-US" altLang="zh-CN" sz="1600" b="0" dirty="0" smtClean="0">
+                <a:latin typeface="SimSun" panose="02010600030101010101" pitchFamily="2" charset="-122"/>
+                <a:ea typeface="SimSun" panose="02010600030101010101" pitchFamily="2" charset="-122"/>
+              </a:rPr>
               <a:t>router</a:t>
             </a:r>
             <a:r>
-              <a:rPr lang="zh-CN" altLang="en-US" sz="1800" b="0" dirty="0" smtClean="0"/>
+              <a:rPr lang="zh-CN" altLang="en-US" sz="1600" b="0" dirty="0" smtClean="0">
+                <a:latin typeface="SimSun" panose="02010600030101010101" pitchFamily="2" charset="-122"/>
+                <a:ea typeface="SimSun" panose="02010600030101010101" pitchFamily="2" charset="-122"/>
+              </a:rPr>
               <a:t>的服务卫士，来处理导航到某路由的情况。</a:t>
             </a:r>
-            <a:endParaRPr lang="en-US" altLang="zh-CN" sz="1800" b="0" dirty="0" smtClean="0"/>
-          </a:p>
-          <a:p>
-            <a:r>
-              <a:rPr lang="en-US" altLang="zh-CN" sz="1800" b="0" dirty="0" err="1" smtClean="0"/>
+            <a:endParaRPr lang="en-US" altLang="zh-CN" sz="1600" b="0" dirty="0" smtClean="0">
+              <a:latin typeface="SimSun" panose="02010600030101010101" pitchFamily="2" charset="-122"/>
+              <a:ea typeface="SimSun" panose="02010600030101010101" pitchFamily="2" charset="-122"/>
+            </a:endParaRPr>
+          </a:p>
+          <a:p>
+            <a:r>
+              <a:rPr lang="en-US" altLang="zh-CN" sz="1600" b="0" dirty="0" err="1" smtClean="0">
+                <a:latin typeface="SimSun" panose="02010600030101010101" pitchFamily="2" charset="-122"/>
+                <a:ea typeface="SimSun" panose="02010600030101010101" pitchFamily="2" charset="-122"/>
+              </a:rPr>
               <a:t>canActivateChild</a:t>
             </a:r>
             <a:r>
-              <a:rPr lang="zh-CN" altLang="en-US" sz="1800" b="0" dirty="0" smtClean="0"/>
+              <a:rPr lang="zh-CN" altLang="en-US" sz="1600" b="0" dirty="0" smtClean="0">
+                <a:latin typeface="SimSun" panose="02010600030101010101" pitchFamily="2" charset="-122"/>
+                <a:ea typeface="SimSun" panose="02010600030101010101" pitchFamily="2" charset="-122"/>
+              </a:rPr>
               <a:t>：</a:t>
             </a:r>
             <a:r>
-              <a:rPr lang="zh-CN" altLang="en-US" sz="1800" b="0" dirty="0"/>
+              <a:rPr lang="zh-CN" altLang="en-US" sz="1600" b="0" dirty="0">
+                <a:latin typeface="SimSun" panose="02010600030101010101" pitchFamily="2" charset="-122"/>
+                <a:ea typeface="SimSun" panose="02010600030101010101" pitchFamily="2" charset="-122"/>
+              </a:rPr>
               <a:t>为</a:t>
             </a:r>
             <a:r>
-              <a:rPr lang="en-US" altLang="zh-CN" sz="1800" b="0" dirty="0"/>
+              <a:rPr lang="en-US" altLang="zh-CN" sz="1600" b="0" dirty="0">
+                <a:latin typeface="SimSun" panose="02010600030101010101" pitchFamily="2" charset="-122"/>
+                <a:ea typeface="SimSun" panose="02010600030101010101" pitchFamily="2" charset="-122"/>
+              </a:rPr>
               <a:t>router</a:t>
             </a:r>
             <a:r>
-              <a:rPr lang="zh-CN" altLang="en-US" sz="1800" b="0" dirty="0"/>
+              <a:rPr lang="zh-CN" altLang="en-US" sz="1600" b="0" dirty="0">
+                <a:latin typeface="SimSun" panose="02010600030101010101" pitchFamily="2" charset="-122"/>
+                <a:ea typeface="SimSun" panose="02010600030101010101" pitchFamily="2" charset="-122"/>
+              </a:rPr>
               <a:t>的服务卫士，来处理导航</a:t>
             </a:r>
             <a:r>
-              <a:rPr lang="zh-CN" altLang="en-US" sz="1800" b="0" dirty="0" smtClean="0"/>
+              <a:rPr lang="zh-CN" altLang="en-US" sz="1600" b="0" dirty="0" smtClean="0">
+                <a:latin typeface="SimSun" panose="02010600030101010101" pitchFamily="2" charset="-122"/>
+                <a:ea typeface="SimSun" panose="02010600030101010101" pitchFamily="2" charset="-122"/>
+              </a:rPr>
               <a:t>到子路由</a:t>
             </a:r>
             <a:r>
-              <a:rPr lang="zh-CN" altLang="en-US" sz="1800" b="0" dirty="0"/>
+              <a:rPr lang="zh-CN" altLang="en-US" sz="1600" b="0" dirty="0">
+                <a:latin typeface="SimSun" panose="02010600030101010101" pitchFamily="2" charset="-122"/>
+                <a:ea typeface="SimSun" panose="02010600030101010101" pitchFamily="2" charset="-122"/>
+              </a:rPr>
               <a:t>的情况</a:t>
             </a:r>
             <a:r>
-              <a:rPr lang="zh-CN" altLang="en-US" sz="1800" b="0" dirty="0" smtClean="0"/>
+              <a:rPr lang="zh-CN" altLang="en-US" sz="1600" b="0" dirty="0" smtClean="0">
+                <a:latin typeface="SimSun" panose="02010600030101010101" pitchFamily="2" charset="-122"/>
+                <a:ea typeface="SimSun" panose="02010600030101010101" pitchFamily="2" charset="-122"/>
+              </a:rPr>
               <a:t>。</a:t>
             </a:r>
-            <a:endParaRPr lang="en-US" altLang="zh-CN" sz="1800" b="0" dirty="0"/>
-          </a:p>
-          <a:p>
-            <a:r>
-              <a:rPr lang="en-US" altLang="zh-CN" sz="1800" b="0" dirty="0" err="1" smtClean="0"/>
+            <a:endParaRPr lang="en-US" altLang="zh-CN" sz="1600" b="0" dirty="0">
+              <a:latin typeface="SimSun" panose="02010600030101010101" pitchFamily="2" charset="-122"/>
+              <a:ea typeface="SimSun" panose="02010600030101010101" pitchFamily="2" charset="-122"/>
+            </a:endParaRPr>
+          </a:p>
+          <a:p>
+            <a:r>
+              <a:rPr lang="en-US" altLang="zh-CN" sz="1600" b="0" dirty="0" err="1" smtClean="0">
+                <a:latin typeface="SimSun" panose="02010600030101010101" pitchFamily="2" charset="-122"/>
+                <a:ea typeface="SimSun" panose="02010600030101010101" pitchFamily="2" charset="-122"/>
+              </a:rPr>
               <a:t>canDeactivate</a:t>
             </a:r>
             <a:r>
-              <a:rPr lang="zh-CN" altLang="en-US" sz="1800" b="0" dirty="0" smtClean="0"/>
+              <a:rPr lang="zh-CN" altLang="en-US" sz="1600" b="0" dirty="0" smtClean="0">
+                <a:latin typeface="SimSun" panose="02010600030101010101" pitchFamily="2" charset="-122"/>
+                <a:ea typeface="SimSun" panose="02010600030101010101" pitchFamily="2" charset="-122"/>
+              </a:rPr>
               <a:t>：</a:t>
             </a:r>
             <a:r>
-              <a:rPr lang="zh-CN" altLang="en-US" sz="1800" b="0" dirty="0"/>
+              <a:rPr lang="zh-CN" altLang="en-US" sz="1600" b="0" dirty="0">
+                <a:latin typeface="SimSun" panose="02010600030101010101" pitchFamily="2" charset="-122"/>
+                <a:ea typeface="SimSun" panose="02010600030101010101" pitchFamily="2" charset="-122"/>
+              </a:rPr>
               <a:t>为</a:t>
             </a:r>
             <a:r>
-              <a:rPr lang="en-US" altLang="zh-CN" sz="1800" b="0" dirty="0"/>
+              <a:rPr lang="en-US" altLang="zh-CN" sz="1600" b="0" dirty="0">
+                <a:latin typeface="SimSun" panose="02010600030101010101" pitchFamily="2" charset="-122"/>
+                <a:ea typeface="SimSun" panose="02010600030101010101" pitchFamily="2" charset="-122"/>
+              </a:rPr>
               <a:t>router</a:t>
             </a:r>
             <a:r>
-              <a:rPr lang="zh-CN" altLang="en-US" sz="1800" b="0" dirty="0"/>
+              <a:rPr lang="zh-CN" altLang="en-US" sz="1600" b="0" dirty="0">
+                <a:latin typeface="SimSun" panose="02010600030101010101" pitchFamily="2" charset="-122"/>
+                <a:ea typeface="SimSun" panose="02010600030101010101" pitchFamily="2" charset="-122"/>
+              </a:rPr>
               <a:t>的服务</a:t>
             </a:r>
             <a:r>
-              <a:rPr lang="zh-CN" altLang="en-US" sz="1800" b="0" dirty="0" smtClean="0"/>
+              <a:rPr lang="zh-CN" altLang="en-US" sz="1600" b="0" dirty="0" smtClean="0">
+                <a:latin typeface="SimSun" panose="02010600030101010101" pitchFamily="2" charset="-122"/>
+                <a:ea typeface="SimSun" panose="02010600030101010101" pitchFamily="2" charset="-122"/>
+              </a:rPr>
               <a:t>卫士，来处理从当前路由离开的情况。</a:t>
             </a:r>
-            <a:endParaRPr lang="en-US" altLang="zh-CN" sz="1800" b="0" dirty="0" smtClean="0"/>
-          </a:p>
-          <a:p>
-            <a:r>
-              <a:rPr lang="en-US" altLang="zh-CN" sz="1800" b="0" dirty="0" err="1" smtClean="0"/>
+            <a:endParaRPr lang="en-US" altLang="zh-CN" sz="1600" b="0" dirty="0" smtClean="0">
+              <a:latin typeface="SimSun" panose="02010600030101010101" pitchFamily="2" charset="-122"/>
+              <a:ea typeface="SimSun" panose="02010600030101010101" pitchFamily="2" charset="-122"/>
+            </a:endParaRPr>
+          </a:p>
+          <a:p>
+            <a:r>
+              <a:rPr lang="en-US" altLang="zh-CN" sz="1600" b="0" dirty="0" err="1" smtClean="0">
+                <a:latin typeface="SimSun" panose="02010600030101010101" pitchFamily="2" charset="-122"/>
+                <a:ea typeface="SimSun" panose="02010600030101010101" pitchFamily="2" charset="-122"/>
+              </a:rPr>
               <a:t>canLoad</a:t>
             </a:r>
             <a:r>
-              <a:rPr lang="zh-CN" altLang="en-US" sz="1800" b="0" dirty="0" smtClean="0"/>
+              <a:rPr lang="zh-CN" altLang="en-US" sz="1600" b="0" dirty="0" smtClean="0">
+                <a:latin typeface="SimSun" panose="02010600030101010101" pitchFamily="2" charset="-122"/>
+                <a:ea typeface="SimSun" panose="02010600030101010101" pitchFamily="2" charset="-122"/>
+              </a:rPr>
               <a:t>：</a:t>
             </a:r>
             <a:r>
-              <a:rPr lang="zh-CN" altLang="en-US" sz="1800" b="0" dirty="0"/>
+              <a:rPr lang="zh-CN" altLang="en-US" sz="1600" b="0" dirty="0">
+                <a:latin typeface="SimSun" panose="02010600030101010101" pitchFamily="2" charset="-122"/>
+                <a:ea typeface="SimSun" panose="02010600030101010101" pitchFamily="2" charset="-122"/>
+              </a:rPr>
               <a:t>为</a:t>
             </a:r>
             <a:r>
-              <a:rPr lang="en-US" altLang="zh-CN" sz="1800" b="0" dirty="0"/>
+              <a:rPr lang="en-US" altLang="zh-CN" sz="1600" b="0" dirty="0">
+                <a:latin typeface="SimSun" panose="02010600030101010101" pitchFamily="2" charset="-122"/>
+                <a:ea typeface="SimSun" panose="02010600030101010101" pitchFamily="2" charset="-122"/>
+              </a:rPr>
               <a:t>router</a:t>
             </a:r>
             <a:r>
-              <a:rPr lang="zh-CN" altLang="en-US" sz="1800" b="0" dirty="0"/>
+              <a:rPr lang="zh-CN" altLang="en-US" sz="1600" b="0" dirty="0">
+                <a:latin typeface="SimSun" panose="02010600030101010101" pitchFamily="2" charset="-122"/>
+                <a:ea typeface="SimSun" panose="02010600030101010101" pitchFamily="2" charset="-122"/>
+              </a:rPr>
               <a:t>的服务</a:t>
             </a:r>
             <a:r>
-              <a:rPr lang="zh-CN" altLang="en-US" sz="1800" b="0" dirty="0" smtClean="0"/>
+              <a:rPr lang="zh-CN" altLang="en-US" sz="1600" b="0" dirty="0" smtClean="0">
+                <a:latin typeface="SimSun" panose="02010600030101010101" pitchFamily="2" charset="-122"/>
+                <a:ea typeface="SimSun" panose="02010600030101010101" pitchFamily="2" charset="-122"/>
+              </a:rPr>
               <a:t>卫士，</a:t>
             </a:r>
             <a:r>
-              <a:rPr lang="zh-CN" altLang="en-US" sz="1800" b="0" dirty="0"/>
+              <a:rPr lang="zh-CN" altLang="en-US" sz="1600" b="0" dirty="0">
+                <a:latin typeface="SimSun" panose="02010600030101010101" pitchFamily="2" charset="-122"/>
+                <a:ea typeface="SimSun" panose="02010600030101010101" pitchFamily="2" charset="-122"/>
+              </a:rPr>
               <a:t>来处理异步导航到某特性模块的</a:t>
             </a:r>
             <a:r>
-              <a:rPr lang="zh-CN" altLang="en-US" sz="1800" b="0" dirty="0" smtClean="0"/>
+              <a:rPr lang="zh-CN" altLang="en-US" sz="1600" b="0" dirty="0" smtClean="0">
+                <a:latin typeface="SimSun" panose="02010600030101010101" pitchFamily="2" charset="-122"/>
+                <a:ea typeface="SimSun" panose="02010600030101010101" pitchFamily="2" charset="-122"/>
+              </a:rPr>
               <a:t>情况。</a:t>
             </a:r>
-            <a:endParaRPr lang="en-US" altLang="zh-CN" sz="1800" b="0" dirty="0"/>
-          </a:p>
-          <a:p>
-            <a:r>
-              <a:rPr lang="en-US" altLang="zh-CN" sz="1800" b="0" dirty="0" smtClean="0"/>
+            <a:endParaRPr lang="en-US" altLang="zh-CN" sz="1600" b="0" dirty="0">
+              <a:latin typeface="SimSun" panose="02010600030101010101" pitchFamily="2" charset="-122"/>
+              <a:ea typeface="SimSun" panose="02010600030101010101" pitchFamily="2" charset="-122"/>
+            </a:endParaRPr>
+          </a:p>
+          <a:p>
+            <a:r>
+              <a:rPr lang="en-US" altLang="zh-CN" sz="1600" b="0" dirty="0" smtClean="0">
+                <a:latin typeface="SimSun" panose="02010600030101010101" pitchFamily="2" charset="-122"/>
+                <a:ea typeface="SimSun" panose="02010600030101010101" pitchFamily="2" charset="-122"/>
+              </a:rPr>
               <a:t>data</a:t>
             </a:r>
             <a:r>
-              <a:rPr lang="zh-CN" altLang="en-US" sz="1800" b="0" dirty="0" smtClean="0"/>
+              <a:rPr lang="zh-CN" altLang="en-US" sz="1600" b="0" dirty="0" smtClean="0">
+                <a:latin typeface="SimSun" panose="02010600030101010101" pitchFamily="2" charset="-122"/>
+                <a:ea typeface="SimSun" panose="02010600030101010101" pitchFamily="2" charset="-122"/>
+              </a:rPr>
               <a:t>：可以用来传递一些默认值，需要使用</a:t>
             </a:r>
             <a:r>
-              <a:rPr lang="en-US" altLang="zh-CN" sz="1800" b="0" u="sng" dirty="0" smtClean="0">
+              <a:rPr lang="en-US" altLang="zh-CN" sz="1600" b="0" u="sng" dirty="0" smtClean="0">
+                <a:latin typeface="SimSun" panose="02010600030101010101" pitchFamily="2" charset="-122"/>
+                <a:ea typeface="SimSun" panose="02010600030101010101" pitchFamily="2" charset="-122"/>
                 <a:hlinkClick r:id="rId3"/>
               </a:rPr>
               <a:t>resolve</a:t>
             </a:r>
             <a:r>
-              <a:rPr lang="zh-CN" altLang="en-US" sz="1800" b="0" dirty="0" smtClean="0"/>
+              <a:rPr lang="zh-CN" altLang="en-US" sz="1600" b="0" dirty="0" smtClean="0">
+                <a:latin typeface="SimSun" panose="02010600030101010101" pitchFamily="2" charset="-122"/>
+                <a:ea typeface="SimSun" panose="02010600030101010101" pitchFamily="2" charset="-122"/>
+              </a:rPr>
               <a:t>来获取数据。</a:t>
             </a:r>
-            <a:endParaRPr lang="en-US" altLang="zh-CN" sz="1800" b="0" dirty="0"/>
-          </a:p>
-          <a:p>
-            <a:r>
-              <a:rPr lang="en-US" altLang="zh-CN" sz="1800" b="0" dirty="0" smtClean="0"/>
+            <a:endParaRPr lang="en-US" altLang="zh-CN" sz="1600" b="0" dirty="0">
+              <a:latin typeface="SimSun" panose="02010600030101010101" pitchFamily="2" charset="-122"/>
+              <a:ea typeface="SimSun" panose="02010600030101010101" pitchFamily="2" charset="-122"/>
+            </a:endParaRPr>
+          </a:p>
+          <a:p>
+            <a:r>
+              <a:rPr lang="en-US" altLang="zh-CN" sz="1600" b="0" dirty="0" smtClean="0">
+                <a:latin typeface="SimSun" panose="02010600030101010101" pitchFamily="2" charset="-122"/>
+                <a:ea typeface="SimSun" panose="02010600030101010101" pitchFamily="2" charset="-122"/>
+              </a:rPr>
               <a:t>resolve</a:t>
             </a:r>
             <a:r>
-              <a:rPr lang="zh-CN" altLang="en-US" sz="1800" b="0" dirty="0" smtClean="0"/>
+              <a:rPr lang="zh-CN" altLang="en-US" sz="1600" b="0" dirty="0" smtClean="0">
+                <a:latin typeface="SimSun" panose="02010600030101010101" pitchFamily="2" charset="-122"/>
+                <a:ea typeface="SimSun" panose="02010600030101010101" pitchFamily="2" charset="-122"/>
+              </a:rPr>
               <a:t>：用来在路由激活前获取数据。</a:t>
             </a:r>
-            <a:endParaRPr lang="en-US" altLang="zh-CN" sz="1800" b="0" dirty="0"/>
-          </a:p>
-          <a:p>
-            <a:r>
-              <a:rPr lang="en-US" altLang="zh-CN" sz="1800" b="0" dirty="0" smtClean="0"/>
+            <a:endParaRPr lang="en-US" altLang="zh-CN" sz="1600" b="0" dirty="0">
+              <a:latin typeface="SimSun" panose="02010600030101010101" pitchFamily="2" charset="-122"/>
+              <a:ea typeface="SimSun" panose="02010600030101010101" pitchFamily="2" charset="-122"/>
+            </a:endParaRPr>
+          </a:p>
+          <a:p>
+            <a:r>
+              <a:rPr lang="en-US" altLang="zh-CN" sz="1600" b="0" dirty="0" smtClean="0">
+                <a:latin typeface="SimSun" panose="02010600030101010101" pitchFamily="2" charset="-122"/>
+                <a:ea typeface="SimSun" panose="02010600030101010101" pitchFamily="2" charset="-122"/>
+              </a:rPr>
               <a:t>children</a:t>
             </a:r>
             <a:r>
-              <a:rPr lang="zh-CN" altLang="en-US" sz="1800" b="0" dirty="0" smtClean="0"/>
+              <a:rPr lang="zh-CN" altLang="en-US" sz="1600" b="0" dirty="0" smtClean="0">
+                <a:latin typeface="SimSun" panose="02010600030101010101" pitchFamily="2" charset="-122"/>
+                <a:ea typeface="SimSun" panose="02010600030101010101" pitchFamily="2" charset="-122"/>
+              </a:rPr>
               <a:t>：</a:t>
             </a:r>
             <a:r>
-              <a:rPr lang="zh-CN" altLang="en-US" sz="1800" b="0" dirty="0"/>
+              <a:rPr lang="zh-CN" altLang="en-US" sz="1600" b="0" dirty="0">
+                <a:latin typeface="SimSun" panose="02010600030101010101" pitchFamily="2" charset="-122"/>
+                <a:ea typeface="SimSun" panose="02010600030101010101" pitchFamily="2" charset="-122"/>
+              </a:rPr>
               <a:t>子</a:t>
             </a:r>
             <a:r>
-              <a:rPr lang="zh-CN" altLang="en-US" sz="1800" b="0" dirty="0" smtClean="0"/>
+              <a:rPr lang="zh-CN" altLang="en-US" sz="1600" b="0" dirty="0" smtClean="0">
+                <a:latin typeface="SimSun" panose="02010600030101010101" pitchFamily="2" charset="-122"/>
+                <a:ea typeface="SimSun" panose="02010600030101010101" pitchFamily="2" charset="-122"/>
+              </a:rPr>
               <a:t>路由配置，使用子路由时当前的父路由对应的</a:t>
             </a:r>
             <a:r>
-              <a:rPr lang="en-US" altLang="zh-CN" sz="1800" b="0" dirty="0" smtClean="0"/>
+              <a:rPr lang="en-US" altLang="zh-CN" sz="1600" b="0" dirty="0" smtClean="0">
+                <a:latin typeface="SimSun" panose="02010600030101010101" pitchFamily="2" charset="-122"/>
+                <a:ea typeface="SimSun" panose="02010600030101010101" pitchFamily="2" charset="-122"/>
+              </a:rPr>
               <a:t>html</a:t>
             </a:r>
             <a:r>
-              <a:rPr lang="zh-CN" altLang="en-US" sz="1800" b="0" dirty="0" smtClean="0"/>
+              <a:rPr lang="zh-CN" altLang="en-US" sz="1600" b="0" dirty="0" smtClean="0">
+                <a:latin typeface="SimSun" panose="02010600030101010101" pitchFamily="2" charset="-122"/>
+                <a:ea typeface="SimSun" panose="02010600030101010101" pitchFamily="2" charset="-122"/>
+              </a:rPr>
               <a:t>内必有</a:t>
             </a:r>
             <a:r>
-              <a:rPr lang="en-US" altLang="zh-CN" sz="1800" b="0" dirty="0" smtClean="0"/>
+              <a:rPr lang="en-US" altLang="zh-CN" sz="1600" b="0" dirty="0" smtClean="0">
+                <a:latin typeface="SimSun" panose="02010600030101010101" pitchFamily="2" charset="-122"/>
+                <a:ea typeface="SimSun" panose="02010600030101010101" pitchFamily="2" charset="-122"/>
+              </a:rPr>
               <a:t>router-outlet</a:t>
             </a:r>
             <a:r>
-              <a:rPr lang="zh-CN" altLang="en-US" sz="1800" b="0" dirty="0" smtClean="0"/>
+              <a:rPr lang="zh-CN" altLang="en-US" sz="1600" b="0" dirty="0" smtClean="0">
+                <a:latin typeface="SimSun" panose="02010600030101010101" pitchFamily="2" charset="-122"/>
+                <a:ea typeface="SimSun" panose="02010600030101010101" pitchFamily="2" charset="-122"/>
+              </a:rPr>
               <a:t>。</a:t>
             </a:r>
-            <a:endParaRPr lang="en-US" altLang="zh-CN" sz="1800" b="0" dirty="0"/>
-          </a:p>
-          <a:p>
-            <a:r>
-              <a:rPr lang="en-US" altLang="zh-CN" sz="1800" b="0" dirty="0" err="1" smtClean="0"/>
+            <a:endParaRPr lang="en-US" altLang="zh-CN" sz="1600" b="0" dirty="0">
+              <a:latin typeface="SimSun" panose="02010600030101010101" pitchFamily="2" charset="-122"/>
+              <a:ea typeface="SimSun" panose="02010600030101010101" pitchFamily="2" charset="-122"/>
+            </a:endParaRPr>
+          </a:p>
+          <a:p>
+            <a:r>
+              <a:rPr lang="en-US" altLang="zh-CN" sz="1600" b="0" dirty="0" err="1" smtClean="0">
+                <a:latin typeface="SimSun" panose="02010600030101010101" pitchFamily="2" charset="-122"/>
+                <a:ea typeface="SimSun" panose="02010600030101010101" pitchFamily="2" charset="-122"/>
+              </a:rPr>
               <a:t>loadChildren</a:t>
             </a:r>
             <a:r>
-              <a:rPr lang="zh-CN" altLang="en-US" sz="1800" b="0" dirty="0" smtClean="0"/>
+              <a:rPr lang="zh-CN" altLang="en-US" sz="1600" b="0" dirty="0" smtClean="0">
+                <a:latin typeface="SimSun" panose="02010600030101010101" pitchFamily="2" charset="-122"/>
+                <a:ea typeface="SimSun" panose="02010600030101010101" pitchFamily="2" charset="-122"/>
+              </a:rPr>
               <a:t>：用于懒加载，加载对应的</a:t>
             </a:r>
             <a:r>
-              <a:rPr lang="en-US" altLang="zh-CN" sz="1800" b="0" dirty="0" smtClean="0"/>
+              <a:rPr lang="en-US" altLang="zh-CN" sz="1600" b="0" dirty="0" smtClean="0">
+                <a:latin typeface="SimSun" panose="02010600030101010101" pitchFamily="2" charset="-122"/>
+                <a:ea typeface="SimSun" panose="02010600030101010101" pitchFamily="2" charset="-122"/>
+              </a:rPr>
               <a:t>component</a:t>
             </a:r>
             <a:r>
-              <a:rPr lang="zh-CN" altLang="en-US" sz="1800" b="0" dirty="0" smtClean="0"/>
+              <a:rPr lang="zh-CN" altLang="en-US" sz="1600" b="0" dirty="0" smtClean="0">
+                <a:latin typeface="SimSun" panose="02010600030101010101" pitchFamily="2" charset="-122"/>
+                <a:ea typeface="SimSun" panose="02010600030101010101" pitchFamily="2" charset="-122"/>
+              </a:rPr>
               <a:t>。</a:t>
             </a:r>
-            <a:endParaRPr lang="en-US" altLang="zh-CN" sz="1800" b="0" dirty="0" smtClean="0"/>
-          </a:p>
-          <a:p>
-            <a:r>
-              <a:rPr lang="en-US" altLang="zh-CN" sz="1800" b="0" dirty="0" err="1" smtClean="0"/>
+            <a:endParaRPr lang="en-US" altLang="zh-CN" sz="1600" b="0" dirty="0" smtClean="0">
+              <a:latin typeface="SimSun" panose="02010600030101010101" pitchFamily="2" charset="-122"/>
+              <a:ea typeface="SimSun" panose="02010600030101010101" pitchFamily="2" charset="-122"/>
+            </a:endParaRPr>
+          </a:p>
+          <a:p>
+            <a:r>
+              <a:rPr lang="en-US" altLang="zh-CN" sz="1600" b="0" dirty="0" err="1" smtClean="0">
+                <a:latin typeface="SimSun" panose="02010600030101010101" pitchFamily="2" charset="-122"/>
+                <a:ea typeface="SimSun" panose="02010600030101010101" pitchFamily="2" charset="-122"/>
+              </a:rPr>
               <a:t>runGuardsAndResolvers</a:t>
             </a:r>
             <a:r>
-              <a:rPr lang="zh-CN" altLang="en-US" sz="1800" b="0" dirty="0" smtClean="0"/>
+              <a:rPr lang="zh-CN" altLang="en-US" sz="1600" b="0" dirty="0" smtClean="0">
+                <a:latin typeface="SimSun" panose="02010600030101010101" pitchFamily="2" charset="-122"/>
+                <a:ea typeface="SimSun" panose="02010600030101010101" pitchFamily="2" charset="-122"/>
+              </a:rPr>
               <a:t>：用来规定要验证的时机，默认为</a:t>
             </a:r>
             <a:r>
-              <a:rPr lang="en-US" altLang="zh-CN" sz="1800" b="0" dirty="0" smtClean="0"/>
+              <a:rPr lang="en-US" altLang="zh-CN" sz="1600" b="0" dirty="0" smtClean="0">
+                <a:latin typeface="SimSun" panose="02010600030101010101" pitchFamily="2" charset="-122"/>
+                <a:ea typeface="SimSun" panose="02010600030101010101" pitchFamily="2" charset="-122"/>
+              </a:rPr>
               <a:t>always</a:t>
             </a:r>
             <a:r>
-              <a:rPr lang="zh-CN" altLang="en-US" sz="1800" b="0" dirty="0" smtClean="0"/>
+              <a:rPr lang="zh-CN" altLang="en-US" sz="1600" b="0" dirty="0" smtClean="0">
+                <a:latin typeface="SimSun" panose="02010600030101010101" pitchFamily="2" charset="-122"/>
+                <a:ea typeface="SimSun" panose="02010600030101010101" pitchFamily="2" charset="-122"/>
+              </a:rPr>
               <a:t>，有</a:t>
             </a:r>
             <a:r>
-              <a:rPr lang="en-US" altLang="zh-CN" sz="1600" b="0" dirty="0" smtClean="0"/>
+              <a:rPr lang="en-US" altLang="zh-CN" sz="1600" b="0" dirty="0" smtClean="0">
+                <a:latin typeface="SimSun" panose="02010600030101010101" pitchFamily="2" charset="-122"/>
+                <a:ea typeface="SimSun" panose="02010600030101010101" pitchFamily="2" charset="-122"/>
+              </a:rPr>
               <a:t>‘</a:t>
             </a:r>
             <a:r>
-              <a:rPr lang="en-US" altLang="zh-CN" sz="1600" b="0" dirty="0" err="1" smtClean="0"/>
+              <a:rPr lang="en-US" altLang="zh-CN" sz="1600" b="0" dirty="0" err="1" smtClean="0">
+                <a:latin typeface="SimSun" panose="02010600030101010101" pitchFamily="2" charset="-122"/>
+                <a:ea typeface="SimSun" panose="02010600030101010101" pitchFamily="2" charset="-122"/>
+              </a:rPr>
               <a:t>paramsChange</a:t>
             </a:r>
             <a:r>
-              <a:rPr lang="en-US" altLang="zh-CN" sz="1600" b="0" dirty="0" smtClean="0"/>
+              <a:rPr lang="en-US" altLang="zh-CN" sz="1600" b="0" dirty="0" smtClean="0">
+                <a:latin typeface="SimSun" panose="02010600030101010101" pitchFamily="2" charset="-122"/>
+                <a:ea typeface="SimSun" panose="02010600030101010101" pitchFamily="2" charset="-122"/>
+              </a:rPr>
               <a:t>’ </a:t>
             </a:r>
             <a:r>
-              <a:rPr lang="zh-CN" altLang="en-US" sz="1600" b="0" dirty="0" smtClean="0"/>
+              <a:rPr lang="zh-CN" altLang="en-US" sz="1600" b="0" dirty="0" smtClean="0">
+                <a:latin typeface="SimSun" panose="02010600030101010101" pitchFamily="2" charset="-122"/>
+                <a:ea typeface="SimSun" panose="02010600030101010101" pitchFamily="2" charset="-122"/>
+              </a:rPr>
               <a:t>，</a:t>
             </a:r>
             <a:r>
-              <a:rPr lang="en-US" altLang="zh-CN" sz="1600" b="0" dirty="0" smtClean="0"/>
+              <a:rPr lang="en-US" altLang="zh-CN" sz="1600" b="0" dirty="0" smtClean="0">
+                <a:latin typeface="SimSun" panose="02010600030101010101" pitchFamily="2" charset="-122"/>
+                <a:ea typeface="SimSun" panose="02010600030101010101" pitchFamily="2" charset="-122"/>
+              </a:rPr>
               <a:t>‘</a:t>
             </a:r>
             <a:r>
-              <a:rPr lang="en-US" altLang="zh-CN" sz="1600" b="0" dirty="0" err="1" smtClean="0"/>
+              <a:rPr lang="en-US" altLang="zh-CN" sz="1600" b="0" dirty="0" err="1" smtClean="0">
+                <a:latin typeface="SimSun" panose="02010600030101010101" pitchFamily="2" charset="-122"/>
+                <a:ea typeface="SimSun" panose="02010600030101010101" pitchFamily="2" charset="-122"/>
+              </a:rPr>
               <a:t>paramsOrQueryParamsChange</a:t>
             </a:r>
             <a:r>
-              <a:rPr lang="en-US" altLang="zh-CN" sz="1600" b="0" dirty="0" smtClean="0"/>
+              <a:rPr lang="en-US" altLang="zh-CN" sz="1600" b="0" dirty="0" smtClean="0">
+                <a:latin typeface="SimSun" panose="02010600030101010101" pitchFamily="2" charset="-122"/>
+                <a:ea typeface="SimSun" panose="02010600030101010101" pitchFamily="2" charset="-122"/>
+              </a:rPr>
               <a:t>’ </a:t>
             </a:r>
             <a:r>
-              <a:rPr lang="zh-CN" altLang="en-US" sz="1600" b="0" dirty="0" smtClean="0"/>
+              <a:rPr lang="zh-CN" altLang="en-US" sz="1600" b="0" dirty="0" smtClean="0">
+                <a:latin typeface="SimSun" panose="02010600030101010101" pitchFamily="2" charset="-122"/>
+                <a:ea typeface="SimSun" panose="02010600030101010101" pitchFamily="2" charset="-122"/>
+              </a:rPr>
               <a:t>，</a:t>
             </a:r>
             <a:r>
-              <a:rPr lang="en-US" altLang="zh-CN" sz="1600" b="0" dirty="0" smtClean="0"/>
+              <a:rPr lang="en-US" altLang="zh-CN" sz="1600" b="0" dirty="0" smtClean="0">
+                <a:latin typeface="SimSun" panose="02010600030101010101" pitchFamily="2" charset="-122"/>
+                <a:ea typeface="SimSun" panose="02010600030101010101" pitchFamily="2" charset="-122"/>
+              </a:rPr>
               <a:t>‘always’</a:t>
             </a:r>
             <a:r>
-              <a:rPr lang="zh-CN" altLang="en-US" sz="1600" b="0" dirty="0" smtClean="0"/>
+              <a:rPr lang="zh-CN" altLang="en-US" sz="1600" b="0" dirty="0" smtClean="0">
+                <a:latin typeface="SimSun" panose="02010600030101010101" pitchFamily="2" charset="-122"/>
+                <a:ea typeface="SimSun" panose="02010600030101010101" pitchFamily="2" charset="-122"/>
+              </a:rPr>
               <a:t>可选择。</a:t>
             </a:r>
             <a:endParaRPr lang="en-US" altLang="zh-CN" sz="1600" b="0" dirty="0">
@@ -16844,7 +17311,10 @@
               </a:spcAft>
             </a:pPr>
             <a:r>
-              <a:rPr lang="en-US" altLang="zh-CN" sz="2800" b="0" dirty="0" smtClean="0"/>
+              <a:rPr lang="en-US" altLang="zh-CN" sz="2800" dirty="0" smtClean="0">
+                <a:latin typeface="SimSun" panose="02010600030101010101" pitchFamily="2" charset="-122"/>
+                <a:ea typeface="SimSun" panose="02010600030101010101" pitchFamily="2" charset="-122"/>
+              </a:rPr>
               <a:t>Route</a:t>
             </a:r>
             <a:r>
@@ -16932,14 +17402,7 @@
                 <a:latin typeface="SimSun" panose="02010600030101010101" pitchFamily="2" charset="-122"/>
                 <a:ea typeface="SimSun" panose="02010600030101010101" pitchFamily="2" charset="-122"/>
               </a:rPr>
-              <a:t>提供了</a:t>
-            </a:r>
-            <a:r>
-              <a:rPr lang="zh-CN" altLang="en-US" sz="1600" b="0" dirty="0" smtClean="0">
-                <a:latin typeface="SimSun" panose="02010600030101010101" pitchFamily="2" charset="-122"/>
-                <a:ea typeface="SimSun" panose="02010600030101010101" pitchFamily="2" charset="-122"/>
-              </a:rPr>
-              <a:t>一下</a:t>
+              <a:t>提供了一下</a:t>
             </a:r>
             <a:r>
               <a:rPr lang="en-US" altLang="zh-CN" sz="1600" b="0" dirty="0" smtClean="0">
@@ -17056,14 +17519,20 @@
               </a:rPr>
               <a:t>上。</a:t>
             </a:r>
-            <a:endParaRPr lang="en-US" altLang="zh-CN" sz="1600" b="0" dirty="0"/>
+            <a:endParaRPr lang="en-US" altLang="zh-CN" sz="1600" b="0" dirty="0">
+              <a:latin typeface="SimSun" panose="02010600030101010101" pitchFamily="2" charset="-122"/>
+              <a:ea typeface="SimSun" panose="02010600030101010101" pitchFamily="2" charset="-122"/>
+            </a:endParaRPr>
           </a:p>
           <a:p>
             <a:pPr marL="342900" indent="-342900">
               <a:buFont typeface="+mj-lt"/>
               <a:buAutoNum type="arabicPeriod"/>
             </a:pPr>
-            <a:endParaRPr lang="en-US" altLang="zh-CN" sz="1600" b="0" dirty="0" smtClean="0"/>
+            <a:endParaRPr lang="en-US" altLang="zh-CN" sz="1600" b="0" dirty="0" smtClean="0">
+              <a:latin typeface="SimSun" panose="02010600030101010101" pitchFamily="2" charset="-122"/>
+              <a:ea typeface="SimSun" panose="02010600030101010101" pitchFamily="2" charset="-122"/>
+            </a:endParaRPr>
           </a:p>
           <a:p>
             <a:pPr marL="342900" indent="-342900">
@@ -17150,239 +17619,419 @@
               <a:t>使用</a:t>
             </a:r>
             <a:r>
-              <a:rPr lang="en-US" altLang="zh-CN" sz="1600" b="0" dirty="0" err="1" smtClean="0"/>
+              <a:rPr lang="en-US" altLang="zh-CN" sz="1600" b="0" dirty="0" err="1" smtClean="0">
+                <a:latin typeface="SimSun" panose="02010600030101010101" pitchFamily="2" charset="-122"/>
+                <a:ea typeface="SimSun" panose="02010600030101010101" pitchFamily="2" charset="-122"/>
+              </a:rPr>
               <a:t>ActivatedRoute</a:t>
             </a:r>
             <a:r>
-              <a:rPr lang="zh-CN" altLang="en-US" sz="1600" b="0" dirty="0" smtClean="0"/>
+              <a:rPr lang="zh-CN" altLang="en-US" sz="1600" b="0" dirty="0" smtClean="0">
+                <a:latin typeface="SimSun" panose="02010600030101010101" pitchFamily="2" charset="-122"/>
+                <a:ea typeface="SimSun" panose="02010600030101010101" pitchFamily="2" charset="-122"/>
+              </a:rPr>
               <a:t>类</a:t>
             </a:r>
             <a:r>
-              <a:rPr lang="zh-CN" altLang="en-US" sz="1600" b="0" dirty="0"/>
+              <a:rPr lang="zh-CN" altLang="en-US" sz="1600" b="0" dirty="0">
+                <a:latin typeface="SimSun" panose="02010600030101010101" pitchFamily="2" charset="-122"/>
+                <a:ea typeface="SimSun" panose="02010600030101010101" pitchFamily="2" charset="-122"/>
+              </a:rPr>
               <a:t>的</a:t>
             </a:r>
             <a:r>
-              <a:rPr lang="en-US" altLang="zh-CN" sz="1600" b="0" dirty="0" err="1"/>
+              <a:rPr lang="en-US" altLang="zh-CN" sz="1600" b="0" dirty="0" err="1">
+                <a:latin typeface="SimSun" panose="02010600030101010101" pitchFamily="2" charset="-122"/>
+                <a:ea typeface="SimSun" panose="02010600030101010101" pitchFamily="2" charset="-122"/>
+              </a:rPr>
               <a:t>params</a:t>
             </a:r>
             <a:r>
-              <a:rPr lang="zh-CN" altLang="en-US" sz="1600" b="0" dirty="0"/>
+              <a:rPr lang="zh-CN" altLang="en-US" sz="1600" b="0" dirty="0">
+                <a:latin typeface="SimSun" panose="02010600030101010101" pitchFamily="2" charset="-122"/>
+                <a:ea typeface="SimSun" panose="02010600030101010101" pitchFamily="2" charset="-122"/>
+              </a:rPr>
               <a:t>属性</a:t>
             </a:r>
             <a:r>
-              <a:rPr lang="zh-CN" altLang="en-US" sz="1600" b="0" dirty="0" smtClean="0"/>
+              <a:rPr lang="zh-CN" altLang="en-US" sz="1600" b="0" dirty="0" smtClean="0">
+                <a:latin typeface="SimSun" panose="02010600030101010101" pitchFamily="2" charset="-122"/>
+                <a:ea typeface="SimSun" panose="02010600030101010101" pitchFamily="2" charset="-122"/>
+              </a:rPr>
               <a:t>来获取</a:t>
             </a:r>
             <a:r>
-              <a:rPr lang="en-US" altLang="zh-CN" sz="1600" b="0" dirty="0" smtClean="0"/>
+              <a:rPr lang="en-US" altLang="zh-CN" sz="1600" b="0" dirty="0" smtClean="0">
+                <a:latin typeface="SimSun" panose="02010600030101010101" pitchFamily="2" charset="-122"/>
+                <a:ea typeface="SimSun" panose="02010600030101010101" pitchFamily="2" charset="-122"/>
+              </a:rPr>
               <a:t>Router</a:t>
             </a:r>
             <a:r>
-              <a:rPr lang="zh-CN" altLang="en-US" sz="1600" b="0" dirty="0" smtClean="0"/>
+              <a:rPr lang="zh-CN" altLang="en-US" sz="1600" b="0" dirty="0" smtClean="0">
+                <a:latin typeface="SimSun" panose="02010600030101010101" pitchFamily="2" charset="-122"/>
+                <a:ea typeface="SimSun" panose="02010600030101010101" pitchFamily="2" charset="-122"/>
+              </a:rPr>
               <a:t>传递过来的数据。如果当前画面为子画面，想要获取父画面中传递的数据则使用</a:t>
             </a:r>
             <a:r>
-              <a:rPr lang="en-US" altLang="zh-CN" sz="1600" b="0" dirty="0" err="1" smtClean="0"/>
+              <a:rPr lang="en-US" altLang="zh-CN" sz="1600" b="0" dirty="0" err="1" smtClean="0">
+                <a:latin typeface="SimSun" panose="02010600030101010101" pitchFamily="2" charset="-122"/>
+                <a:ea typeface="SimSun" panose="02010600030101010101" pitchFamily="2" charset="-122"/>
+              </a:rPr>
               <a:t>ActivatedRoute</a:t>
             </a:r>
             <a:r>
-              <a:rPr lang="zh-CN" altLang="en-US" sz="1600" b="0" dirty="0" smtClean="0"/>
+              <a:rPr lang="zh-CN" altLang="en-US" sz="1600" b="0" dirty="0" smtClean="0">
+                <a:latin typeface="SimSun" panose="02010600030101010101" pitchFamily="2" charset="-122"/>
+                <a:ea typeface="SimSun" panose="02010600030101010101" pitchFamily="2" charset="-122"/>
+              </a:rPr>
               <a:t>内</a:t>
             </a:r>
             <a:r>
-              <a:rPr lang="en-US" altLang="zh-CN" sz="1600" b="0" dirty="0" err="1" smtClean="0"/>
+              <a:rPr lang="en-US" altLang="zh-CN" sz="1600" b="0" dirty="0" err="1" smtClean="0">
+                <a:latin typeface="SimSun" panose="02010600030101010101" pitchFamily="2" charset="-122"/>
+                <a:ea typeface="SimSun" panose="02010600030101010101" pitchFamily="2" charset="-122"/>
+              </a:rPr>
               <a:t>snapshot.parent.params</a:t>
             </a:r>
-            <a:endParaRPr lang="en-US" altLang="zh-CN" sz="1600" b="0" dirty="0"/>
-          </a:p>
-          <a:p>
-            <a:r>
-              <a:rPr lang="zh-CN" altLang="en-US" sz="1600" b="0" dirty="0" smtClean="0"/>
+            <a:endParaRPr lang="en-US" altLang="zh-CN" sz="1600" b="0" dirty="0">
+              <a:latin typeface="SimSun" panose="02010600030101010101" pitchFamily="2" charset="-122"/>
+              <a:ea typeface="SimSun" panose="02010600030101010101" pitchFamily="2" charset="-122"/>
+            </a:endParaRPr>
+          </a:p>
+          <a:p>
+            <a:r>
+              <a:rPr lang="zh-CN" altLang="en-US" sz="1600" b="0" dirty="0" smtClean="0">
+                <a:latin typeface="SimSun" panose="02010600030101010101" pitchFamily="2" charset="-122"/>
+                <a:ea typeface="SimSun" panose="02010600030101010101" pitchFamily="2" charset="-122"/>
+              </a:rPr>
               <a:t>属性，来获取幅画面数据。</a:t>
             </a:r>
-            <a:endParaRPr lang="en-US" altLang="zh-CN" sz="1600" b="0" dirty="0" smtClean="0"/>
-          </a:p>
-          <a:p>
-            <a:endParaRPr lang="en-US" altLang="zh-CN" sz="1600" b="0" dirty="0"/>
-          </a:p>
-          <a:p>
-            <a:r>
-              <a:rPr lang="en-US" altLang="zh-CN" sz="1600" b="0" dirty="0" smtClean="0"/>
+            <a:endParaRPr lang="en-US" altLang="zh-CN" sz="1600" b="0" dirty="0" smtClean="0">
+              <a:latin typeface="SimSun" panose="02010600030101010101" pitchFamily="2" charset="-122"/>
+              <a:ea typeface="SimSun" panose="02010600030101010101" pitchFamily="2" charset="-122"/>
+            </a:endParaRPr>
+          </a:p>
+          <a:p>
+            <a:endParaRPr lang="en-US" altLang="zh-CN" sz="1600" b="0" dirty="0">
+              <a:latin typeface="SimSun" panose="02010600030101010101" pitchFamily="2" charset="-122"/>
+              <a:ea typeface="SimSun" panose="02010600030101010101" pitchFamily="2" charset="-122"/>
+            </a:endParaRPr>
+          </a:p>
+          <a:p>
+            <a:r>
+              <a:rPr lang="en-US" altLang="zh-CN" sz="1600" b="0" dirty="0" smtClean="0">
+                <a:latin typeface="SimSun" panose="02010600030101010101" pitchFamily="2" charset="-122"/>
+                <a:ea typeface="SimSun" panose="02010600030101010101" pitchFamily="2" charset="-122"/>
+              </a:rPr>
               <a:t>HTML</a:t>
             </a:r>
             <a:r>
-              <a:rPr lang="zh-CN" altLang="en-US" sz="1600" b="0" dirty="0" smtClean="0"/>
+              <a:rPr lang="zh-CN" altLang="en-US" sz="1600" b="0" dirty="0" smtClean="0">
+                <a:latin typeface="SimSun" panose="02010600030101010101" pitchFamily="2" charset="-122"/>
+                <a:ea typeface="SimSun" panose="02010600030101010101" pitchFamily="2" charset="-122"/>
+              </a:rPr>
               <a:t>迁移使用</a:t>
             </a:r>
             <a:r>
-              <a:rPr lang="en-US" altLang="zh-CN" sz="1600" b="0" dirty="0" err="1" smtClean="0"/>
+              <a:rPr lang="en-US" altLang="zh-CN" sz="1600" b="0" dirty="0" err="1" smtClean="0">
+                <a:latin typeface="SimSun" panose="02010600030101010101" pitchFamily="2" charset="-122"/>
+                <a:ea typeface="SimSun" panose="02010600030101010101" pitchFamily="2" charset="-122"/>
+              </a:rPr>
               <a:t>routerLink</a:t>
             </a:r>
             <a:r>
-              <a:rPr lang="zh-CN" altLang="en-US" sz="1600" b="0" dirty="0" smtClean="0"/>
+              <a:rPr lang="zh-CN" altLang="en-US" sz="1600" b="0" dirty="0" smtClean="0">
+                <a:latin typeface="SimSun" panose="02010600030101010101" pitchFamily="2" charset="-122"/>
+                <a:ea typeface="SimSun" panose="02010600030101010101" pitchFamily="2" charset="-122"/>
+              </a:rPr>
               <a:t>来进行画面迁移。例如：</a:t>
             </a:r>
-            <a:endParaRPr lang="en-US" altLang="zh-CN" sz="1600" b="0" dirty="0" smtClean="0"/>
-          </a:p>
-          <a:p>
-            <a:r>
-              <a:rPr lang="en-US" altLang="zh-CN" sz="1600" b="0" dirty="0"/>
+            <a:endParaRPr lang="en-US" altLang="zh-CN" sz="1600" b="0" dirty="0" smtClean="0">
+              <a:latin typeface="SimSun" panose="02010600030101010101" pitchFamily="2" charset="-122"/>
+              <a:ea typeface="SimSun" panose="02010600030101010101" pitchFamily="2" charset="-122"/>
+            </a:endParaRPr>
+          </a:p>
+          <a:p>
+            <a:r>
+              <a:rPr lang="en-US" altLang="zh-CN" sz="1600" b="0" dirty="0">
+                <a:latin typeface="SimSun" panose="02010600030101010101" pitchFamily="2" charset="-122"/>
+                <a:ea typeface="SimSun" panose="02010600030101010101" pitchFamily="2" charset="-122"/>
+              </a:rPr>
               <a:t> </a:t>
             </a:r>
             <a:r>
-              <a:rPr lang="en-US" altLang="zh-CN" sz="1600" b="0" dirty="0" smtClean="0"/>
+              <a:rPr lang="en-US" altLang="zh-CN" sz="1600" b="0" dirty="0" smtClean="0">
+                <a:latin typeface="SimSun" panose="02010600030101010101" pitchFamily="2" charset="-122"/>
+                <a:ea typeface="SimSun" panose="02010600030101010101" pitchFamily="2" charset="-122"/>
+              </a:rPr>
               <a:t>   &lt;</a:t>
             </a:r>
             <a:r>
-              <a:rPr lang="en-US" altLang="zh-CN" sz="1600" b="0" dirty="0"/>
+              <a:rPr lang="en-US" altLang="zh-CN" sz="1600" b="0" dirty="0">
+                <a:latin typeface="SimSun" panose="02010600030101010101" pitchFamily="2" charset="-122"/>
+                <a:ea typeface="SimSun" panose="02010600030101010101" pitchFamily="2" charset="-122"/>
+              </a:rPr>
               <a:t>a [</a:t>
             </a:r>
             <a:r>
-              <a:rPr lang="en-US" altLang="zh-CN" sz="1600" b="0" dirty="0" err="1"/>
+              <a:rPr lang="en-US" altLang="zh-CN" sz="1600" b="0" dirty="0" err="1">
+                <a:latin typeface="SimSun" panose="02010600030101010101" pitchFamily="2" charset="-122"/>
+                <a:ea typeface="SimSun" panose="02010600030101010101" pitchFamily="2" charset="-122"/>
+              </a:rPr>
               <a:t>routerLink</a:t>
             </a:r>
             <a:r>
-              <a:rPr lang="en-US" altLang="zh-CN" sz="1600" b="0" dirty="0"/>
+              <a:rPr lang="en-US" altLang="zh-CN" sz="1600" b="0" dirty="0">
+                <a:latin typeface="SimSun" panose="02010600030101010101" pitchFamily="2" charset="-122"/>
+                <a:ea typeface="SimSun" panose="02010600030101010101" pitchFamily="2" charset="-122"/>
+              </a:rPr>
               <a:t>]="['/</a:t>
             </a:r>
             <a:r>
-              <a:rPr lang="en-US" altLang="zh-CN" sz="1600" b="0" dirty="0" err="1"/>
+              <a:rPr lang="en-US" altLang="zh-CN" sz="1600" b="0" dirty="0" err="1">
+                <a:latin typeface="SimSun" panose="02010600030101010101" pitchFamily="2" charset="-122"/>
+                <a:ea typeface="SimSun" panose="02010600030101010101" pitchFamily="2" charset="-122"/>
+              </a:rPr>
               <a:t>github</a:t>
             </a:r>
             <a:r>
-              <a:rPr lang="en-US" altLang="zh-CN" sz="1600" b="0" dirty="0"/>
+              <a:rPr lang="en-US" altLang="zh-CN" sz="1600" b="0" dirty="0">
+                <a:latin typeface="SimSun" panose="02010600030101010101" pitchFamily="2" charset="-122"/>
+                <a:ea typeface="SimSun" panose="02010600030101010101" pitchFamily="2" charset="-122"/>
+              </a:rPr>
               <a:t>', </a:t>
             </a:r>
             <a:r>
-              <a:rPr lang="en-US" altLang="zh-CN" sz="1600" b="0" dirty="0" err="1"/>
+              <a:rPr lang="en-US" altLang="zh-CN" sz="1600" b="0" dirty="0" err="1">
+                <a:latin typeface="SimSun" panose="02010600030101010101" pitchFamily="2" charset="-122"/>
+                <a:ea typeface="SimSun" panose="02010600030101010101" pitchFamily="2" charset="-122"/>
+              </a:rPr>
               <a:t>repo.owner.login</a:t>
             </a:r>
             <a:r>
-              <a:rPr lang="en-US" altLang="zh-CN" sz="1600" b="0" dirty="0"/>
+              <a:rPr lang="en-US" altLang="zh-CN" sz="1600" b="0" dirty="0">
+                <a:latin typeface="SimSun" panose="02010600030101010101" pitchFamily="2" charset="-122"/>
+                <a:ea typeface="SimSun" panose="02010600030101010101" pitchFamily="2" charset="-122"/>
+              </a:rPr>
               <a:t>, repo.name]"&gt;</a:t>
             </a:r>
           </a:p>
           <a:p>
-            <a:endParaRPr lang="en-US" altLang="zh-CN" sz="1600" b="0" dirty="0" smtClean="0"/>
-          </a:p>
-          <a:p>
-            <a:r>
-              <a:rPr lang="zh-CN" altLang="en-US" sz="1600" b="0" dirty="0" smtClean="0"/>
+            <a:endParaRPr lang="en-US" altLang="zh-CN" sz="1600" b="0" dirty="0" smtClean="0">
+              <a:latin typeface="SimSun" panose="02010600030101010101" pitchFamily="2" charset="-122"/>
+              <a:ea typeface="SimSun" panose="02010600030101010101" pitchFamily="2" charset="-122"/>
+            </a:endParaRPr>
+          </a:p>
+          <a:p>
+            <a:r>
+              <a:rPr lang="zh-CN" altLang="en-US" sz="1600" b="0" dirty="0" smtClean="0">
+                <a:latin typeface="SimSun" panose="02010600030101010101" pitchFamily="2" charset="-122"/>
+                <a:ea typeface="SimSun" panose="02010600030101010101" pitchFamily="2" charset="-122"/>
+              </a:rPr>
               <a:t>在</a:t>
             </a:r>
             <a:r>
-              <a:rPr lang="en-US" altLang="zh-CN" sz="1600" b="0" dirty="0" err="1" smtClean="0"/>
+              <a:rPr lang="en-US" altLang="zh-CN" sz="1600" b="0" dirty="0" err="1" smtClean="0">
+                <a:latin typeface="SimSun" panose="02010600030101010101" pitchFamily="2" charset="-122"/>
+                <a:ea typeface="SimSun" panose="02010600030101010101" pitchFamily="2" charset="-122"/>
+              </a:rPr>
               <a:t>TypeScript</a:t>
             </a:r>
             <a:r>
-              <a:rPr lang="zh-CN" altLang="en-US" sz="1600" b="0" dirty="0" smtClean="0"/>
+              <a:rPr lang="zh-CN" altLang="en-US" sz="1600" b="0" dirty="0" smtClean="0">
+                <a:latin typeface="SimSun" panose="02010600030101010101" pitchFamily="2" charset="-122"/>
+                <a:ea typeface="SimSun" panose="02010600030101010101" pitchFamily="2" charset="-122"/>
+              </a:rPr>
               <a:t>内使用</a:t>
             </a:r>
             <a:r>
-              <a:rPr lang="en-US" altLang="zh-CN" sz="1600" b="0" dirty="0" smtClean="0"/>
+              <a:rPr lang="en-US" altLang="zh-CN" sz="1600" b="0" dirty="0" smtClean="0">
+                <a:latin typeface="SimSun" panose="02010600030101010101" pitchFamily="2" charset="-122"/>
+                <a:ea typeface="SimSun" panose="02010600030101010101" pitchFamily="2" charset="-122"/>
+              </a:rPr>
               <a:t>Router</a:t>
             </a:r>
             <a:r>
-              <a:rPr lang="zh-CN" altLang="en-US" sz="1600" b="0" dirty="0" smtClean="0"/>
+              <a:rPr lang="zh-CN" altLang="en-US" sz="1600" b="0" dirty="0" smtClean="0">
+                <a:latin typeface="SimSun" panose="02010600030101010101" pitchFamily="2" charset="-122"/>
+                <a:ea typeface="SimSun" panose="02010600030101010101" pitchFamily="2" charset="-122"/>
+              </a:rPr>
               <a:t>类的</a:t>
             </a:r>
             <a:r>
-              <a:rPr lang="en-US" altLang="zh-CN" sz="1600" b="0" dirty="0" smtClean="0"/>
+              <a:rPr lang="en-US" altLang="zh-CN" sz="1600" b="0" dirty="0" smtClean="0">
+                <a:latin typeface="SimSun" panose="02010600030101010101" pitchFamily="2" charset="-122"/>
+                <a:ea typeface="SimSun" panose="02010600030101010101" pitchFamily="2" charset="-122"/>
+              </a:rPr>
               <a:t>navigate</a:t>
             </a:r>
             <a:r>
-              <a:rPr lang="zh-CN" altLang="en-US" sz="1600" b="0" dirty="0" smtClean="0"/>
+              <a:rPr lang="zh-CN" altLang="en-US" sz="1600" b="0" dirty="0" smtClean="0">
+                <a:latin typeface="SimSun" panose="02010600030101010101" pitchFamily="2" charset="-122"/>
+                <a:ea typeface="SimSun" panose="02010600030101010101" pitchFamily="2" charset="-122"/>
+              </a:rPr>
               <a:t>或者</a:t>
             </a:r>
             <a:r>
-              <a:rPr lang="en-US" altLang="zh-CN" sz="1600" b="0" dirty="0" err="1" smtClean="0"/>
+              <a:rPr lang="en-US" altLang="zh-CN" sz="1600" b="0" dirty="0" err="1" smtClean="0">
+                <a:latin typeface="SimSun" panose="02010600030101010101" pitchFamily="2" charset="-122"/>
+                <a:ea typeface="SimSun" panose="02010600030101010101" pitchFamily="2" charset="-122"/>
+              </a:rPr>
               <a:t>navigateByUrl</a:t>
             </a:r>
             <a:r>
-              <a:rPr lang="zh-CN" altLang="en-US" sz="1600" b="0" dirty="0" smtClean="0"/>
+              <a:rPr lang="zh-CN" altLang="en-US" sz="1600" b="0" dirty="0" smtClean="0">
+                <a:latin typeface="SimSun" panose="02010600030101010101" pitchFamily="2" charset="-122"/>
+                <a:ea typeface="SimSun" panose="02010600030101010101" pitchFamily="2" charset="-122"/>
+              </a:rPr>
               <a:t>，使用默认传值时则只能使用</a:t>
             </a:r>
             <a:r>
-              <a:rPr lang="en-US" altLang="zh-CN" sz="1600" b="0" dirty="0" smtClean="0"/>
+              <a:rPr lang="en-US" altLang="zh-CN" sz="1600" b="0" dirty="0" smtClean="0">
+                <a:latin typeface="SimSun" panose="02010600030101010101" pitchFamily="2" charset="-122"/>
+                <a:ea typeface="SimSun" panose="02010600030101010101" pitchFamily="2" charset="-122"/>
+              </a:rPr>
               <a:t>navigate</a:t>
             </a:r>
             <a:r>
-              <a:rPr lang="zh-CN" altLang="en-US" sz="1600" b="0" dirty="0" smtClean="0"/>
+              <a:rPr lang="zh-CN" altLang="en-US" sz="1600" b="0" dirty="0" smtClean="0">
+                <a:latin typeface="SimSun" panose="02010600030101010101" pitchFamily="2" charset="-122"/>
+                <a:ea typeface="SimSun" panose="02010600030101010101" pitchFamily="2" charset="-122"/>
+              </a:rPr>
               <a:t>。例如：</a:t>
             </a:r>
-            <a:endParaRPr lang="en-US" altLang="zh-CN" sz="1600" b="0" dirty="0" smtClean="0"/>
-          </a:p>
-          <a:p>
-            <a:r>
-              <a:rPr lang="en-US" altLang="zh-CN" sz="1600" b="0" dirty="0" smtClean="0"/>
+            <a:endParaRPr lang="en-US" altLang="zh-CN" sz="1600" b="0" dirty="0" smtClean="0">
+              <a:latin typeface="SimSun" panose="02010600030101010101" pitchFamily="2" charset="-122"/>
+              <a:ea typeface="SimSun" panose="02010600030101010101" pitchFamily="2" charset="-122"/>
+            </a:endParaRPr>
+          </a:p>
+          <a:p>
+            <a:r>
+              <a:rPr lang="en-US" altLang="zh-CN" sz="1600" b="0" dirty="0" smtClean="0">
+                <a:latin typeface="SimSun" panose="02010600030101010101" pitchFamily="2" charset="-122"/>
+                <a:ea typeface="SimSun" panose="02010600030101010101" pitchFamily="2" charset="-122"/>
+              </a:rPr>
               <a:t>    </a:t>
             </a:r>
             <a:r>
-              <a:rPr lang="en-US" altLang="zh-CN" sz="1600" b="0" dirty="0" err="1"/>
+              <a:rPr lang="en-US" altLang="zh-CN" sz="1600" b="0" dirty="0" err="1">
+                <a:latin typeface="SimSun" panose="02010600030101010101" pitchFamily="2" charset="-122"/>
+                <a:ea typeface="SimSun" panose="02010600030101010101" pitchFamily="2" charset="-122"/>
+              </a:rPr>
               <a:t>router.navigateByUrl</a:t>
             </a:r>
             <a:r>
-              <a:rPr lang="en-US" altLang="zh-CN" sz="1600" b="0" dirty="0"/>
+              <a:rPr lang="en-US" altLang="zh-CN" sz="1600" b="0" dirty="0">
+                <a:latin typeface="SimSun" panose="02010600030101010101" pitchFamily="2" charset="-122"/>
+                <a:ea typeface="SimSun" panose="02010600030101010101" pitchFamily="2" charset="-122"/>
+              </a:rPr>
               <a:t>("/team/33/user/11</a:t>
             </a:r>
             <a:r>
-              <a:rPr lang="en-US" altLang="zh-CN" sz="1600" b="0" dirty="0" smtClean="0"/>
+              <a:rPr lang="en-US" altLang="zh-CN" sz="1600" b="0" dirty="0" smtClean="0">
+                <a:latin typeface="SimSun" panose="02010600030101010101" pitchFamily="2" charset="-122"/>
+                <a:ea typeface="SimSun" panose="02010600030101010101" pitchFamily="2" charset="-122"/>
+              </a:rPr>
               <a:t>");</a:t>
             </a:r>
           </a:p>
           <a:p>
             <a:r>
-              <a:rPr lang="en-US" altLang="zh-CN" sz="1600" b="0" dirty="0"/>
+              <a:rPr lang="en-US" altLang="zh-CN" sz="1600" b="0" dirty="0">
+                <a:latin typeface="SimSun" panose="02010600030101010101" pitchFamily="2" charset="-122"/>
+                <a:ea typeface="SimSun" panose="02010600030101010101" pitchFamily="2" charset="-122"/>
+              </a:rPr>
               <a:t> </a:t>
             </a:r>
             <a:r>
-              <a:rPr lang="en-US" altLang="zh-CN" sz="1600" b="0" dirty="0" smtClean="0"/>
+              <a:rPr lang="en-US" altLang="zh-CN" sz="1600" b="0" dirty="0" smtClean="0">
+                <a:latin typeface="SimSun" panose="02010600030101010101" pitchFamily="2" charset="-122"/>
+                <a:ea typeface="SimSun" panose="02010600030101010101" pitchFamily="2" charset="-122"/>
+              </a:rPr>
               <a:t>   </a:t>
             </a:r>
             <a:r>
-              <a:rPr lang="en-US" altLang="zh-CN" sz="1600" b="0" dirty="0" err="1" smtClean="0"/>
+              <a:rPr lang="en-US" altLang="zh-CN" sz="1600" b="0" dirty="0" err="1" smtClean="0">
+                <a:latin typeface="SimSun" panose="02010600030101010101" pitchFamily="2" charset="-122"/>
+                <a:ea typeface="SimSun" panose="02010600030101010101" pitchFamily="2" charset="-122"/>
+              </a:rPr>
               <a:t>router.navigate</a:t>
             </a:r>
             <a:r>
-              <a:rPr lang="en-US" altLang="zh-CN" sz="1600" b="0" dirty="0"/>
+              <a:rPr lang="en-US" altLang="zh-CN" sz="1600" b="0" dirty="0">
+                <a:latin typeface="SimSun" panose="02010600030101010101" pitchFamily="2" charset="-122"/>
+                <a:ea typeface="SimSun" panose="02010600030101010101" pitchFamily="2" charset="-122"/>
+              </a:rPr>
               <a:t>(['team', 33, 'user', 11</a:t>
             </a:r>
             <a:r>
-              <a:rPr lang="en-US" altLang="zh-CN" sz="1600" b="0" dirty="0" smtClean="0"/>
+              <a:rPr lang="en-US" altLang="zh-CN" sz="1600" b="0" dirty="0" smtClean="0">
+                <a:latin typeface="SimSun" panose="02010600030101010101" pitchFamily="2" charset="-122"/>
+                <a:ea typeface="SimSun" panose="02010600030101010101" pitchFamily="2" charset="-122"/>
+              </a:rPr>
               <a:t>]);</a:t>
             </a:r>
           </a:p>
           <a:p>
             <a:r>
-              <a:rPr lang="en-US" altLang="zh-CN" sz="1600" b="0" dirty="0" smtClean="0"/>
+              <a:rPr lang="en-US" altLang="zh-CN" sz="1600" b="0" dirty="0" smtClean="0">
+                <a:latin typeface="SimSun" panose="02010600030101010101" pitchFamily="2" charset="-122"/>
+                <a:ea typeface="SimSun" panose="02010600030101010101" pitchFamily="2" charset="-122"/>
+              </a:rPr>
               <a:t>    </a:t>
             </a:r>
             <a:r>
-              <a:rPr lang="en-US" altLang="zh-CN" sz="1600" b="0" dirty="0" err="1"/>
+              <a:rPr lang="en-US" altLang="zh-CN" sz="1600" b="0" dirty="0" err="1">
+                <a:latin typeface="SimSun" panose="02010600030101010101" pitchFamily="2" charset="-122"/>
+                <a:ea typeface="SimSun" panose="02010600030101010101" pitchFamily="2" charset="-122"/>
+              </a:rPr>
               <a:t>router.navigate</a:t>
             </a:r>
             <a:r>
-              <a:rPr lang="en-US" altLang="zh-CN" sz="1600" b="0" dirty="0" smtClean="0"/>
+              <a:rPr lang="en-US" altLang="zh-CN" sz="1600" b="0" dirty="0" smtClean="0">
+                <a:latin typeface="SimSun" panose="02010600030101010101" pitchFamily="2" charset="-122"/>
+                <a:ea typeface="SimSun" panose="02010600030101010101" pitchFamily="2" charset="-122"/>
+              </a:rPr>
               <a:t>([‘team’, {‘</a:t>
             </a:r>
             <a:r>
-              <a:rPr lang="en-US" altLang="zh-CN" sz="1600" b="0" dirty="0" err="1" smtClean="0"/>
+              <a:rPr lang="en-US" altLang="zh-CN" sz="1600" b="0" dirty="0" err="1" smtClean="0">
+                <a:latin typeface="SimSun" panose="02010600030101010101" pitchFamily="2" charset="-122"/>
+                <a:ea typeface="SimSun" panose="02010600030101010101" pitchFamily="2" charset="-122"/>
+              </a:rPr>
               <a:t>teamId</a:t>
             </a:r>
             <a:r>
-              <a:rPr lang="en-US" altLang="zh-CN" sz="1600" b="0" dirty="0" smtClean="0"/>
+              <a:rPr lang="en-US" altLang="zh-CN" sz="1600" b="0" dirty="0" smtClean="0">
+                <a:latin typeface="SimSun" panose="02010600030101010101" pitchFamily="2" charset="-122"/>
+                <a:ea typeface="SimSun" panose="02010600030101010101" pitchFamily="2" charset="-122"/>
+              </a:rPr>
               <a:t>’: 33, 'user‘: 11});</a:t>
             </a:r>
-            <a:endParaRPr lang="en-US" altLang="zh-CN" sz="1600" b="0" dirty="0"/>
-          </a:p>
-          <a:p>
-            <a:endParaRPr lang="en-US" altLang="zh-CN" sz="1600" b="0" dirty="0"/>
-          </a:p>
-          <a:p>
-            <a:endParaRPr lang="en-US" altLang="zh-CN" sz="1600" b="0" dirty="0"/>
-          </a:p>
-          <a:p>
-            <a:endParaRPr lang="en-US" altLang="zh-CN" sz="1600" b="0" dirty="0" smtClean="0"/>
+            <a:endParaRPr lang="en-US" altLang="zh-CN" sz="1600" b="0" dirty="0">
+              <a:latin typeface="SimSun" panose="02010600030101010101" pitchFamily="2" charset="-122"/>
+              <a:ea typeface="SimSun" panose="02010600030101010101" pitchFamily="2" charset="-122"/>
+            </a:endParaRPr>
+          </a:p>
+          <a:p>
+            <a:endParaRPr lang="en-US" altLang="zh-CN" sz="1600" b="0" dirty="0">
+              <a:latin typeface="SimSun" panose="02010600030101010101" pitchFamily="2" charset="-122"/>
+              <a:ea typeface="SimSun" panose="02010600030101010101" pitchFamily="2" charset="-122"/>
+            </a:endParaRPr>
+          </a:p>
+          <a:p>
+            <a:endParaRPr lang="en-US" altLang="zh-CN" sz="1600" b="0" dirty="0">
+              <a:latin typeface="SimSun" panose="02010600030101010101" pitchFamily="2" charset="-122"/>
+              <a:ea typeface="SimSun" panose="02010600030101010101" pitchFamily="2" charset="-122"/>
+            </a:endParaRPr>
+          </a:p>
+          <a:p>
+            <a:endParaRPr lang="en-US" altLang="zh-CN" sz="1600" b="0" dirty="0" smtClean="0">
+              <a:latin typeface="SimSun" panose="02010600030101010101" pitchFamily="2" charset="-122"/>
+              <a:ea typeface="SimSun" panose="02010600030101010101" pitchFamily="2" charset="-122"/>
+            </a:endParaRPr>
           </a:p>
           <a:p>
             <a:pPr marL="342900" indent="-342900">
@@ -17674,14 +18323,7 @@
                 <a:latin typeface="SimSun" panose="02010600030101010101" pitchFamily="2" charset="-122"/>
                 <a:ea typeface="SimSun" panose="02010600030101010101" pitchFamily="2" charset="-122"/>
               </a:rPr>
-              <a:t>Router</a:t>
-            </a:r>
-            <a:r>
-              <a:rPr lang="en-US" altLang="zh-CN" sz="1800" dirty="0" err="1">
-                <a:latin typeface="SimSun" panose="02010600030101010101" pitchFamily="2" charset="-122"/>
-                <a:ea typeface="SimSun" panose="02010600030101010101" pitchFamily="2" charset="-122"/>
-              </a:rPr>
-              <a:t>Activate</a:t>
+              <a:t>RouterActivate</a:t>
             </a:r>
             <a:endParaRPr lang="en-US" altLang="zh-CN" sz="1800" dirty="0">
               <a:latin typeface="SimSun" panose="02010600030101010101" pitchFamily="2" charset="-122"/>
@@ -17711,7 +18353,7 @@
               <a:t>卫士必须实现</a:t>
             </a:r>
             <a:r>
-              <a:rPr lang="en-US" altLang="zh-CN" sz="1600" dirty="0" err="1">
+              <a:rPr lang="en-US" altLang="zh-CN" sz="1600" b="0" dirty="0" err="1">
                 <a:latin typeface="SimSun" panose="02010600030101010101" pitchFamily="2" charset="-122"/>
                 <a:ea typeface="SimSun" panose="02010600030101010101" pitchFamily="2" charset="-122"/>
               </a:rPr>
@@ -17725,70 +18367,67 @@
               <a:t>接口的</a:t>
             </a:r>
             <a:r>
-              <a:rPr lang="en-US" altLang="zh-CN" sz="1600" b="0" dirty="0" err="1" smtClean="0"/>
+              <a:rPr lang="en-US" altLang="zh-CN" sz="1600" b="0" dirty="0" err="1" smtClean="0">
+                <a:latin typeface="SimSun" panose="02010600030101010101" pitchFamily="2" charset="-122"/>
+                <a:ea typeface="SimSun" panose="02010600030101010101" pitchFamily="2" charset="-122"/>
+              </a:rPr>
               <a:t>canActivate</a:t>
             </a:r>
             <a:r>
-              <a:rPr lang="zh-CN" altLang="en-US" sz="1600" b="0" dirty="0" smtClean="0"/>
+              <a:rPr lang="zh-CN" altLang="en-US" sz="1600" b="0" dirty="0" smtClean="0">
+                <a:latin typeface="SimSun" panose="02010600030101010101" pitchFamily="2" charset="-122"/>
+                <a:ea typeface="SimSun" panose="02010600030101010101" pitchFamily="2" charset="-122"/>
+              </a:rPr>
               <a:t>方法，方法返回值为</a:t>
             </a:r>
             <a:r>
-              <a:rPr lang="en-US" altLang="zh-CN" sz="1600" b="0" dirty="0" err="1" smtClean="0"/>
+              <a:rPr lang="en-US" altLang="zh-CN" sz="1600" b="0" dirty="0" err="1" smtClean="0">
+                <a:latin typeface="SimSun" panose="02010600030101010101" pitchFamily="2" charset="-122"/>
+                <a:ea typeface="SimSun" panose="02010600030101010101" pitchFamily="2" charset="-122"/>
+              </a:rPr>
               <a:t>boolean</a:t>
             </a:r>
             <a:r>
-              <a:rPr lang="zh-CN" altLang="en-US" sz="1600" b="0" dirty="0" smtClean="0"/>
+              <a:rPr lang="zh-CN" altLang="en-US" sz="1600" b="0" dirty="0" smtClean="0">
+                <a:latin typeface="SimSun" panose="02010600030101010101" pitchFamily="2" charset="-122"/>
+                <a:ea typeface="SimSun" panose="02010600030101010101" pitchFamily="2" charset="-122"/>
+              </a:rPr>
               <a:t>型，</a:t>
             </a:r>
             <a:r>
-              <a:rPr lang="en-US" altLang="zh-CN" sz="1600" b="0" dirty="0" smtClean="0"/>
+              <a:rPr lang="en-US" altLang="zh-CN" sz="1600" b="0" dirty="0" smtClean="0">
+                <a:latin typeface="SimSun" panose="02010600030101010101" pitchFamily="2" charset="-122"/>
+                <a:ea typeface="SimSun" panose="02010600030101010101" pitchFamily="2" charset="-122"/>
+              </a:rPr>
               <a:t>true</a:t>
             </a:r>
             <a:r>
-              <a:rPr lang="zh-CN" altLang="en-US" sz="1600" b="0" dirty="0" smtClean="0"/>
+              <a:rPr lang="zh-CN" altLang="en-US" sz="1600" b="0" dirty="0" smtClean="0">
+                <a:latin typeface="SimSun" panose="02010600030101010101" pitchFamily="2" charset="-122"/>
+                <a:ea typeface="SimSun" panose="02010600030101010101" pitchFamily="2" charset="-122"/>
+              </a:rPr>
               <a:t>时则导航继续执行。在选取</a:t>
             </a:r>
             <a:r>
-              <a:rPr lang="en-US" altLang="zh-CN" sz="1600" b="0" dirty="0" smtClean="0"/>
+              <a:rPr lang="en-US" altLang="zh-CN" sz="1600" b="0" dirty="0" smtClean="0">
+                <a:latin typeface="SimSun" panose="02010600030101010101" pitchFamily="2" charset="-122"/>
+                <a:ea typeface="SimSun" panose="02010600030101010101" pitchFamily="2" charset="-122"/>
+              </a:rPr>
               <a:t>Router</a:t>
             </a:r>
             <a:r>
-              <a:rPr lang="zh-CN" altLang="en-US" sz="1600" b="0" dirty="0" smtClean="0"/>
+              <a:rPr lang="zh-CN" altLang="en-US" sz="1600" b="0" dirty="0" smtClean="0">
+                <a:latin typeface="SimSun" panose="02010600030101010101" pitchFamily="2" charset="-122"/>
+                <a:ea typeface="SimSun" panose="02010600030101010101" pitchFamily="2" charset="-122"/>
+              </a:rPr>
               <a:t>卫士时可以根据需求进行配置</a:t>
             </a:r>
             <a:r>
-              <a:rPr lang="zh-CN" altLang="en-US" sz="1600" b="0" dirty="0"/>
+              <a:rPr lang="zh-CN" altLang="en-US" sz="1600" b="0" dirty="0">
+                <a:latin typeface="SimSun" panose="02010600030101010101" pitchFamily="2" charset="-122"/>
+                <a:ea typeface="SimSun" panose="02010600030101010101" pitchFamily="2" charset="-122"/>
+              </a:rPr>
               <a:t>。</a:t>
-            </a:r>
-            <a:endParaRPr lang="en-US" altLang="zh-CN" sz="1600" b="0" dirty="0" smtClean="0"/>
-          </a:p>
-          <a:p>
-            <a:endParaRPr lang="en-US" altLang="zh-CN" sz="1600" b="0" dirty="0" smtClean="0"/>
-          </a:p>
-          <a:p>
-            <a:endParaRPr lang="en-US" altLang="zh-CN" sz="1600" b="0" dirty="0" smtClean="0"/>
-          </a:p>
-          <a:p>
-            <a:r>
-              <a:rPr lang="zh-CN" altLang="en-US" sz="1600" b="0" dirty="0" smtClean="0">
-                <a:latin typeface="SimSun" panose="02010600030101010101" pitchFamily="2" charset="-122"/>
-                <a:ea typeface="SimSun" panose="02010600030101010101" pitchFamily="2" charset="-122"/>
-              </a:rPr>
-              <a:t>实现方法内有</a:t>
-            </a:r>
-            <a:r>
-              <a:rPr lang="en-US" altLang="zh-CN" sz="1600" b="0" dirty="0" smtClean="0">
-                <a:latin typeface="SimSun" panose="02010600030101010101" pitchFamily="2" charset="-122"/>
-                <a:ea typeface="SimSun" panose="02010600030101010101" pitchFamily="2" charset="-122"/>
-              </a:rPr>
-              <a:t>2</a:t>
-            </a:r>
-            <a:r>
-              <a:rPr lang="zh-CN" altLang="en-US" sz="1600" b="0" dirty="0" smtClean="0">
-                <a:latin typeface="SimSun" panose="02010600030101010101" pitchFamily="2" charset="-122"/>
-                <a:ea typeface="SimSun" panose="02010600030101010101" pitchFamily="2" charset="-122"/>
-              </a:rPr>
-              <a:t>个参数：</a:t>
             </a:r>
             <a:endParaRPr lang="en-US" altLang="zh-CN" sz="1600" b="0" dirty="0" smtClean="0">
               <a:latin typeface="SimSun" panose="02010600030101010101" pitchFamily="2" charset="-122"/>
@@ -17796,39 +18435,119 @@
             </a:endParaRPr>
           </a:p>
           <a:p>
-            <a:r>
-              <a:rPr lang="en-US" altLang="zh-CN" sz="1600" dirty="0"/>
+            <a:endParaRPr lang="en-US" altLang="zh-CN" sz="1600" b="0" dirty="0" smtClean="0">
+              <a:latin typeface="SimSun" panose="02010600030101010101" pitchFamily="2" charset="-122"/>
+              <a:ea typeface="SimSun" panose="02010600030101010101" pitchFamily="2" charset="-122"/>
+            </a:endParaRPr>
+          </a:p>
+          <a:p>
+            <a:endParaRPr lang="en-US" altLang="zh-CN" sz="1600" b="0" dirty="0" smtClean="0">
+              <a:latin typeface="SimSun" panose="02010600030101010101" pitchFamily="2" charset="-122"/>
+              <a:ea typeface="SimSun" panose="02010600030101010101" pitchFamily="2" charset="-122"/>
+            </a:endParaRPr>
+          </a:p>
+          <a:p>
+            <a:r>
+              <a:rPr lang="zh-CN" altLang="en-US" sz="1600" b="0" dirty="0" smtClean="0">
+                <a:latin typeface="SimSun" panose="02010600030101010101" pitchFamily="2" charset="-122"/>
+                <a:ea typeface="SimSun" panose="02010600030101010101" pitchFamily="2" charset="-122"/>
+              </a:rPr>
+              <a:t>实现方法内有</a:t>
+            </a:r>
+            <a:r>
+              <a:rPr lang="en-US" altLang="zh-CN" sz="1600" b="0" dirty="0" smtClean="0">
+                <a:latin typeface="SimSun" panose="02010600030101010101" pitchFamily="2" charset="-122"/>
+                <a:ea typeface="SimSun" panose="02010600030101010101" pitchFamily="2" charset="-122"/>
+              </a:rPr>
+              <a:t>2</a:t>
+            </a:r>
+            <a:r>
+              <a:rPr lang="zh-CN" altLang="en-US" sz="1600" b="0" dirty="0" smtClean="0">
+                <a:latin typeface="SimSun" panose="02010600030101010101" pitchFamily="2" charset="-122"/>
+                <a:ea typeface="SimSun" panose="02010600030101010101" pitchFamily="2" charset="-122"/>
+              </a:rPr>
+              <a:t>个参数：</a:t>
+            </a:r>
+            <a:endParaRPr lang="en-US" altLang="zh-CN" sz="1600" b="0" dirty="0" smtClean="0">
+              <a:latin typeface="SimSun" panose="02010600030101010101" pitchFamily="2" charset="-122"/>
+              <a:ea typeface="SimSun" panose="02010600030101010101" pitchFamily="2" charset="-122"/>
+            </a:endParaRPr>
+          </a:p>
+          <a:p>
+            <a:r>
+              <a:rPr lang="en-US" altLang="zh-CN" sz="1600" b="0" dirty="0">
+                <a:latin typeface="SimSun" panose="02010600030101010101" pitchFamily="2" charset="-122"/>
+                <a:ea typeface="SimSun" panose="02010600030101010101" pitchFamily="2" charset="-122"/>
+              </a:rPr>
               <a:t>route: </a:t>
             </a:r>
             <a:r>
-              <a:rPr lang="en-US" altLang="zh-CN" sz="1600" dirty="0" err="1" smtClean="0"/>
+              <a:rPr lang="en-US" altLang="zh-CN" sz="1600" b="0" dirty="0" err="1" smtClean="0">
+                <a:latin typeface="SimSun" panose="02010600030101010101" pitchFamily="2" charset="-122"/>
+                <a:ea typeface="SimSun" panose="02010600030101010101" pitchFamily="2" charset="-122"/>
+              </a:rPr>
               <a:t>ActivatedRouteSnapshot</a:t>
             </a:r>
             <a:r>
-              <a:rPr lang="en-US" altLang="zh-CN" sz="1600" dirty="0"/>
-              <a:t> //</a:t>
-            </a:r>
-            <a:r>
-              <a:rPr lang="zh-CN" altLang="en-US" sz="1600" dirty="0"/>
-              <a:t>包含了即将被激活的路由</a:t>
-            </a:r>
-            <a:endParaRPr lang="en-US" altLang="zh-CN" sz="1600" dirty="0" smtClean="0"/>
-          </a:p>
-          <a:p>
-            <a:r>
-              <a:rPr lang="en-US" altLang="zh-CN" sz="1600" dirty="0"/>
+              <a:rPr lang="en-US" altLang="zh-CN" sz="1600" b="0" dirty="0">
+                <a:latin typeface="SimSun" panose="02010600030101010101" pitchFamily="2" charset="-122"/>
+                <a:ea typeface="SimSun" panose="02010600030101010101" pitchFamily="2" charset="-122"/>
+              </a:rPr>
+              <a:t> </a:t>
+            </a:r>
+            <a:r>
+              <a:rPr lang="en-US" altLang="zh-CN" sz="1600" b="0" dirty="0" smtClean="0">
+                <a:latin typeface="SimSun" panose="02010600030101010101" pitchFamily="2" charset="-122"/>
+                <a:ea typeface="SimSun" panose="02010600030101010101" pitchFamily="2" charset="-122"/>
+              </a:rPr>
+              <a:t>   //</a:t>
+            </a:r>
+            <a:r>
+              <a:rPr lang="zh-CN" altLang="en-US" sz="1600" b="0" dirty="0">
+                <a:latin typeface="SimSun" panose="02010600030101010101" pitchFamily="2" charset="-122"/>
+                <a:ea typeface="SimSun" panose="02010600030101010101" pitchFamily="2" charset="-122"/>
+              </a:rPr>
+              <a:t>包含了即将被激活的路</a:t>
+            </a:r>
+            <a:r>
+              <a:rPr lang="zh-CN" altLang="en-US" sz="1600" b="0" dirty="0" smtClean="0">
+                <a:latin typeface="SimSun" panose="02010600030101010101" pitchFamily="2" charset="-122"/>
+                <a:ea typeface="SimSun" panose="02010600030101010101" pitchFamily="2" charset="-122"/>
+              </a:rPr>
+              <a:t>由。</a:t>
+            </a:r>
+            <a:endParaRPr lang="en-US" altLang="zh-CN" sz="1600" b="0" dirty="0" smtClean="0">
+              <a:latin typeface="SimSun" panose="02010600030101010101" pitchFamily="2" charset="-122"/>
+              <a:ea typeface="SimSun" panose="02010600030101010101" pitchFamily="2" charset="-122"/>
+            </a:endParaRPr>
+          </a:p>
+          <a:p>
+            <a:r>
+              <a:rPr lang="en-US" altLang="zh-CN" sz="1600" b="0" dirty="0">
+                <a:latin typeface="SimSun" panose="02010600030101010101" pitchFamily="2" charset="-122"/>
+                <a:ea typeface="SimSun" panose="02010600030101010101" pitchFamily="2" charset="-122"/>
+              </a:rPr>
               <a:t>state: </a:t>
             </a:r>
             <a:r>
-              <a:rPr lang="en-US" altLang="zh-CN" sz="1600" dirty="0" err="1" smtClean="0"/>
+              <a:rPr lang="en-US" altLang="zh-CN" sz="1600" b="0" dirty="0" err="1" smtClean="0">
+                <a:latin typeface="SimSun" panose="02010600030101010101" pitchFamily="2" charset="-122"/>
+                <a:ea typeface="SimSun" panose="02010600030101010101" pitchFamily="2" charset="-122"/>
+              </a:rPr>
               <a:t>RouterStateSnapshot</a:t>
             </a:r>
             <a:r>
-              <a:rPr lang="en-US" altLang="zh-CN" sz="1600" dirty="0"/>
+              <a:rPr lang="en-US" altLang="zh-CN" sz="1600" b="0" dirty="0">
+                <a:latin typeface="SimSun" panose="02010600030101010101" pitchFamily="2" charset="-122"/>
+                <a:ea typeface="SimSun" panose="02010600030101010101" pitchFamily="2" charset="-122"/>
+              </a:rPr>
               <a:t>       //</a:t>
             </a:r>
             <a:r>
-              <a:rPr lang="zh-CN" altLang="en-US" sz="1600" dirty="0"/>
+              <a:rPr lang="zh-CN" altLang="en-US" sz="1600" b="0" dirty="0">
+                <a:latin typeface="SimSun" panose="02010600030101010101" pitchFamily="2" charset="-122"/>
+                <a:ea typeface="SimSun" panose="02010600030101010101" pitchFamily="2" charset="-122"/>
+              </a:rPr>
               <a:t>包含了该应用即将到达的状态。</a:t>
             </a:r>
             <a:endParaRPr lang="en-US" altLang="zh-CN" sz="1600" b="0" dirty="0">
@@ -17857,35 +18576,62 @@
               <a:t>实现后需要使用</a:t>
             </a:r>
             <a:r>
-              <a:rPr lang="en-US" altLang="zh-CN" sz="1600" b="0" dirty="0"/>
+              <a:rPr lang="en-US" altLang="zh-CN" sz="1600" b="0" dirty="0">
+                <a:latin typeface="SimSun" panose="02010600030101010101" pitchFamily="2" charset="-122"/>
+                <a:ea typeface="SimSun" panose="02010600030101010101" pitchFamily="2" charset="-122"/>
+              </a:rPr>
               <a:t>@</a:t>
             </a:r>
             <a:r>
-              <a:rPr lang="en-US" altLang="zh-CN" sz="1600" b="0" dirty="0" smtClean="0"/>
+              <a:rPr lang="en-US" altLang="zh-CN" sz="1600" b="0" dirty="0" smtClean="0">
+                <a:latin typeface="SimSun" panose="02010600030101010101" pitchFamily="2" charset="-122"/>
+                <a:ea typeface="SimSun" panose="02010600030101010101" pitchFamily="2" charset="-122"/>
+              </a:rPr>
               <a:t>Injectable</a:t>
             </a:r>
             <a:r>
-              <a:rPr lang="zh-CN" altLang="en-US" sz="1600" b="0" dirty="0" smtClean="0"/>
+              <a:rPr lang="zh-CN" altLang="en-US" sz="1600" b="0" dirty="0" smtClean="0">
+                <a:latin typeface="SimSun" panose="02010600030101010101" pitchFamily="2" charset="-122"/>
+                <a:ea typeface="SimSun" panose="02010600030101010101" pitchFamily="2" charset="-122"/>
+              </a:rPr>
               <a:t>进行注入。并在模块的</a:t>
             </a:r>
             <a:r>
-              <a:rPr lang="en-US" altLang="zh-CN" sz="1600" b="0" dirty="0" smtClean="0"/>
+              <a:rPr lang="en-US" altLang="zh-CN" sz="1600" b="0" dirty="0" smtClean="0">
+                <a:latin typeface="SimSun" panose="02010600030101010101" pitchFamily="2" charset="-122"/>
+                <a:ea typeface="SimSun" panose="02010600030101010101" pitchFamily="2" charset="-122"/>
+              </a:rPr>
               <a:t>providers</a:t>
             </a:r>
             <a:r>
-              <a:rPr lang="zh-CN" altLang="en-US" sz="1600" b="0" dirty="0" smtClean="0"/>
+              <a:rPr lang="zh-CN" altLang="en-US" sz="1600" b="0" dirty="0" smtClean="0">
+                <a:latin typeface="SimSun" panose="02010600030101010101" pitchFamily="2" charset="-122"/>
+                <a:ea typeface="SimSun" panose="02010600030101010101" pitchFamily="2" charset="-122"/>
+              </a:rPr>
               <a:t>内定义。</a:t>
             </a:r>
-            <a:endParaRPr lang="en-US" altLang="zh-CN" sz="1600" b="0" dirty="0" smtClean="0"/>
-          </a:p>
-          <a:p>
-            <a:endParaRPr lang="en-US" altLang="zh-CN" sz="1600" b="0" dirty="0"/>
-          </a:p>
-          <a:p>
-            <a:endParaRPr lang="en-US" altLang="zh-CN" sz="1600" b="0" dirty="0" smtClean="0"/>
-          </a:p>
-          <a:p>
-            <a:endParaRPr lang="en-US" altLang="zh-CN" sz="1600" b="0" dirty="0"/>
+            <a:endParaRPr lang="en-US" altLang="zh-CN" sz="1600" b="0" dirty="0" smtClean="0">
+              <a:latin typeface="SimSun" panose="02010600030101010101" pitchFamily="2" charset="-122"/>
+              <a:ea typeface="SimSun" panose="02010600030101010101" pitchFamily="2" charset="-122"/>
+            </a:endParaRPr>
+          </a:p>
+          <a:p>
+            <a:endParaRPr lang="en-US" altLang="zh-CN" sz="1600" b="0" dirty="0">
+              <a:latin typeface="SimSun" panose="02010600030101010101" pitchFamily="2" charset="-122"/>
+              <a:ea typeface="SimSun" panose="02010600030101010101" pitchFamily="2" charset="-122"/>
+            </a:endParaRPr>
+          </a:p>
+          <a:p>
+            <a:endParaRPr lang="en-US" altLang="zh-CN" sz="1600" b="0" dirty="0" smtClean="0">
+              <a:latin typeface="SimSun" panose="02010600030101010101" pitchFamily="2" charset="-122"/>
+              <a:ea typeface="SimSun" panose="02010600030101010101" pitchFamily="2" charset="-122"/>
+            </a:endParaRPr>
+          </a:p>
+          <a:p>
+            <a:endParaRPr lang="en-US" altLang="zh-CN" sz="1600" b="0" dirty="0">
+              <a:latin typeface="SimSun" panose="02010600030101010101" pitchFamily="2" charset="-122"/>
+              <a:ea typeface="SimSun" panose="02010600030101010101" pitchFamily="2" charset="-122"/>
+            </a:endParaRPr>
           </a:p>
         </p:txBody>
       </p:sp>
@@ -18322,21 +19068,21 @@
                 <a:gridCol w="2187788">
                   <a:extLst>
                     <a:ext uri="{9D8B030D-6E8A-4147-A177-3AD203B41FA5}">
-                      <a16:colId xmlns="" xmlns:a16="http://schemas.microsoft.com/office/drawing/2014/main" val="1427776139"/>
+                      <a16:colId xmlns:a16="http://schemas.microsoft.com/office/drawing/2014/main" xmlns="" val="1427776139"/>
                     </a:ext>
                   </a:extLst>
                 </a:gridCol>
                 <a:gridCol w="2562274">
                   <a:extLst>
                     <a:ext uri="{9D8B030D-6E8A-4147-A177-3AD203B41FA5}">
-                      <a16:colId xmlns="" xmlns:a16="http://schemas.microsoft.com/office/drawing/2014/main" val="3370170297"/>
+                      <a16:colId xmlns:a16="http://schemas.microsoft.com/office/drawing/2014/main" xmlns="" val="3370170297"/>
                     </a:ext>
                   </a:extLst>
                 </a:gridCol>
                 <a:gridCol w="3687098">
                   <a:extLst>
                     <a:ext uri="{9D8B030D-6E8A-4147-A177-3AD203B41FA5}">
-                      <a16:colId xmlns="" xmlns:a16="http://schemas.microsoft.com/office/drawing/2014/main" val="784783711"/>
+                      <a16:colId xmlns:a16="http://schemas.microsoft.com/office/drawing/2014/main" xmlns="" val="784783711"/>
                     </a:ext>
                   </a:extLst>
                 </a:gridCol>
@@ -18407,7 +19153,7 @@
                 </a:tc>
                 <a:extLst>
                   <a:ext uri="{0D108BD9-81ED-4DB2-BD59-A6C34878D82A}">
-                    <a16:rowId xmlns="" xmlns:a16="http://schemas.microsoft.com/office/drawing/2014/main" val="2469836323"/>
+                    <a16:rowId xmlns:a16="http://schemas.microsoft.com/office/drawing/2014/main" xmlns="" val="2469836323"/>
                   </a:ext>
                 </a:extLst>
               </a:tr>
@@ -18519,7 +19265,7 @@
                 </a:tc>
                 <a:extLst>
                   <a:ext uri="{0D108BD9-81ED-4DB2-BD59-A6C34878D82A}">
-                    <a16:rowId xmlns="" xmlns:a16="http://schemas.microsoft.com/office/drawing/2014/main" val="4026608687"/>
+                    <a16:rowId xmlns:a16="http://schemas.microsoft.com/office/drawing/2014/main" xmlns="" val="4026608687"/>
                   </a:ext>
                 </a:extLst>
               </a:tr>
@@ -18603,7 +19349,7 @@
                 </a:tc>
                 <a:extLst>
                   <a:ext uri="{0D108BD9-81ED-4DB2-BD59-A6C34878D82A}">
-                    <a16:rowId xmlns="" xmlns:a16="http://schemas.microsoft.com/office/drawing/2014/main" val="3808931876"/>
+                    <a16:rowId xmlns:a16="http://schemas.microsoft.com/office/drawing/2014/main" xmlns="" val="3808931876"/>
                   </a:ext>
                 </a:extLst>
               </a:tr>
@@ -18694,7 +19440,7 @@
                 </a:tc>
                 <a:extLst>
                   <a:ext uri="{0D108BD9-81ED-4DB2-BD59-A6C34878D82A}">
-                    <a16:rowId xmlns="" xmlns:a16="http://schemas.microsoft.com/office/drawing/2014/main" val="3120658752"/>
+                    <a16:rowId xmlns:a16="http://schemas.microsoft.com/office/drawing/2014/main" xmlns="" val="3120658752"/>
                   </a:ext>
                 </a:extLst>
               </a:tr>
@@ -19553,6 +20299,22 @@
 </file>
 
 <file path=customXml/item2.xml><?xml version="1.0" encoding="utf-8"?>
+<p:properties xmlns:p="http://schemas.microsoft.com/office/2006/metadata/properties" xmlns:xsi="http://www.w3.org/2001/XMLSchema-instance" xmlns:pc="http://schemas.microsoft.com/office/infopath/2007/PartnerControls">
+  <documentManagement>
+    <TemplateUrl xmlns="http://schemas.microsoft.com/sharepoint/v3" xsi:nil="true"/>
+    <_SourceUrl xmlns="http://schemas.microsoft.com/sharepoint/v3" xsi:nil="true"/>
+    <Comments0 xmlns="C6B13D8A-F6C8-4777-9906-93DFDA163C9A" xsi:nil="true"/>
+    <xd_ProgID xmlns="http://schemas.microsoft.com/sharepoint/v3" xsi:nil="true"/>
+    <test xmlns="C6B13D8A-F6C8-4777-9906-93DFDA163C9A" xsi:nil="true"/>
+    <Order xmlns="http://schemas.microsoft.com/sharepoint/v3" xsi:nil="true"/>
+    <_SharedFileIndex xmlns="http://schemas.microsoft.com/sharepoint/v3" xsi:nil="true"/>
+    <MetaInfo xmlns="http://schemas.microsoft.com/sharepoint/v3" xsi:nil="true"/>
+    <ContentTypeId xmlns="http://schemas.microsoft.com/sharepoint/v3">0x0101008A3DB1C6C8F67747990693DFDA163C9A</ContentTypeId>
+  </documentManagement>
+</p:properties>
+</file>
+
+<file path=customXml/item3.xml><?xml version="1.0" encoding="utf-8"?>
 <ct:contentTypeSchema xmlns:ct="http://schemas.microsoft.com/office/2006/metadata/contentType" xmlns:ma="http://schemas.microsoft.com/office/2006/metadata/properties/metaAttributes" ct:_="" ma:_="" ma:contentTypeName="Document" ma:contentTypeID="0x0101008A3DB1C6C8F67747990693DFDA163C9A" ma:contentTypeVersion="0" ma:contentTypeDescription="Create a new document." ma:contentTypeScope="" ma:versionID="c53e8d4c718320ba5c01db3429b48e01">
   <xsd:schema xmlns:xsd="http://www.w3.org/2001/XMLSchema" xmlns:xs="http://www.w3.org/2001/XMLSchema" xmlns:p="http://schemas.microsoft.com/office/2006/metadata/properties" xmlns:ns1="http://schemas.microsoft.com/sharepoint/v3" xmlns:ns2="C6B13D8A-F6C8-4777-9906-93DFDA163C9A" targetNamespace="http://schemas.microsoft.com/office/2006/metadata/properties" ma:root="true" ma:fieldsID="10d7d5cf4be4c05f12ebb16474ba6c35" ns1:_="" ns2:_="">
     <xsd:import namespace="http://schemas.microsoft.com/sharepoint/v3"/>
@@ -20023,22 +20785,6 @@
 </ct:contentTypeSchema>
 </file>
 
-<file path=customXml/item3.xml><?xml version="1.0" encoding="utf-8"?>
-<p:properties xmlns:p="http://schemas.microsoft.com/office/2006/metadata/properties" xmlns:xsi="http://www.w3.org/2001/XMLSchema-instance" xmlns:pc="http://schemas.microsoft.com/office/infopath/2007/PartnerControls">
-  <documentManagement>
-    <TemplateUrl xmlns="http://schemas.microsoft.com/sharepoint/v3" xsi:nil="true"/>
-    <_SourceUrl xmlns="http://schemas.microsoft.com/sharepoint/v3" xsi:nil="true"/>
-    <Comments0 xmlns="C6B13D8A-F6C8-4777-9906-93DFDA163C9A" xsi:nil="true"/>
-    <xd_ProgID xmlns="http://schemas.microsoft.com/sharepoint/v3" xsi:nil="true"/>
-    <test xmlns="C6B13D8A-F6C8-4777-9906-93DFDA163C9A" xsi:nil="true"/>
-    <Order xmlns="http://schemas.microsoft.com/sharepoint/v3" xsi:nil="true"/>
-    <_SharedFileIndex xmlns="http://schemas.microsoft.com/sharepoint/v3" xsi:nil="true"/>
-    <MetaInfo xmlns="http://schemas.microsoft.com/sharepoint/v3" xsi:nil="true"/>
-    <ContentTypeId xmlns="http://schemas.microsoft.com/sharepoint/v3">0x0101008A3DB1C6C8F67747990693DFDA163C9A</ContentTypeId>
-  </documentManagement>
-</p:properties>
-</file>
-
 <file path=customXml/itemProps1.xml><?xml version="1.0" encoding="utf-8"?>
 <ds:datastoreItem xmlns:ds="http://schemas.openxmlformats.org/officeDocument/2006/customXml" ds:itemID="{6268566E-43AA-4A68-BD58-84AB4DF5B82A}">
   <ds:schemaRefs>
@@ -20048,6 +20794,23 @@
 </file>
 
 <file path=customXml/itemProps2.xml><?xml version="1.0" encoding="utf-8"?>
+<ds:datastoreItem xmlns:ds="http://schemas.openxmlformats.org/officeDocument/2006/customXml" ds:itemID="{F59E41AE-6836-4572-AAEF-EE3E09D690B6}">
+  <ds:schemaRefs>
+    <ds:schemaRef ds:uri="http://schemas.microsoft.com/office/infopath/2007/PartnerControls"/>
+    <ds:schemaRef ds:uri="http://www.w3.org/XML/1998/namespace"/>
+    <ds:schemaRef ds:uri="http://purl.org/dc/terms/"/>
+    <ds:schemaRef ds:uri="http://purl.org/dc/elements/1.1/"/>
+    <ds:schemaRef ds:uri="http://schemas.microsoft.com/office/2006/metadata/properties"/>
+    <ds:schemaRef ds:uri="http://schemas.openxmlformats.org/package/2006/metadata/core-properties"/>
+    <ds:schemaRef ds:uri="C6B13D8A-F6C8-4777-9906-93DFDA163C9A"/>
+    <ds:schemaRef ds:uri="http://schemas.microsoft.com/office/2006/documentManagement/types"/>
+    <ds:schemaRef ds:uri="http://schemas.microsoft.com/sharepoint/v3"/>
+    <ds:schemaRef ds:uri="http://purl.org/dc/dcmitype/"/>
+  </ds:schemaRefs>
+</ds:datastoreItem>
+</file>
+
+<file path=customXml/itemProps3.xml><?xml version="1.0" encoding="utf-8"?>
 <ds:datastoreItem xmlns:ds="http://schemas.openxmlformats.org/officeDocument/2006/customXml" ds:itemID="{CC4C9FB6-25E4-4D1F-A1E8-D3497EBEE75E}">
   <ds:schemaRefs>
     <ds:schemaRef ds:uri="http://schemas.microsoft.com/office/2006/metadata/contentType"/>
@@ -20064,21 +20827,4 @@
     <ds:schemaRef ds:uri="http://schemas.microsoft.com/internal/obd"/>
   </ds:schemaRefs>
 </ds:datastoreItem>
-</file>
-
-<file path=customXml/itemProps3.xml><?xml version="1.0" encoding="utf-8"?>
-<ds:datastoreItem xmlns:ds="http://schemas.openxmlformats.org/officeDocument/2006/customXml" ds:itemID="{F59E41AE-6836-4572-AAEF-EE3E09D690B6}">
-  <ds:schemaRefs>
-    <ds:schemaRef ds:uri="http://schemas.microsoft.com/office/infopath/2007/PartnerControls"/>
-    <ds:schemaRef ds:uri="http://www.w3.org/XML/1998/namespace"/>
-    <ds:schemaRef ds:uri="http://purl.org/dc/terms/"/>
-    <ds:schemaRef ds:uri="http://purl.org/dc/elements/1.1/"/>
-    <ds:schemaRef ds:uri="http://schemas.microsoft.com/office/2006/metadata/properties"/>
-    <ds:schemaRef ds:uri="http://schemas.openxmlformats.org/package/2006/metadata/core-properties"/>
-    <ds:schemaRef ds:uri="C6B13D8A-F6C8-4777-9906-93DFDA163C9A"/>
-    <ds:schemaRef ds:uri="http://schemas.microsoft.com/office/2006/documentManagement/types"/>
-    <ds:schemaRef ds:uri="http://schemas.microsoft.com/sharepoint/v3"/>
-    <ds:schemaRef ds:uri="http://purl.org/dc/dcmitype/"/>
-  </ds:schemaRefs>
-</ds:datastoreItem>
 </file>
--- a/PPT/04-Accenture-FS-Angular-Router.pptx
+++ b/PPT/04-Accenture-FS-Angular-Router.pptx
@@ -14006,14 +14006,14 @@
           <p:nvPr>
             <p:extLst>
               <p:ext uri="{D42A27DB-BD31-4B8C-83A1-F6EECF244321}">
-                <p14:modId xmlns:p14="http://schemas.microsoft.com/office/powerpoint/2010/main" val="3124246680"/>
+                <p14:modId xmlns:p14="http://schemas.microsoft.com/office/powerpoint/2010/main" val="3568108402"/>
               </p:ext>
             </p:extLst>
           </p:nvPr>
         </p:nvGraphicFramePr>
         <p:xfrm>
           <a:off x="422348" y="1333500"/>
-          <a:ext cx="7612062" cy="4074924"/>
+          <a:ext cx="7612062" cy="4114800"/>
         </p:xfrm>
         <a:graphic>
           <a:graphicData uri="http://schemas.openxmlformats.org/drawingml/2006/table">
@@ -14023,12 +14023,12 @@
                 <a:gridCol w="7612062">
                   <a:extLst>
                     <a:ext uri="{9D8B030D-6E8A-4147-A177-3AD203B41FA5}">
-                      <a16:colId xmlns:a16="http://schemas.microsoft.com/office/drawing/2014/main" xmlns="" val="20000"/>
+                      <a16:colId xmlns="" xmlns:a16="http://schemas.microsoft.com/office/drawing/2014/main" val="20000"/>
                     </a:ext>
                   </a:extLst>
                 </a:gridCol>
               </a:tblGrid>
-              <a:tr h="200025">
+              <a:tr h="874383">
                 <a:tc>
                   <a:txBody>
                     <a:bodyPr/>
@@ -14118,40 +14118,6 @@
                         <a:ea typeface="SimSun" panose="02010600030101010101" pitchFamily="2" charset="-122"/>
                       </a:endParaRPr>
                     </a:p>
-                  </a:txBody>
-                  <a:tcPr horzOverflow="overflow">
-                    <a:lnL>
-                      <a:noFill/>
-                    </a:lnL>
-                    <a:lnR>
-                      <a:noFill/>
-                    </a:lnR>
-                    <a:lnT>
-                      <a:noFill/>
-                    </a:lnT>
-                    <a:lnB>
-                      <a:noFill/>
-                    </a:lnB>
-                    <a:lnTlToBr>
-                      <a:noFill/>
-                    </a:lnTlToBr>
-                    <a:lnBlToTr>
-                      <a:noFill/>
-                    </a:lnBlToTr>
-                    <a:noFill/>
-                  </a:tcPr>
-                </a:tc>
-                <a:extLst>
-                  <a:ext uri="{0D108BD9-81ED-4DB2-BD59-A6C34878D82A}">
-                    <a16:rowId xmlns:a16="http://schemas.microsoft.com/office/drawing/2014/main" xmlns="" val="10000"/>
-                  </a:ext>
-                </a:extLst>
-              </a:tr>
-              <a:tr h="180975">
-                <a:tc>
-                  <a:txBody>
-                    <a:bodyPr/>
-                    <a:lstStyle/>
                     <a:p>
                       <a:pPr marL="342900" marR="0" lvl="0" indent="-342900" algn="l" defTabSz="914400" rtl="0" eaLnBrk="1" fontAlgn="base" latinLnBrk="0" hangingPunct="1">
                         <a:lnSpc>
@@ -14210,40 +14176,6 @@
                         <a:ea typeface="SimSun" panose="02010600030101010101" pitchFamily="2" charset="-122"/>
                       </a:endParaRPr>
                     </a:p>
-                  </a:txBody>
-                  <a:tcPr horzOverflow="overflow">
-                    <a:lnL>
-                      <a:noFill/>
-                    </a:lnL>
-                    <a:lnR>
-                      <a:noFill/>
-                    </a:lnR>
-                    <a:lnT>
-                      <a:noFill/>
-                    </a:lnT>
-                    <a:lnB>
-                      <a:noFill/>
-                    </a:lnB>
-                    <a:lnTlToBr>
-                      <a:noFill/>
-                    </a:lnTlToBr>
-                    <a:lnBlToTr>
-                      <a:noFill/>
-                    </a:lnBlToTr>
-                    <a:noFill/>
-                  </a:tcPr>
-                </a:tc>
-                <a:extLst>
-                  <a:ext uri="{0D108BD9-81ED-4DB2-BD59-A6C34878D82A}">
-                    <a16:rowId xmlns:a16="http://schemas.microsoft.com/office/drawing/2014/main" xmlns="" val="10001"/>
-                  </a:ext>
-                </a:extLst>
-              </a:tr>
-              <a:tr h="422275">
-                <a:tc>
-                  <a:txBody>
-                    <a:bodyPr/>
-                    <a:lstStyle/>
                     <a:p>
                       <a:pPr marL="342900" marR="0" lvl="0" indent="-342900" algn="l" defTabSz="914400" rtl="0" eaLnBrk="1" fontAlgn="base" latinLnBrk="0" hangingPunct="1">
                         <a:lnSpc>
@@ -14290,55 +14222,24 @@
                           <a:ea typeface="SimSun" panose="02010600030101010101" pitchFamily="2" charset="-122"/>
                           <a:cs typeface="+mn-cs"/>
                         </a:rPr>
-                        <a:t>与画面关联</a:t>
+                        <a:t>与画面</a:t>
                       </a:r>
-                      <a:endParaRPr kumimoji="0" lang="en-US" altLang="zh-CN" sz="2200" b="0" i="0" u="none" strike="noStrike" kern="1200" cap="none" normalizeH="0" baseline="0" dirty="0">
-                        <a:ln>
-                          <a:noFill/>
-                        </a:ln>
-                        <a:solidFill>
-                          <a:srgbClr val="000000"/>
-                        </a:solidFill>
-                        <a:effectLst/>
-                        <a:latin typeface="SimSun" panose="02010600030101010101" pitchFamily="2" charset="-122"/>
-                        <a:ea typeface="SimSun" panose="02010600030101010101" pitchFamily="2" charset="-122"/>
-                        <a:cs typeface="+mn-cs"/>
-                      </a:endParaRPr>
+                      <a:r>
+                        <a:rPr kumimoji="0" lang="zh-CN" altLang="en-US" sz="2200" b="0" i="0" u="none" strike="noStrike" kern="1200" cap="none" normalizeH="0" baseline="0" dirty="0" smtClean="0">
+                          <a:ln>
+                            <a:noFill/>
+                          </a:ln>
+                          <a:solidFill>
+                            <a:srgbClr val="000000"/>
+                          </a:solidFill>
+                          <a:effectLst/>
+                          <a:latin typeface="SimSun" panose="02010600030101010101" pitchFamily="2" charset="-122"/>
+                          <a:ea typeface="SimSun" panose="02010600030101010101" pitchFamily="2" charset="-122"/>
+                          <a:cs typeface="+mn-cs"/>
+                        </a:rPr>
+                        <a:t>关联</a:t>
+                      </a:r>
                     </a:p>
-                  </a:txBody>
-                  <a:tcPr horzOverflow="overflow">
-                    <a:lnL>
-                      <a:noFill/>
-                    </a:lnL>
-                    <a:lnR>
-                      <a:noFill/>
-                    </a:lnR>
-                    <a:lnT>
-                      <a:noFill/>
-                    </a:lnT>
-                    <a:lnB>
-                      <a:noFill/>
-                    </a:lnB>
-                    <a:lnTlToBr>
-                      <a:noFill/>
-                    </a:lnTlToBr>
-                    <a:lnBlToTr>
-                      <a:noFill/>
-                    </a:lnBlToTr>
-                    <a:noFill/>
-                  </a:tcPr>
-                </a:tc>
-                <a:extLst>
-                  <a:ext uri="{0D108BD9-81ED-4DB2-BD59-A6C34878D82A}">
-                    <a16:rowId xmlns:a16="http://schemas.microsoft.com/office/drawing/2014/main" xmlns="" val="10002"/>
-                  </a:ext>
-                </a:extLst>
-              </a:tr>
-              <a:tr h="180975">
-                <a:tc>
-                  <a:txBody>
-                    <a:bodyPr/>
-                    <a:lstStyle/>
                     <a:p>
                       <a:pPr marL="342900" marR="0" lvl="0" indent="-342900" algn="l" defTabSz="914400" rtl="0" eaLnBrk="1" fontAlgn="base" latinLnBrk="0" hangingPunct="1">
                         <a:lnSpc>
@@ -14387,7 +14288,7 @@
                         </a:rPr>
                         <a:t>属性</a:t>
                       </a:r>
-                      <a:endParaRPr kumimoji="0" lang="en-US" altLang="zh-CN" sz="2200" b="0" i="0" u="none" strike="noStrike" kern="1200" cap="none" normalizeH="0" baseline="0" dirty="0">
+                      <a:endParaRPr kumimoji="0" lang="en-US" altLang="zh-CN" sz="2200" b="0" i="0" u="none" strike="noStrike" kern="1200" cap="none" normalizeH="0" baseline="0" dirty="0" smtClean="0">
                         <a:ln>
                           <a:noFill/>
                         </a:ln>
@@ -14669,7 +14570,7 @@
                 </a:tc>
                 <a:extLst>
                   <a:ext uri="{0D108BD9-81ED-4DB2-BD59-A6C34878D82A}">
-                    <a16:rowId xmlns:a16="http://schemas.microsoft.com/office/drawing/2014/main" xmlns="" val="10003"/>
+                    <a16:rowId xmlns="" xmlns:a16="http://schemas.microsoft.com/office/drawing/2014/main" val="10000"/>
                   </a:ext>
                 </a:extLst>
               </a:tr>
@@ -14772,6 +14673,13 @@
   <p:clrMapOvr>
     <a:masterClrMapping/>
   </p:clrMapOvr>
+  <p:timing>
+    <p:tnLst>
+      <p:par>
+        <p:cTn id="1" dur="indefinite" restart="never" nodeType="tmRoot"/>
+      </p:par>
+    </p:tnLst>
+  </p:timing>
 </p:sld>
 </file>
 
@@ -15054,6 +14962,13 @@
     <a:overrideClrMapping bg1="lt1" tx1="dk1" bg2="lt2" tx2="dk2" accent1="accent1" accent2="accent2" accent3="accent3" accent4="accent4" accent5="accent5" accent6="accent6" hlink="hlink" folHlink="folHlink"/>
   </p:clrMapOvr>
   <p:transition/>
+  <p:timing>
+    <p:tnLst>
+      <p:par>
+        <p:cTn id="1" dur="indefinite" restart="never" nodeType="tmRoot"/>
+      </p:par>
+    </p:tnLst>
+  </p:timing>
 </p:sld>
 </file>
 
@@ -15788,6 +15703,13 @@
     <a:masterClrMapping/>
   </p:clrMapOvr>
   <p:transition/>
+  <p:timing>
+    <p:tnLst>
+      <p:par>
+        <p:cTn id="1" dur="indefinite" restart="never" nodeType="tmRoot"/>
+      </p:par>
+    </p:tnLst>
+  </p:timing>
 </p:sld>
 </file>
 
@@ -16440,6 +16362,13 @@
     <a:masterClrMapping/>
   </p:clrMapOvr>
   <p:transition/>
+  <p:timing>
+    <p:tnLst>
+      <p:par>
+        <p:cTn id="1" dur="indefinite" restart="never" nodeType="tmRoot"/>
+      </p:par>
+    </p:tnLst>
+  </p:timing>
 </p:sld>
 </file>
 
@@ -16530,11 +16459,11 @@
               <a:t>’</a:t>
             </a:r>
             <a:r>
-              <a:rPr lang="en-US" altLang="zh-CN" sz="1600" b="0" dirty="0">
-                <a:latin typeface="SimSun" panose="02010600030101010101" pitchFamily="2" charset="-122"/>
-                <a:ea typeface="SimSun" panose="02010600030101010101" pitchFamily="2" charset="-122"/>
-              </a:rPr>
-              <a:t> prefix</a:t>
+              <a:rPr lang="en-US" altLang="zh-CN" sz="1600" b="0" dirty="0" err="1" smtClean="0">
+                <a:latin typeface="SimSun" panose="02010600030101010101" pitchFamily="2" charset="-122"/>
+                <a:ea typeface="SimSun" panose="02010600030101010101" pitchFamily="2" charset="-122"/>
+              </a:rPr>
+              <a:t>prefix’,’full</a:t>
             </a:r>
             <a:r>
               <a:rPr lang="en-US" altLang="zh-CN" sz="1600" b="0" dirty="0" smtClean="0">
@@ -16548,7 +16477,7 @@
                 <a:latin typeface="SimSun" panose="02010600030101010101" pitchFamily="2" charset="-122"/>
                 <a:ea typeface="SimSun" panose="02010600030101010101" pitchFamily="2" charset="-122"/>
               </a:rPr>
-              <a:t>。</a:t>
+              <a:t>可选。</a:t>
             </a:r>
             <a:endParaRPr lang="en-US" altLang="zh-CN" sz="1600" b="0" dirty="0">
               <a:latin typeface="SimSun" panose="02010600030101010101" pitchFamily="2" charset="-122"/>
@@ -16952,7 +16881,28 @@
                 <a:latin typeface="SimSun" panose="02010600030101010101" pitchFamily="2" charset="-122"/>
                 <a:ea typeface="SimSun" panose="02010600030101010101" pitchFamily="2" charset="-122"/>
               </a:rPr>
-              <a:t>：用来在路由激活前获取数据。</a:t>
+              <a:t>：用来在路由激活前获取数据</a:t>
+            </a:r>
+            <a:r>
+              <a:rPr lang="zh-CN" altLang="en-US" sz="1600" b="0" dirty="0" smtClean="0">
+                <a:latin typeface="SimSun" panose="02010600030101010101" pitchFamily="2" charset="-122"/>
+                <a:ea typeface="SimSun" panose="02010600030101010101" pitchFamily="2" charset="-122"/>
+              </a:rPr>
+              <a:t>。</a:t>
+            </a:r>
+            <a:r>
+              <a:rPr lang="en-US" altLang="zh-CN" sz="1600" b="0" dirty="0">
+                <a:latin typeface="SimSun" panose="02010600030101010101" pitchFamily="2" charset="-122"/>
+                <a:ea typeface="SimSun" panose="02010600030101010101" pitchFamily="2" charset="-122"/>
+              </a:rPr>
+              <a:t>(http://</a:t>
+            </a:r>
+            <a:r>
+              <a:rPr lang="en-US" altLang="zh-CN" sz="1600" b="0" dirty="0" smtClean="0">
+                <a:latin typeface="SimSun" panose="02010600030101010101" pitchFamily="2" charset="-122"/>
+                <a:ea typeface="SimSun" panose="02010600030101010101" pitchFamily="2" charset="-122"/>
+              </a:rPr>
+              <a:t>www.jb51.net/article/98934.htm)</a:t>
             </a:r>
             <a:endParaRPr lang="en-US" altLang="zh-CN" sz="1600" b="0" dirty="0">
               <a:latin typeface="SimSun" panose="02010600030101010101" pitchFamily="2" charset="-122"/>
@@ -17342,6 +17292,13 @@
     <a:masterClrMapping/>
   </p:clrMapOvr>
   <p:transition/>
+  <p:timing>
+    <p:tnLst>
+      <p:par>
+        <p:cTn id="1" dur="indefinite" restart="never" nodeType="tmRoot"/>
+      </p:par>
+    </p:tnLst>
+  </p:timing>
 </p:sld>
 </file>
 
@@ -18270,6 +18227,13 @@
     <a:masterClrMapping/>
   </p:clrMapOvr>
   <p:transition/>
+  <p:timing>
+    <p:tnLst>
+      <p:par>
+        <p:cTn id="1" dur="indefinite" restart="never" nodeType="tmRoot"/>
+      </p:par>
+    </p:tnLst>
+  </p:timing>
 </p:sld>
 </file>
 
@@ -19068,21 +19032,21 @@
                 <a:gridCol w="2187788">
                   <a:extLst>
                     <a:ext uri="{9D8B030D-6E8A-4147-A177-3AD203B41FA5}">
-                      <a16:colId xmlns:a16="http://schemas.microsoft.com/office/drawing/2014/main" xmlns="" val="1427776139"/>
+                      <a16:colId xmlns="" xmlns:a16="http://schemas.microsoft.com/office/drawing/2014/main" val="1427776139"/>
                     </a:ext>
                   </a:extLst>
                 </a:gridCol>
                 <a:gridCol w="2562274">
                   <a:extLst>
                     <a:ext uri="{9D8B030D-6E8A-4147-A177-3AD203B41FA5}">
-                      <a16:colId xmlns:a16="http://schemas.microsoft.com/office/drawing/2014/main" xmlns="" val="3370170297"/>
+                      <a16:colId xmlns="" xmlns:a16="http://schemas.microsoft.com/office/drawing/2014/main" val="3370170297"/>
                     </a:ext>
                   </a:extLst>
                 </a:gridCol>
                 <a:gridCol w="3687098">
                   <a:extLst>
                     <a:ext uri="{9D8B030D-6E8A-4147-A177-3AD203B41FA5}">
-                      <a16:colId xmlns:a16="http://schemas.microsoft.com/office/drawing/2014/main" xmlns="" val="784783711"/>
+                      <a16:colId xmlns="" xmlns:a16="http://schemas.microsoft.com/office/drawing/2014/main" val="784783711"/>
                     </a:ext>
                   </a:extLst>
                 </a:gridCol>
@@ -19153,7 +19117,7 @@
                 </a:tc>
                 <a:extLst>
                   <a:ext uri="{0D108BD9-81ED-4DB2-BD59-A6C34878D82A}">
-                    <a16:rowId xmlns:a16="http://schemas.microsoft.com/office/drawing/2014/main" xmlns="" val="2469836323"/>
+                    <a16:rowId xmlns="" xmlns:a16="http://schemas.microsoft.com/office/drawing/2014/main" val="2469836323"/>
                   </a:ext>
                 </a:extLst>
               </a:tr>
@@ -19265,7 +19229,7 @@
                 </a:tc>
                 <a:extLst>
                   <a:ext uri="{0D108BD9-81ED-4DB2-BD59-A6C34878D82A}">
-                    <a16:rowId xmlns:a16="http://schemas.microsoft.com/office/drawing/2014/main" xmlns="" val="4026608687"/>
+                    <a16:rowId xmlns="" xmlns:a16="http://schemas.microsoft.com/office/drawing/2014/main" val="4026608687"/>
                   </a:ext>
                 </a:extLst>
               </a:tr>
@@ -19349,7 +19313,7 @@
                 </a:tc>
                 <a:extLst>
                   <a:ext uri="{0D108BD9-81ED-4DB2-BD59-A6C34878D82A}">
-                    <a16:rowId xmlns:a16="http://schemas.microsoft.com/office/drawing/2014/main" xmlns="" val="3808931876"/>
+                    <a16:rowId xmlns="" xmlns:a16="http://schemas.microsoft.com/office/drawing/2014/main" val="3808931876"/>
                   </a:ext>
                 </a:extLst>
               </a:tr>
@@ -19440,7 +19404,7 @@
                 </a:tc>
                 <a:extLst>
                   <a:ext uri="{0D108BD9-81ED-4DB2-BD59-A6C34878D82A}">
-                    <a16:rowId xmlns:a16="http://schemas.microsoft.com/office/drawing/2014/main" xmlns="" val="3120658752"/>
+                    <a16:rowId xmlns="" xmlns:a16="http://schemas.microsoft.com/office/drawing/2014/main" val="3120658752"/>
                   </a:ext>
                 </a:extLst>
               </a:tr>
@@ -20299,22 +20263,6 @@
 </file>
 
 <file path=customXml/item2.xml><?xml version="1.0" encoding="utf-8"?>
-<p:properties xmlns:p="http://schemas.microsoft.com/office/2006/metadata/properties" xmlns:xsi="http://www.w3.org/2001/XMLSchema-instance" xmlns:pc="http://schemas.microsoft.com/office/infopath/2007/PartnerControls">
-  <documentManagement>
-    <TemplateUrl xmlns="http://schemas.microsoft.com/sharepoint/v3" xsi:nil="true"/>
-    <_SourceUrl xmlns="http://schemas.microsoft.com/sharepoint/v3" xsi:nil="true"/>
-    <Comments0 xmlns="C6B13D8A-F6C8-4777-9906-93DFDA163C9A" xsi:nil="true"/>
-    <xd_ProgID xmlns="http://schemas.microsoft.com/sharepoint/v3" xsi:nil="true"/>
-    <test xmlns="C6B13D8A-F6C8-4777-9906-93DFDA163C9A" xsi:nil="true"/>
-    <Order xmlns="http://schemas.microsoft.com/sharepoint/v3" xsi:nil="true"/>
-    <_SharedFileIndex xmlns="http://schemas.microsoft.com/sharepoint/v3" xsi:nil="true"/>
-    <MetaInfo xmlns="http://schemas.microsoft.com/sharepoint/v3" xsi:nil="true"/>
-    <ContentTypeId xmlns="http://schemas.microsoft.com/sharepoint/v3">0x0101008A3DB1C6C8F67747990693DFDA163C9A</ContentTypeId>
-  </documentManagement>
-</p:properties>
-</file>
-
-<file path=customXml/item3.xml><?xml version="1.0" encoding="utf-8"?>
 <ct:contentTypeSchema xmlns:ct="http://schemas.microsoft.com/office/2006/metadata/contentType" xmlns:ma="http://schemas.microsoft.com/office/2006/metadata/properties/metaAttributes" ct:_="" ma:_="" ma:contentTypeName="Document" ma:contentTypeID="0x0101008A3DB1C6C8F67747990693DFDA163C9A" ma:contentTypeVersion="0" ma:contentTypeDescription="Create a new document." ma:contentTypeScope="" ma:versionID="c53e8d4c718320ba5c01db3429b48e01">
   <xsd:schema xmlns:xsd="http://www.w3.org/2001/XMLSchema" xmlns:xs="http://www.w3.org/2001/XMLSchema" xmlns:p="http://schemas.microsoft.com/office/2006/metadata/properties" xmlns:ns1="http://schemas.microsoft.com/sharepoint/v3" xmlns:ns2="C6B13D8A-F6C8-4777-9906-93DFDA163C9A" targetNamespace="http://schemas.microsoft.com/office/2006/metadata/properties" ma:root="true" ma:fieldsID="10d7d5cf4be4c05f12ebb16474ba6c35" ns1:_="" ns2:_="">
     <xsd:import namespace="http://schemas.microsoft.com/sharepoint/v3"/>
@@ -20785,6 +20733,22 @@
 </ct:contentTypeSchema>
 </file>
 
+<file path=customXml/item3.xml><?xml version="1.0" encoding="utf-8"?>
+<p:properties xmlns:p="http://schemas.microsoft.com/office/2006/metadata/properties" xmlns:xsi="http://www.w3.org/2001/XMLSchema-instance" xmlns:pc="http://schemas.microsoft.com/office/infopath/2007/PartnerControls">
+  <documentManagement>
+    <TemplateUrl xmlns="http://schemas.microsoft.com/sharepoint/v3" xsi:nil="true"/>
+    <_SourceUrl xmlns="http://schemas.microsoft.com/sharepoint/v3" xsi:nil="true"/>
+    <Comments0 xmlns="C6B13D8A-F6C8-4777-9906-93DFDA163C9A" xsi:nil="true"/>
+    <xd_ProgID xmlns="http://schemas.microsoft.com/sharepoint/v3" xsi:nil="true"/>
+    <test xmlns="C6B13D8A-F6C8-4777-9906-93DFDA163C9A" xsi:nil="true"/>
+    <Order xmlns="http://schemas.microsoft.com/sharepoint/v3" xsi:nil="true"/>
+    <_SharedFileIndex xmlns="http://schemas.microsoft.com/sharepoint/v3" xsi:nil="true"/>
+    <MetaInfo xmlns="http://schemas.microsoft.com/sharepoint/v3" xsi:nil="true"/>
+    <ContentTypeId xmlns="http://schemas.microsoft.com/sharepoint/v3">0x0101008A3DB1C6C8F67747990693DFDA163C9A</ContentTypeId>
+  </documentManagement>
+</p:properties>
+</file>
+
 <file path=customXml/itemProps1.xml><?xml version="1.0" encoding="utf-8"?>
 <ds:datastoreItem xmlns:ds="http://schemas.openxmlformats.org/officeDocument/2006/customXml" ds:itemID="{6268566E-43AA-4A68-BD58-84AB4DF5B82A}">
   <ds:schemaRefs>
@@ -20794,23 +20758,6 @@
 </file>
 
 <file path=customXml/itemProps2.xml><?xml version="1.0" encoding="utf-8"?>
-<ds:datastoreItem xmlns:ds="http://schemas.openxmlformats.org/officeDocument/2006/customXml" ds:itemID="{F59E41AE-6836-4572-AAEF-EE3E09D690B6}">
-  <ds:schemaRefs>
-    <ds:schemaRef ds:uri="http://schemas.microsoft.com/office/infopath/2007/PartnerControls"/>
-    <ds:schemaRef ds:uri="http://www.w3.org/XML/1998/namespace"/>
-    <ds:schemaRef ds:uri="http://purl.org/dc/terms/"/>
-    <ds:schemaRef ds:uri="http://purl.org/dc/elements/1.1/"/>
-    <ds:schemaRef ds:uri="http://schemas.microsoft.com/office/2006/metadata/properties"/>
-    <ds:schemaRef ds:uri="http://schemas.openxmlformats.org/package/2006/metadata/core-properties"/>
-    <ds:schemaRef ds:uri="C6B13D8A-F6C8-4777-9906-93DFDA163C9A"/>
-    <ds:schemaRef ds:uri="http://schemas.microsoft.com/office/2006/documentManagement/types"/>
-    <ds:schemaRef ds:uri="http://schemas.microsoft.com/sharepoint/v3"/>
-    <ds:schemaRef ds:uri="http://purl.org/dc/dcmitype/"/>
-  </ds:schemaRefs>
-</ds:datastoreItem>
-</file>
-
-<file path=customXml/itemProps3.xml><?xml version="1.0" encoding="utf-8"?>
 <ds:datastoreItem xmlns:ds="http://schemas.openxmlformats.org/officeDocument/2006/customXml" ds:itemID="{CC4C9FB6-25E4-4D1F-A1E8-D3497EBEE75E}">
   <ds:schemaRefs>
     <ds:schemaRef ds:uri="http://schemas.microsoft.com/office/2006/metadata/contentType"/>
@@ -20827,4 +20774,21 @@
     <ds:schemaRef ds:uri="http://schemas.microsoft.com/internal/obd"/>
   </ds:schemaRefs>
 </ds:datastoreItem>
+</file>
+
+<file path=customXml/itemProps3.xml><?xml version="1.0" encoding="utf-8"?>
+<ds:datastoreItem xmlns:ds="http://schemas.openxmlformats.org/officeDocument/2006/customXml" ds:itemID="{F59E41AE-6836-4572-AAEF-EE3E09D690B6}">
+  <ds:schemaRefs>
+    <ds:schemaRef ds:uri="http://schemas.microsoft.com/office/infopath/2007/PartnerControls"/>
+    <ds:schemaRef ds:uri="http://www.w3.org/XML/1998/namespace"/>
+    <ds:schemaRef ds:uri="http://purl.org/dc/terms/"/>
+    <ds:schemaRef ds:uri="http://purl.org/dc/elements/1.1/"/>
+    <ds:schemaRef ds:uri="http://schemas.microsoft.com/office/2006/metadata/properties"/>
+    <ds:schemaRef ds:uri="http://schemas.openxmlformats.org/package/2006/metadata/core-properties"/>
+    <ds:schemaRef ds:uri="C6B13D8A-F6C8-4777-9906-93DFDA163C9A"/>
+    <ds:schemaRef ds:uri="http://schemas.microsoft.com/office/2006/documentManagement/types"/>
+    <ds:schemaRef ds:uri="http://schemas.microsoft.com/sharepoint/v3"/>
+    <ds:schemaRef ds:uri="http://purl.org/dc/dcmitype/"/>
+  </ds:schemaRefs>
+</ds:datastoreItem>
 </file>